--- a/3_pLoT_continued.pptx
+++ b/3_pLoT_continued.pptx
@@ -5,29 +5,30 @@
     <p:sldMasterId id="2147483648" r:id="rId1"/>
   </p:sldMasterIdLst>
   <p:notesMasterIdLst>
-    <p:notesMasterId r:id="rId22"/>
+    <p:notesMasterId r:id="rId23"/>
   </p:notesMasterIdLst>
   <p:sldIdLst>
     <p:sldId id="256" r:id="rId2"/>
-    <p:sldId id="272" r:id="rId3"/>
-    <p:sldId id="265" r:id="rId4"/>
-    <p:sldId id="264" r:id="rId5"/>
-    <p:sldId id="257" r:id="rId6"/>
-    <p:sldId id="261" r:id="rId7"/>
-    <p:sldId id="266" r:id="rId8"/>
-    <p:sldId id="267" r:id="rId9"/>
-    <p:sldId id="262" r:id="rId10"/>
-    <p:sldId id="260" r:id="rId11"/>
-    <p:sldId id="268" r:id="rId12"/>
-    <p:sldId id="269" r:id="rId13"/>
-    <p:sldId id="263" r:id="rId14"/>
-    <p:sldId id="274" r:id="rId15"/>
-    <p:sldId id="275" r:id="rId16"/>
-    <p:sldId id="259" r:id="rId17"/>
-    <p:sldId id="276" r:id="rId18"/>
-    <p:sldId id="277" r:id="rId19"/>
-    <p:sldId id="270" r:id="rId20"/>
-    <p:sldId id="271" r:id="rId21"/>
+    <p:sldId id="278" r:id="rId3"/>
+    <p:sldId id="272" r:id="rId4"/>
+    <p:sldId id="265" r:id="rId5"/>
+    <p:sldId id="264" r:id="rId6"/>
+    <p:sldId id="257" r:id="rId7"/>
+    <p:sldId id="261" r:id="rId8"/>
+    <p:sldId id="266" r:id="rId9"/>
+    <p:sldId id="267" r:id="rId10"/>
+    <p:sldId id="262" r:id="rId11"/>
+    <p:sldId id="260" r:id="rId12"/>
+    <p:sldId id="268" r:id="rId13"/>
+    <p:sldId id="269" r:id="rId14"/>
+    <p:sldId id="263" r:id="rId15"/>
+    <p:sldId id="274" r:id="rId16"/>
+    <p:sldId id="275" r:id="rId17"/>
+    <p:sldId id="259" r:id="rId18"/>
+    <p:sldId id="276" r:id="rId19"/>
+    <p:sldId id="277" r:id="rId20"/>
+    <p:sldId id="270" r:id="rId21"/>
+    <p:sldId id="271" r:id="rId22"/>
   </p:sldIdLst>
   <p:sldSz cx="12192000" cy="6858000"/>
   <p:notesSz cx="6858000" cy="9144000"/>
@@ -219,7 +220,7 @@
           <a:p>
             <a:fld id="{06253CCA-C154-4C2A-AEFE-CC2D929D183B}" type="datetimeFigureOut">
               <a:rPr lang="en-DE" smtClean="0"/>
-              <a:t>28/04/2022</a:t>
+              <a:t>02/05/2022</a:t>
             </a:fld>
             <a:endParaRPr lang="en-DE"/>
           </a:p>
@@ -600,7 +601,7 @@
           <a:p>
             <a:fld id="{AB15CAF2-866C-4B9D-AF04-DA0C179C1327}" type="slidenum">
               <a:rPr lang="en-DE" smtClean="0"/>
-              <a:t>5</a:t>
+              <a:t>6</a:t>
             </a:fld>
             <a:endParaRPr lang="en-DE"/>
           </a:p>
@@ -772,7 +773,7 @@
           <a:p>
             <a:fld id="{ED94CEEB-4757-4CEF-A2B8-DD5B351715CD}" type="datetimeFigureOut">
               <a:rPr lang="en-DE" smtClean="0"/>
-              <a:t>28/04/2022</a:t>
+              <a:t>02/05/2022</a:t>
             </a:fld>
             <a:endParaRPr lang="en-DE"/>
           </a:p>
@@ -1023,7 +1024,7 @@
           <a:p>
             <a:fld id="{ED94CEEB-4757-4CEF-A2B8-DD5B351715CD}" type="datetimeFigureOut">
               <a:rPr lang="en-DE" smtClean="0"/>
-              <a:t>28/04/2022</a:t>
+              <a:t>02/05/2022</a:t>
             </a:fld>
             <a:endParaRPr lang="en-DE"/>
           </a:p>
@@ -1233,7 +1234,7 @@
           <a:p>
             <a:fld id="{ED94CEEB-4757-4CEF-A2B8-DD5B351715CD}" type="datetimeFigureOut">
               <a:rPr lang="en-DE" smtClean="0"/>
-              <a:t>28/04/2022</a:t>
+              <a:t>02/05/2022</a:t>
             </a:fld>
             <a:endParaRPr lang="en-DE"/>
           </a:p>
@@ -1467,7 +1468,7 @@
           <a:p>
             <a:fld id="{ED94CEEB-4757-4CEF-A2B8-DD5B351715CD}" type="datetimeFigureOut">
               <a:rPr lang="en-DE" smtClean="0"/>
-              <a:t>28/04/2022</a:t>
+              <a:t>02/05/2022</a:t>
             </a:fld>
             <a:endParaRPr lang="en-DE"/>
           </a:p>
@@ -1790,7 +1791,7 @@
           <a:p>
             <a:fld id="{ED94CEEB-4757-4CEF-A2B8-DD5B351715CD}" type="datetimeFigureOut">
               <a:rPr lang="en-DE" smtClean="0"/>
-              <a:t>28/04/2022</a:t>
+              <a:t>02/05/2022</a:t>
             </a:fld>
             <a:endParaRPr lang="en-DE"/>
           </a:p>
@@ -2058,7 +2059,7 @@
           <a:p>
             <a:fld id="{ED94CEEB-4757-4CEF-A2B8-DD5B351715CD}" type="datetimeFigureOut">
               <a:rPr lang="en-DE" smtClean="0"/>
-              <a:t>28/04/2022</a:t>
+              <a:t>02/05/2022</a:t>
             </a:fld>
             <a:endParaRPr lang="en-DE"/>
           </a:p>
@@ -2473,7 +2474,7 @@
           <a:p>
             <a:fld id="{ED94CEEB-4757-4CEF-A2B8-DD5B351715CD}" type="datetimeFigureOut">
               <a:rPr lang="en-DE" smtClean="0"/>
-              <a:t>28/04/2022</a:t>
+              <a:t>02/05/2022</a:t>
             </a:fld>
             <a:endParaRPr lang="en-DE"/>
           </a:p>
@@ -2615,7 +2616,7 @@
           <a:p>
             <a:fld id="{ED94CEEB-4757-4CEF-A2B8-DD5B351715CD}" type="datetimeFigureOut">
               <a:rPr lang="en-DE" smtClean="0"/>
-              <a:t>28/04/2022</a:t>
+              <a:t>02/05/2022</a:t>
             </a:fld>
             <a:endParaRPr lang="en-DE"/>
           </a:p>
@@ -2728,7 +2729,7 @@
           <a:p>
             <a:fld id="{ED94CEEB-4757-4CEF-A2B8-DD5B351715CD}" type="datetimeFigureOut">
               <a:rPr lang="en-DE" smtClean="0"/>
-              <a:t>28/04/2022</a:t>
+              <a:t>02/05/2022</a:t>
             </a:fld>
             <a:endParaRPr lang="en-DE"/>
           </a:p>
@@ -3041,7 +3042,7 @@
           <a:p>
             <a:fld id="{ED94CEEB-4757-4CEF-A2B8-DD5B351715CD}" type="datetimeFigureOut">
               <a:rPr lang="en-DE" smtClean="0"/>
-              <a:t>28/04/2022</a:t>
+              <a:t>02/05/2022</a:t>
             </a:fld>
             <a:endParaRPr lang="en-DE"/>
           </a:p>
@@ -3330,7 +3331,7 @@
           <a:p>
             <a:fld id="{ED94CEEB-4757-4CEF-A2B8-DD5B351715CD}" type="datetimeFigureOut">
               <a:rPr lang="en-DE" smtClean="0"/>
-              <a:t>28/04/2022</a:t>
+              <a:t>02/05/2022</a:t>
             </a:fld>
             <a:endParaRPr lang="en-DE"/>
           </a:p>
@@ -3573,7 +3574,7 @@
           <a:p>
             <a:fld id="{ED94CEEB-4757-4CEF-A2B8-DD5B351715CD}" type="datetimeFigureOut">
               <a:rPr lang="en-DE" smtClean="0"/>
-              <a:t>28/04/2022</a:t>
+              <a:t>02/05/2022</a:t>
             </a:fld>
             <a:endParaRPr lang="en-DE"/>
           </a:p>
@@ -4143,7 +4144,7 @@
           <p:cNvPr id="2" name="Title 1">
             <a:extLst>
               <a:ext uri="{FF2B5EF4-FFF2-40B4-BE49-F238E27FC236}">
-                <a16:creationId xmlns:a16="http://schemas.microsoft.com/office/drawing/2014/main" id="{2F67365A-793B-4D78-8789-80905F86FBA1}"/>
+                <a16:creationId xmlns:a16="http://schemas.microsoft.com/office/drawing/2014/main" id="{04D3215F-CE57-4CA5-8DA1-0E9092EC73E5}"/>
               </a:ext>
             </a:extLst>
           </p:cNvPr>
@@ -4161,7 +4162,7 @@
           <a:p>
             <a:r>
               <a:rPr lang="en-US" dirty="0"/>
-              <a:t>Regress objections I</a:t>
+              <a:t>‘Everything is a computer’</a:t>
             </a:r>
             <a:endParaRPr lang="en-DE" dirty="0"/>
           </a:p>
@@ -4172,7 +4173,7 @@
           <p:cNvPr id="3" name="Content Placeholder 2">
             <a:extLst>
               <a:ext uri="{FF2B5EF4-FFF2-40B4-BE49-F238E27FC236}">
-                <a16:creationId xmlns:a16="http://schemas.microsoft.com/office/drawing/2014/main" id="{6AAA4022-6830-4BB1-9E58-D6FFF9BCC7ED}"/>
+                <a16:creationId xmlns:a16="http://schemas.microsoft.com/office/drawing/2014/main" id="{643F557F-C2A9-42A9-93AD-7A91F164662E}"/>
               </a:ext>
             </a:extLst>
           </p:cNvPr>
@@ -4183,12 +4184,7 @@
             <p:ph idx="1"/>
           </p:nvPr>
         </p:nvSpPr>
-        <p:spPr>
-          <a:xfrm>
-            <a:off x="680483" y="1820308"/>
-            <a:ext cx="10831033" cy="4926050"/>
-          </a:xfrm>
-        </p:spPr>
+        <p:spPr/>
         <p:txBody>
           <a:bodyPr>
             <a:normAutofit fontScale="92500" lnSpcReduction="10000"/>
@@ -4197,69 +4193,492 @@
           <a:p>
             <a:r>
               <a:rPr lang="en-US" dirty="0"/>
-              <a:t>As we saw last week, Fodor’s account of learning the meaning of words is by ‘hypothesis formation and testing’.</a:t>
-            </a:r>
-          </a:p>
-          <a:p>
-            <a:r>
-              <a:rPr lang="en-US" dirty="0"/>
-              <a:t>This raises the question: How do children learn the </a:t>
-            </a:r>
-            <a:r>
-              <a:rPr lang="en-US" dirty="0" err="1"/>
-              <a:t>LoT</a:t>
-            </a:r>
-            <a:r>
-              <a:rPr lang="en-US" dirty="0"/>
-              <a:t>?</a:t>
-            </a:r>
-          </a:p>
-          <a:p>
-            <a:r>
-              <a:rPr lang="en-US" dirty="0"/>
-              <a:t>Fodor’s answer is obviously: they don’t. It’s </a:t>
+              <a:t>Section 2.2 in </a:t>
             </a:r>
             <a:r>
               <a:rPr lang="en-US" i="1" dirty="0"/>
-              <a:t>innate</a:t>
-            </a:r>
-            <a:r>
-              <a:rPr lang="en-US" dirty="0"/>
-              <a:t>.</a:t>
-            </a:r>
-          </a:p>
-          <a:p>
-            <a:r>
-              <a:rPr lang="en-US" dirty="0"/>
-              <a:t>In other words, hypothesis formation and testing does not apply to </a:t>
+              <a:t>The Mind as the Software of the Brain</a:t>
+            </a:r>
+          </a:p>
+          <a:p>
+            <a:pPr algn="l"/>
+            <a:r>
+              <a:rPr lang="en-US" dirty="0"/>
+              <a:t>Primary source: </a:t>
+            </a:r>
+            <a:r>
+              <a:rPr lang="en-US" b="0" i="0" dirty="0">
+                <a:solidFill>
+                  <a:srgbClr val="000000"/>
+                </a:solidFill>
+                <a:effectLst/>
+              </a:rPr>
+              <a:t>Putnam, Hilary, 1988. </a:t>
+            </a:r>
+            <a:r>
+              <a:rPr lang="en-US" b="0" i="1" dirty="0">
+                <a:solidFill>
+                  <a:srgbClr val="000000"/>
+                </a:solidFill>
+                <a:effectLst/>
+              </a:rPr>
+              <a:t>Representation and Reality</a:t>
+            </a:r>
+            <a:r>
+              <a:rPr lang="en-US" b="0" i="0" dirty="0">
+                <a:solidFill>
+                  <a:srgbClr val="000000"/>
+                </a:solidFill>
+                <a:effectLst/>
+              </a:rPr>
+              <a:t> (pp.95-96 and 121-125). </a:t>
+            </a:r>
+          </a:p>
+          <a:p>
+            <a:pPr algn="l"/>
+            <a:r>
+              <a:rPr lang="en-US" b="0" i="0" dirty="0">
+                <a:solidFill>
+                  <a:srgbClr val="000000"/>
+                </a:solidFill>
+                <a:effectLst/>
+              </a:rPr>
+              <a:t>This is a long attack on functionalism by Putnam, one of the people who invented it in the first place.</a:t>
+            </a:r>
+          </a:p>
+          <a:p>
+            <a:pPr algn="l"/>
+            <a:r>
+              <a:rPr lang="en-US" dirty="0"/>
+              <a:t>The argument is too complicated to analyze it here (see book’s Appendix)</a:t>
+            </a:r>
+          </a:p>
+          <a:p>
+            <a:pPr algn="l"/>
+            <a:r>
+              <a:rPr lang="en-US" dirty="0"/>
+              <a:t>The conclusion is: any physical system can be </a:t>
             </a:r>
             <a:r>
               <a:rPr lang="en-US" i="1" dirty="0"/>
-              <a:t>concepts</a:t>
-            </a:r>
-            <a:r>
-              <a:rPr lang="en-US" dirty="0"/>
-              <a:t>:</a:t>
-            </a:r>
-          </a:p>
-          <a:p>
-            <a:r>
-              <a:rPr lang="en-US" dirty="0"/>
-              <a:t>‘Now, according to HF, the process by which one learns C must include the inductive evaluation of some such hypothesis as “The C things are the ones that are green or triangular”. But the inductive evaluation of that hypothesis itself requires (inter alia) bringing the property green or triangular before the mind as such […] Quite generally, you can’t represent anything as such and such unless you already have the concept such and such. All that being so, it follows, on pain of circularity, that “concept learning” as HF understands it can’t be a way of acquiring concept C […] Conclusion: If concept learning is as HF understands it, there can be no such thing. This conclusion is entirely general; it doesn’t matter whether the target concept is primitive (like green) or complex (like green or triangular).’ (2008, p.39)</a:t>
-            </a:r>
+              <a:t>interpreted</a:t>
+            </a:r>
+            <a:r>
+              <a:rPr lang="en-US" dirty="0"/>
+              <a:t> as instantiating any computation.</a:t>
+            </a:r>
+          </a:p>
+          <a:p>
+            <a:pPr algn="l"/>
+            <a:r>
+              <a:rPr lang="en-US" dirty="0"/>
+              <a:t>For instance, with the right interpretation we could see a wall as instantiating Doom or Crysis (Can it run Crysis? </a:t>
+            </a:r>
+            <a:r>
+              <a:rPr lang="en-US" i="1" dirty="0"/>
+              <a:t>Yes</a:t>
+            </a:r>
+            <a:r>
+              <a:rPr lang="en-US" dirty="0"/>
+              <a:t>)</a:t>
+            </a:r>
+          </a:p>
+          <a:p>
+            <a:pPr algn="l"/>
+            <a:r>
+              <a:rPr lang="en-US" dirty="0"/>
+              <a:t>And since there is no fact of the matter as to what interpretation is ‘correct’, computation cannot identify mental states.</a:t>
+            </a:r>
+            <a:br>
+              <a:rPr lang="en-US" dirty="0"/>
+            </a:br>
+            <a:endParaRPr lang="en-DE" dirty="0"/>
           </a:p>
         </p:txBody>
       </p:sp>
     </p:spTree>
     <p:extLst>
       <p:ext uri="{BB962C8B-B14F-4D97-AF65-F5344CB8AC3E}">
-        <p14:creationId xmlns:p14="http://schemas.microsoft.com/office/powerpoint/2010/main" val="4190341484"/>
+        <p14:creationId xmlns:p14="http://schemas.microsoft.com/office/powerpoint/2010/main" val="4202917446"/>
       </p:ext>
     </p:extLst>
   </p:cSld>
   <p:clrMapOvr>
     <a:masterClrMapping/>
   </p:clrMapOvr>
+  <p:timing>
+    <p:tnLst>
+      <p:par>
+        <p:cTn id="1" dur="indefinite" restart="never" nodeType="tmRoot">
+          <p:childTnLst>
+            <p:seq concurrent="1" nextAc="seek">
+              <p:cTn id="2" dur="indefinite" nodeType="mainSeq">
+                <p:childTnLst>
+                  <p:par>
+                    <p:cTn id="3" fill="hold">
+                      <p:stCondLst>
+                        <p:cond delay="indefinite"/>
+                      </p:stCondLst>
+                      <p:childTnLst>
+                        <p:par>
+                          <p:cTn id="4" fill="hold">
+                            <p:stCondLst>
+                              <p:cond delay="0"/>
+                            </p:stCondLst>
+                            <p:childTnLst>
+                              <p:par>
+                                <p:cTn id="5" presetID="1" presetClass="entr" presetSubtype="0" fill="hold" nodeType="clickEffect">
+                                  <p:stCondLst>
+                                    <p:cond delay="0"/>
+                                  </p:stCondLst>
+                                  <p:childTnLst>
+                                    <p:set>
+                                      <p:cBhvr>
+                                        <p:cTn id="6" dur="1" fill="hold">
+                                          <p:stCondLst>
+                                            <p:cond delay="0"/>
+                                          </p:stCondLst>
+                                        </p:cTn>
+                                        <p:tgtEl>
+                                          <p:spTgt spid="3">
+                                            <p:txEl>
+                                              <p:pRg st="0" end="0"/>
+                                            </p:txEl>
+                                          </p:spTgt>
+                                        </p:tgtEl>
+                                        <p:attrNameLst>
+                                          <p:attrName>style.visibility</p:attrName>
+                                        </p:attrNameLst>
+                                      </p:cBhvr>
+                                      <p:to>
+                                        <p:strVal val="visible"/>
+                                      </p:to>
+                                    </p:set>
+                                  </p:childTnLst>
+                                </p:cTn>
+                              </p:par>
+                            </p:childTnLst>
+                          </p:cTn>
+                        </p:par>
+                      </p:childTnLst>
+                    </p:cTn>
+                  </p:par>
+                  <p:par>
+                    <p:cTn id="7" fill="hold">
+                      <p:stCondLst>
+                        <p:cond delay="indefinite"/>
+                      </p:stCondLst>
+                      <p:childTnLst>
+                        <p:par>
+                          <p:cTn id="8" fill="hold">
+                            <p:stCondLst>
+                              <p:cond delay="0"/>
+                            </p:stCondLst>
+                            <p:childTnLst>
+                              <p:par>
+                                <p:cTn id="9" presetID="1" presetClass="entr" presetSubtype="0" fill="hold" nodeType="clickEffect">
+                                  <p:stCondLst>
+                                    <p:cond delay="0"/>
+                                  </p:stCondLst>
+                                  <p:childTnLst>
+                                    <p:set>
+                                      <p:cBhvr>
+                                        <p:cTn id="10" dur="1" fill="hold">
+                                          <p:stCondLst>
+                                            <p:cond delay="0"/>
+                                          </p:stCondLst>
+                                        </p:cTn>
+                                        <p:tgtEl>
+                                          <p:spTgt spid="3">
+                                            <p:txEl>
+                                              <p:pRg st="1" end="1"/>
+                                            </p:txEl>
+                                          </p:spTgt>
+                                        </p:tgtEl>
+                                        <p:attrNameLst>
+                                          <p:attrName>style.visibility</p:attrName>
+                                        </p:attrNameLst>
+                                      </p:cBhvr>
+                                      <p:to>
+                                        <p:strVal val="visible"/>
+                                      </p:to>
+                                    </p:set>
+                                  </p:childTnLst>
+                                </p:cTn>
+                              </p:par>
+                            </p:childTnLst>
+                          </p:cTn>
+                        </p:par>
+                      </p:childTnLst>
+                    </p:cTn>
+                  </p:par>
+                  <p:par>
+                    <p:cTn id="11" fill="hold">
+                      <p:stCondLst>
+                        <p:cond delay="indefinite"/>
+                      </p:stCondLst>
+                      <p:childTnLst>
+                        <p:par>
+                          <p:cTn id="12" fill="hold">
+                            <p:stCondLst>
+                              <p:cond delay="0"/>
+                            </p:stCondLst>
+                            <p:childTnLst>
+                              <p:par>
+                                <p:cTn id="13" presetID="1" presetClass="entr" presetSubtype="0" fill="hold" nodeType="clickEffect">
+                                  <p:stCondLst>
+                                    <p:cond delay="0"/>
+                                  </p:stCondLst>
+                                  <p:childTnLst>
+                                    <p:set>
+                                      <p:cBhvr>
+                                        <p:cTn id="14" dur="1" fill="hold">
+                                          <p:stCondLst>
+                                            <p:cond delay="0"/>
+                                          </p:stCondLst>
+                                        </p:cTn>
+                                        <p:tgtEl>
+                                          <p:spTgt spid="3">
+                                            <p:txEl>
+                                              <p:pRg st="2" end="2"/>
+                                            </p:txEl>
+                                          </p:spTgt>
+                                        </p:tgtEl>
+                                        <p:attrNameLst>
+                                          <p:attrName>style.visibility</p:attrName>
+                                        </p:attrNameLst>
+                                      </p:cBhvr>
+                                      <p:to>
+                                        <p:strVal val="visible"/>
+                                      </p:to>
+                                    </p:set>
+                                  </p:childTnLst>
+                                </p:cTn>
+                              </p:par>
+                            </p:childTnLst>
+                          </p:cTn>
+                        </p:par>
+                      </p:childTnLst>
+                    </p:cTn>
+                  </p:par>
+                  <p:par>
+                    <p:cTn id="15" fill="hold">
+                      <p:stCondLst>
+                        <p:cond delay="indefinite"/>
+                      </p:stCondLst>
+                      <p:childTnLst>
+                        <p:par>
+                          <p:cTn id="16" fill="hold">
+                            <p:stCondLst>
+                              <p:cond delay="0"/>
+                            </p:stCondLst>
+                            <p:childTnLst>
+                              <p:par>
+                                <p:cTn id="17" presetID="1" presetClass="entr" presetSubtype="0" fill="hold" nodeType="clickEffect">
+                                  <p:stCondLst>
+                                    <p:cond delay="0"/>
+                                  </p:stCondLst>
+                                  <p:childTnLst>
+                                    <p:set>
+                                      <p:cBhvr>
+                                        <p:cTn id="18" dur="1" fill="hold">
+                                          <p:stCondLst>
+                                            <p:cond delay="0"/>
+                                          </p:stCondLst>
+                                        </p:cTn>
+                                        <p:tgtEl>
+                                          <p:spTgt spid="3">
+                                            <p:txEl>
+                                              <p:pRg st="3" end="3"/>
+                                            </p:txEl>
+                                          </p:spTgt>
+                                        </p:tgtEl>
+                                        <p:attrNameLst>
+                                          <p:attrName>style.visibility</p:attrName>
+                                        </p:attrNameLst>
+                                      </p:cBhvr>
+                                      <p:to>
+                                        <p:strVal val="visible"/>
+                                      </p:to>
+                                    </p:set>
+                                  </p:childTnLst>
+                                </p:cTn>
+                              </p:par>
+                            </p:childTnLst>
+                          </p:cTn>
+                        </p:par>
+                      </p:childTnLst>
+                    </p:cTn>
+                  </p:par>
+                  <p:par>
+                    <p:cTn id="19" fill="hold">
+                      <p:stCondLst>
+                        <p:cond delay="indefinite"/>
+                      </p:stCondLst>
+                      <p:childTnLst>
+                        <p:par>
+                          <p:cTn id="20" fill="hold">
+                            <p:stCondLst>
+                              <p:cond delay="0"/>
+                            </p:stCondLst>
+                            <p:childTnLst>
+                              <p:par>
+                                <p:cTn id="21" presetID="1" presetClass="entr" presetSubtype="0" fill="hold" nodeType="clickEffect">
+                                  <p:stCondLst>
+                                    <p:cond delay="0"/>
+                                  </p:stCondLst>
+                                  <p:childTnLst>
+                                    <p:set>
+                                      <p:cBhvr>
+                                        <p:cTn id="22" dur="1" fill="hold">
+                                          <p:stCondLst>
+                                            <p:cond delay="0"/>
+                                          </p:stCondLst>
+                                        </p:cTn>
+                                        <p:tgtEl>
+                                          <p:spTgt spid="3">
+                                            <p:txEl>
+                                              <p:pRg st="4" end="4"/>
+                                            </p:txEl>
+                                          </p:spTgt>
+                                        </p:tgtEl>
+                                        <p:attrNameLst>
+                                          <p:attrName>style.visibility</p:attrName>
+                                        </p:attrNameLst>
+                                      </p:cBhvr>
+                                      <p:to>
+                                        <p:strVal val="visible"/>
+                                      </p:to>
+                                    </p:set>
+                                  </p:childTnLst>
+                                </p:cTn>
+                              </p:par>
+                            </p:childTnLst>
+                          </p:cTn>
+                        </p:par>
+                      </p:childTnLst>
+                    </p:cTn>
+                  </p:par>
+                  <p:par>
+                    <p:cTn id="23" fill="hold">
+                      <p:stCondLst>
+                        <p:cond delay="indefinite"/>
+                      </p:stCondLst>
+                      <p:childTnLst>
+                        <p:par>
+                          <p:cTn id="24" fill="hold">
+                            <p:stCondLst>
+                              <p:cond delay="0"/>
+                            </p:stCondLst>
+                            <p:childTnLst>
+                              <p:par>
+                                <p:cTn id="25" presetID="1" presetClass="entr" presetSubtype="0" fill="hold" nodeType="clickEffect">
+                                  <p:stCondLst>
+                                    <p:cond delay="0"/>
+                                  </p:stCondLst>
+                                  <p:childTnLst>
+                                    <p:set>
+                                      <p:cBhvr>
+                                        <p:cTn id="26" dur="1" fill="hold">
+                                          <p:stCondLst>
+                                            <p:cond delay="0"/>
+                                          </p:stCondLst>
+                                        </p:cTn>
+                                        <p:tgtEl>
+                                          <p:spTgt spid="3">
+                                            <p:txEl>
+                                              <p:pRg st="5" end="5"/>
+                                            </p:txEl>
+                                          </p:spTgt>
+                                        </p:tgtEl>
+                                        <p:attrNameLst>
+                                          <p:attrName>style.visibility</p:attrName>
+                                        </p:attrNameLst>
+                                      </p:cBhvr>
+                                      <p:to>
+                                        <p:strVal val="visible"/>
+                                      </p:to>
+                                    </p:set>
+                                  </p:childTnLst>
+                                </p:cTn>
+                              </p:par>
+                            </p:childTnLst>
+                          </p:cTn>
+                        </p:par>
+                      </p:childTnLst>
+                    </p:cTn>
+                  </p:par>
+                  <p:par>
+                    <p:cTn id="27" fill="hold">
+                      <p:stCondLst>
+                        <p:cond delay="indefinite"/>
+                      </p:stCondLst>
+                      <p:childTnLst>
+                        <p:par>
+                          <p:cTn id="28" fill="hold">
+                            <p:stCondLst>
+                              <p:cond delay="0"/>
+                            </p:stCondLst>
+                            <p:childTnLst>
+                              <p:par>
+                                <p:cTn id="29" presetID="1" presetClass="entr" presetSubtype="0" fill="hold" nodeType="clickEffect">
+                                  <p:stCondLst>
+                                    <p:cond delay="0"/>
+                                  </p:stCondLst>
+                                  <p:childTnLst>
+                                    <p:set>
+                                      <p:cBhvr>
+                                        <p:cTn id="30" dur="1" fill="hold">
+                                          <p:stCondLst>
+                                            <p:cond delay="0"/>
+                                          </p:stCondLst>
+                                        </p:cTn>
+                                        <p:tgtEl>
+                                          <p:spTgt spid="3">
+                                            <p:txEl>
+                                              <p:pRg st="6" end="6"/>
+                                            </p:txEl>
+                                          </p:spTgt>
+                                        </p:tgtEl>
+                                        <p:attrNameLst>
+                                          <p:attrName>style.visibility</p:attrName>
+                                        </p:attrNameLst>
+                                      </p:cBhvr>
+                                      <p:to>
+                                        <p:strVal val="visible"/>
+                                      </p:to>
+                                    </p:set>
+                                  </p:childTnLst>
+                                </p:cTn>
+                              </p:par>
+                            </p:childTnLst>
+                          </p:cTn>
+                        </p:par>
+                      </p:childTnLst>
+                    </p:cTn>
+                  </p:par>
+                </p:childTnLst>
+              </p:cTn>
+              <p:prevCondLst>
+                <p:cond evt="onPrev" delay="0">
+                  <p:tgtEl>
+                    <p:sldTgt/>
+                  </p:tgtEl>
+                </p:cond>
+              </p:prevCondLst>
+              <p:nextCondLst>
+                <p:cond evt="onNext" delay="0">
+                  <p:tgtEl>
+                    <p:sldTgt/>
+                  </p:tgtEl>
+                </p:cond>
+              </p:nextCondLst>
+            </p:seq>
+          </p:childTnLst>
+        </p:cTn>
+      </p:par>
+    </p:tnLst>
+  </p:timing>
 </p:sld>
 </file>
 
@@ -4327,6 +4746,427 @@
         </p:nvSpPr>
         <p:spPr>
           <a:xfrm>
+            <a:off x="680483" y="1820308"/>
+            <a:ext cx="10831033" cy="4926050"/>
+          </a:xfrm>
+        </p:spPr>
+        <p:txBody>
+          <a:bodyPr>
+            <a:normAutofit lnSpcReduction="10000"/>
+          </a:bodyPr>
+          <a:lstStyle/>
+          <a:p>
+            <a:r>
+              <a:rPr lang="en-US" dirty="0"/>
+              <a:t>As we saw last week, Fodor’s account of learning the meaning of words is by ‘hypothesis formation and testing’ (HF).</a:t>
+            </a:r>
+          </a:p>
+          <a:p>
+            <a:r>
+              <a:rPr lang="en-US" dirty="0"/>
+              <a:t>This raises the question: How do children learn the </a:t>
+            </a:r>
+            <a:r>
+              <a:rPr lang="en-US" dirty="0" err="1"/>
+              <a:t>LoT</a:t>
+            </a:r>
+            <a:r>
+              <a:rPr lang="en-US" dirty="0"/>
+              <a:t>?</a:t>
+            </a:r>
+          </a:p>
+          <a:p>
+            <a:r>
+              <a:rPr lang="en-US" dirty="0"/>
+              <a:t>Fodor’s answer is obviously: they don’t. It’s </a:t>
+            </a:r>
+            <a:r>
+              <a:rPr lang="en-US" i="1" dirty="0"/>
+              <a:t>innate</a:t>
+            </a:r>
+            <a:r>
+              <a:rPr lang="en-US" dirty="0"/>
+              <a:t>.</a:t>
+            </a:r>
+          </a:p>
+          <a:p>
+            <a:r>
+              <a:rPr lang="en-US" dirty="0"/>
+              <a:t>In other words, hypothesis formation and testing does not apply to </a:t>
+            </a:r>
+            <a:r>
+              <a:rPr lang="en-US" i="1" dirty="0"/>
+              <a:t>concepts</a:t>
+            </a:r>
+            <a:r>
+              <a:rPr lang="en-US" dirty="0"/>
+              <a:t>:</a:t>
+            </a:r>
+          </a:p>
+          <a:p>
+            <a:r>
+              <a:rPr lang="en-US" sz="2000" dirty="0"/>
+              <a:t>‘Now, according to HF, the process by which one learns C must include the inductive evaluation of some such hypothesis as “The C things are the ones that are green or triangular”. But the inductive evaluation of that hypothesis itself requires (inter alia) bringing the property green or triangular before the mind as such […] Quite generally, you can’t represent anything as such and such unless you already have the concept such and such. All that being so, it follows, on pain of circularity, that “concept learning” as HF understands it can’t be a way of acquiring concept C […] Conclusion: If concept learning is as HF understands it, there can be no such thing. This conclusion is entirely general; it doesn’t matter whether the target concept is primitive (like green) or complex (like green or triangular).’ </a:t>
+            </a:r>
+            <a:r>
+              <a:rPr lang="en-US" dirty="0"/>
+              <a:t>(Fodor 2008, p.139)</a:t>
+            </a:r>
+          </a:p>
+        </p:txBody>
+      </p:sp>
+    </p:spTree>
+    <p:extLst>
+      <p:ext uri="{BB962C8B-B14F-4D97-AF65-F5344CB8AC3E}">
+        <p14:creationId xmlns:p14="http://schemas.microsoft.com/office/powerpoint/2010/main" val="4190341484"/>
+      </p:ext>
+    </p:extLst>
+  </p:cSld>
+  <p:clrMapOvr>
+    <a:masterClrMapping/>
+  </p:clrMapOvr>
+  <p:timing>
+    <p:tnLst>
+      <p:par>
+        <p:cTn id="1" dur="indefinite" restart="never" nodeType="tmRoot">
+          <p:childTnLst>
+            <p:seq concurrent="1" nextAc="seek">
+              <p:cTn id="2" dur="indefinite" nodeType="mainSeq">
+                <p:childTnLst>
+                  <p:par>
+                    <p:cTn id="3" fill="hold">
+                      <p:stCondLst>
+                        <p:cond delay="indefinite"/>
+                      </p:stCondLst>
+                      <p:childTnLst>
+                        <p:par>
+                          <p:cTn id="4" fill="hold">
+                            <p:stCondLst>
+                              <p:cond delay="0"/>
+                            </p:stCondLst>
+                            <p:childTnLst>
+                              <p:par>
+                                <p:cTn id="5" presetID="1" presetClass="entr" presetSubtype="0" fill="hold" nodeType="clickEffect">
+                                  <p:stCondLst>
+                                    <p:cond delay="0"/>
+                                  </p:stCondLst>
+                                  <p:childTnLst>
+                                    <p:set>
+                                      <p:cBhvr>
+                                        <p:cTn id="6" dur="1" fill="hold">
+                                          <p:stCondLst>
+                                            <p:cond delay="0"/>
+                                          </p:stCondLst>
+                                        </p:cTn>
+                                        <p:tgtEl>
+                                          <p:spTgt spid="3">
+                                            <p:txEl>
+                                              <p:pRg st="0" end="0"/>
+                                            </p:txEl>
+                                          </p:spTgt>
+                                        </p:tgtEl>
+                                        <p:attrNameLst>
+                                          <p:attrName>style.visibility</p:attrName>
+                                        </p:attrNameLst>
+                                      </p:cBhvr>
+                                      <p:to>
+                                        <p:strVal val="visible"/>
+                                      </p:to>
+                                    </p:set>
+                                  </p:childTnLst>
+                                </p:cTn>
+                              </p:par>
+                            </p:childTnLst>
+                          </p:cTn>
+                        </p:par>
+                      </p:childTnLst>
+                    </p:cTn>
+                  </p:par>
+                  <p:par>
+                    <p:cTn id="7" fill="hold">
+                      <p:stCondLst>
+                        <p:cond delay="indefinite"/>
+                      </p:stCondLst>
+                      <p:childTnLst>
+                        <p:par>
+                          <p:cTn id="8" fill="hold">
+                            <p:stCondLst>
+                              <p:cond delay="0"/>
+                            </p:stCondLst>
+                            <p:childTnLst>
+                              <p:par>
+                                <p:cTn id="9" presetID="1" presetClass="entr" presetSubtype="0" fill="hold" nodeType="clickEffect">
+                                  <p:stCondLst>
+                                    <p:cond delay="0"/>
+                                  </p:stCondLst>
+                                  <p:childTnLst>
+                                    <p:set>
+                                      <p:cBhvr>
+                                        <p:cTn id="10" dur="1" fill="hold">
+                                          <p:stCondLst>
+                                            <p:cond delay="0"/>
+                                          </p:stCondLst>
+                                        </p:cTn>
+                                        <p:tgtEl>
+                                          <p:spTgt spid="3">
+                                            <p:txEl>
+                                              <p:pRg st="1" end="1"/>
+                                            </p:txEl>
+                                          </p:spTgt>
+                                        </p:tgtEl>
+                                        <p:attrNameLst>
+                                          <p:attrName>style.visibility</p:attrName>
+                                        </p:attrNameLst>
+                                      </p:cBhvr>
+                                      <p:to>
+                                        <p:strVal val="visible"/>
+                                      </p:to>
+                                    </p:set>
+                                  </p:childTnLst>
+                                </p:cTn>
+                              </p:par>
+                            </p:childTnLst>
+                          </p:cTn>
+                        </p:par>
+                      </p:childTnLst>
+                    </p:cTn>
+                  </p:par>
+                  <p:par>
+                    <p:cTn id="11" fill="hold">
+                      <p:stCondLst>
+                        <p:cond delay="indefinite"/>
+                      </p:stCondLst>
+                      <p:childTnLst>
+                        <p:par>
+                          <p:cTn id="12" fill="hold">
+                            <p:stCondLst>
+                              <p:cond delay="0"/>
+                            </p:stCondLst>
+                            <p:childTnLst>
+                              <p:par>
+                                <p:cTn id="13" presetID="1" presetClass="entr" presetSubtype="0" fill="hold" nodeType="clickEffect">
+                                  <p:stCondLst>
+                                    <p:cond delay="0"/>
+                                  </p:stCondLst>
+                                  <p:childTnLst>
+                                    <p:set>
+                                      <p:cBhvr>
+                                        <p:cTn id="14" dur="1" fill="hold">
+                                          <p:stCondLst>
+                                            <p:cond delay="0"/>
+                                          </p:stCondLst>
+                                        </p:cTn>
+                                        <p:tgtEl>
+                                          <p:spTgt spid="3">
+                                            <p:txEl>
+                                              <p:pRg st="2" end="2"/>
+                                            </p:txEl>
+                                          </p:spTgt>
+                                        </p:tgtEl>
+                                        <p:attrNameLst>
+                                          <p:attrName>style.visibility</p:attrName>
+                                        </p:attrNameLst>
+                                      </p:cBhvr>
+                                      <p:to>
+                                        <p:strVal val="visible"/>
+                                      </p:to>
+                                    </p:set>
+                                  </p:childTnLst>
+                                </p:cTn>
+                              </p:par>
+                            </p:childTnLst>
+                          </p:cTn>
+                        </p:par>
+                      </p:childTnLst>
+                    </p:cTn>
+                  </p:par>
+                  <p:par>
+                    <p:cTn id="15" fill="hold">
+                      <p:stCondLst>
+                        <p:cond delay="indefinite"/>
+                      </p:stCondLst>
+                      <p:childTnLst>
+                        <p:par>
+                          <p:cTn id="16" fill="hold">
+                            <p:stCondLst>
+                              <p:cond delay="0"/>
+                            </p:stCondLst>
+                            <p:childTnLst>
+                              <p:par>
+                                <p:cTn id="17" presetID="1" presetClass="entr" presetSubtype="0" fill="hold" nodeType="clickEffect">
+                                  <p:stCondLst>
+                                    <p:cond delay="0"/>
+                                  </p:stCondLst>
+                                  <p:childTnLst>
+                                    <p:set>
+                                      <p:cBhvr>
+                                        <p:cTn id="18" dur="1" fill="hold">
+                                          <p:stCondLst>
+                                            <p:cond delay="0"/>
+                                          </p:stCondLst>
+                                        </p:cTn>
+                                        <p:tgtEl>
+                                          <p:spTgt spid="3">
+                                            <p:txEl>
+                                              <p:pRg st="3" end="3"/>
+                                            </p:txEl>
+                                          </p:spTgt>
+                                        </p:tgtEl>
+                                        <p:attrNameLst>
+                                          <p:attrName>style.visibility</p:attrName>
+                                        </p:attrNameLst>
+                                      </p:cBhvr>
+                                      <p:to>
+                                        <p:strVal val="visible"/>
+                                      </p:to>
+                                    </p:set>
+                                  </p:childTnLst>
+                                </p:cTn>
+                              </p:par>
+                            </p:childTnLst>
+                          </p:cTn>
+                        </p:par>
+                      </p:childTnLst>
+                    </p:cTn>
+                  </p:par>
+                  <p:par>
+                    <p:cTn id="19" fill="hold">
+                      <p:stCondLst>
+                        <p:cond delay="indefinite"/>
+                      </p:stCondLst>
+                      <p:childTnLst>
+                        <p:par>
+                          <p:cTn id="20" fill="hold">
+                            <p:stCondLst>
+                              <p:cond delay="0"/>
+                            </p:stCondLst>
+                            <p:childTnLst>
+                              <p:par>
+                                <p:cTn id="21" presetID="1" presetClass="entr" presetSubtype="0" fill="hold" nodeType="clickEffect">
+                                  <p:stCondLst>
+                                    <p:cond delay="0"/>
+                                  </p:stCondLst>
+                                  <p:childTnLst>
+                                    <p:set>
+                                      <p:cBhvr>
+                                        <p:cTn id="22" dur="1" fill="hold">
+                                          <p:stCondLst>
+                                            <p:cond delay="0"/>
+                                          </p:stCondLst>
+                                        </p:cTn>
+                                        <p:tgtEl>
+                                          <p:spTgt spid="3">
+                                            <p:txEl>
+                                              <p:pRg st="4" end="4"/>
+                                            </p:txEl>
+                                          </p:spTgt>
+                                        </p:tgtEl>
+                                        <p:attrNameLst>
+                                          <p:attrName>style.visibility</p:attrName>
+                                        </p:attrNameLst>
+                                      </p:cBhvr>
+                                      <p:to>
+                                        <p:strVal val="visible"/>
+                                      </p:to>
+                                    </p:set>
+                                  </p:childTnLst>
+                                </p:cTn>
+                              </p:par>
+                            </p:childTnLst>
+                          </p:cTn>
+                        </p:par>
+                      </p:childTnLst>
+                    </p:cTn>
+                  </p:par>
+                </p:childTnLst>
+              </p:cTn>
+              <p:prevCondLst>
+                <p:cond evt="onPrev" delay="0">
+                  <p:tgtEl>
+                    <p:sldTgt/>
+                  </p:tgtEl>
+                </p:cond>
+              </p:prevCondLst>
+              <p:nextCondLst>
+                <p:cond evt="onNext" delay="0">
+                  <p:tgtEl>
+                    <p:sldTgt/>
+                  </p:tgtEl>
+                </p:cond>
+              </p:nextCondLst>
+            </p:seq>
+          </p:childTnLst>
+        </p:cTn>
+      </p:par>
+    </p:tnLst>
+  </p:timing>
+</p:sld>
+</file>
+
+<file path=ppt/slides/slide12.xml><?xml version="1.0" encoding="utf-8"?>
+<p:sld xmlns:a="http://schemas.openxmlformats.org/drawingml/2006/main" xmlns:r="http://schemas.openxmlformats.org/officeDocument/2006/relationships" xmlns:p="http://schemas.openxmlformats.org/presentationml/2006/main">
+  <p:cSld>
+    <p:spTree>
+      <p:nvGrpSpPr>
+        <p:cNvPr id="1" name=""/>
+        <p:cNvGrpSpPr/>
+        <p:nvPr/>
+      </p:nvGrpSpPr>
+      <p:grpSpPr>
+        <a:xfrm>
+          <a:off x="0" y="0"/>
+          <a:ext cx="0" cy="0"/>
+          <a:chOff x="0" y="0"/>
+          <a:chExt cx="0" cy="0"/>
+        </a:xfrm>
+      </p:grpSpPr>
+      <p:sp>
+        <p:nvSpPr>
+          <p:cNvPr id="2" name="Title 1">
+            <a:extLst>
+              <a:ext uri="{FF2B5EF4-FFF2-40B4-BE49-F238E27FC236}">
+                <a16:creationId xmlns:a16="http://schemas.microsoft.com/office/drawing/2014/main" id="{2F67365A-793B-4D78-8789-80905F86FBA1}"/>
+              </a:ext>
+            </a:extLst>
+          </p:cNvPr>
+          <p:cNvSpPr>
+            <a:spLocks noGrp="1"/>
+          </p:cNvSpPr>
+          <p:nvPr>
+            <p:ph type="title"/>
+          </p:nvPr>
+        </p:nvSpPr>
+        <p:spPr/>
+        <p:txBody>
+          <a:bodyPr/>
+          <a:lstStyle/>
+          <a:p>
+            <a:r>
+              <a:rPr lang="en-US" dirty="0"/>
+              <a:t>Regress objections I</a:t>
+            </a:r>
+            <a:endParaRPr lang="en-DE" dirty="0"/>
+          </a:p>
+        </p:txBody>
+      </p:sp>
+      <p:sp>
+        <p:nvSpPr>
+          <p:cNvPr id="3" name="Content Placeholder 2">
+            <a:extLst>
+              <a:ext uri="{FF2B5EF4-FFF2-40B4-BE49-F238E27FC236}">
+                <a16:creationId xmlns:a16="http://schemas.microsoft.com/office/drawing/2014/main" id="{6AAA4022-6830-4BB1-9E58-D6FFF9BCC7ED}"/>
+              </a:ext>
+            </a:extLst>
+          </p:cNvPr>
+          <p:cNvSpPr>
+            <a:spLocks noGrp="1"/>
+          </p:cNvSpPr>
+          <p:nvPr>
+            <p:ph idx="1"/>
+          </p:nvPr>
+        </p:nvSpPr>
+        <p:spPr>
+          <a:xfrm>
             <a:off x="838199" y="1825625"/>
             <a:ext cx="10831033" cy="4819724"/>
           </a:xfrm>
@@ -4366,7 +5206,15 @@
           <a:p>
             <a:r>
               <a:rPr lang="en-US" dirty="0"/>
-              <a:t>Still, clearly concepts can be acquired.</a:t>
+              <a:t>Still, clearly concepts can be </a:t>
+            </a:r>
+            <a:r>
+              <a:rPr lang="en-US" i="1" dirty="0"/>
+              <a:t>acquired</a:t>
+            </a:r>
+            <a:r>
+              <a:rPr lang="en-US" dirty="0"/>
+              <a:t>.</a:t>
             </a:r>
           </a:p>
           <a:p>
@@ -4407,10 +5255,383 @@
   <p:clrMapOvr>
     <a:masterClrMapping/>
   </p:clrMapOvr>
+  <p:timing>
+    <p:tnLst>
+      <p:par>
+        <p:cTn id="1" dur="indefinite" restart="never" nodeType="tmRoot">
+          <p:childTnLst>
+            <p:seq concurrent="1" nextAc="seek">
+              <p:cTn id="2" dur="indefinite" nodeType="mainSeq">
+                <p:childTnLst>
+                  <p:par>
+                    <p:cTn id="3" fill="hold">
+                      <p:stCondLst>
+                        <p:cond delay="indefinite"/>
+                      </p:stCondLst>
+                      <p:childTnLst>
+                        <p:par>
+                          <p:cTn id="4" fill="hold">
+                            <p:stCondLst>
+                              <p:cond delay="0"/>
+                            </p:stCondLst>
+                            <p:childTnLst>
+                              <p:par>
+                                <p:cTn id="5" presetID="1" presetClass="entr" presetSubtype="0" fill="hold" nodeType="clickEffect">
+                                  <p:stCondLst>
+                                    <p:cond delay="0"/>
+                                  </p:stCondLst>
+                                  <p:childTnLst>
+                                    <p:set>
+                                      <p:cBhvr>
+                                        <p:cTn id="6" dur="1" fill="hold">
+                                          <p:stCondLst>
+                                            <p:cond delay="0"/>
+                                          </p:stCondLst>
+                                        </p:cTn>
+                                        <p:tgtEl>
+                                          <p:spTgt spid="3">
+                                            <p:txEl>
+                                              <p:pRg st="0" end="0"/>
+                                            </p:txEl>
+                                          </p:spTgt>
+                                        </p:tgtEl>
+                                        <p:attrNameLst>
+                                          <p:attrName>style.visibility</p:attrName>
+                                        </p:attrNameLst>
+                                      </p:cBhvr>
+                                      <p:to>
+                                        <p:strVal val="visible"/>
+                                      </p:to>
+                                    </p:set>
+                                  </p:childTnLst>
+                                </p:cTn>
+                              </p:par>
+                            </p:childTnLst>
+                          </p:cTn>
+                        </p:par>
+                      </p:childTnLst>
+                    </p:cTn>
+                  </p:par>
+                  <p:par>
+                    <p:cTn id="7" fill="hold">
+                      <p:stCondLst>
+                        <p:cond delay="indefinite"/>
+                      </p:stCondLst>
+                      <p:childTnLst>
+                        <p:par>
+                          <p:cTn id="8" fill="hold">
+                            <p:stCondLst>
+                              <p:cond delay="0"/>
+                            </p:stCondLst>
+                            <p:childTnLst>
+                              <p:par>
+                                <p:cTn id="9" presetID="1" presetClass="entr" presetSubtype="0" fill="hold" nodeType="clickEffect">
+                                  <p:stCondLst>
+                                    <p:cond delay="0"/>
+                                  </p:stCondLst>
+                                  <p:childTnLst>
+                                    <p:set>
+                                      <p:cBhvr>
+                                        <p:cTn id="10" dur="1" fill="hold">
+                                          <p:stCondLst>
+                                            <p:cond delay="0"/>
+                                          </p:stCondLst>
+                                        </p:cTn>
+                                        <p:tgtEl>
+                                          <p:spTgt spid="3">
+                                            <p:txEl>
+                                              <p:pRg st="1" end="1"/>
+                                            </p:txEl>
+                                          </p:spTgt>
+                                        </p:tgtEl>
+                                        <p:attrNameLst>
+                                          <p:attrName>style.visibility</p:attrName>
+                                        </p:attrNameLst>
+                                      </p:cBhvr>
+                                      <p:to>
+                                        <p:strVal val="visible"/>
+                                      </p:to>
+                                    </p:set>
+                                  </p:childTnLst>
+                                </p:cTn>
+                              </p:par>
+                            </p:childTnLst>
+                          </p:cTn>
+                        </p:par>
+                      </p:childTnLst>
+                    </p:cTn>
+                  </p:par>
+                  <p:par>
+                    <p:cTn id="11" fill="hold">
+                      <p:stCondLst>
+                        <p:cond delay="indefinite"/>
+                      </p:stCondLst>
+                      <p:childTnLst>
+                        <p:par>
+                          <p:cTn id="12" fill="hold">
+                            <p:stCondLst>
+                              <p:cond delay="0"/>
+                            </p:stCondLst>
+                            <p:childTnLst>
+                              <p:par>
+                                <p:cTn id="13" presetID="1" presetClass="entr" presetSubtype="0" fill="hold" nodeType="clickEffect">
+                                  <p:stCondLst>
+                                    <p:cond delay="0"/>
+                                  </p:stCondLst>
+                                  <p:childTnLst>
+                                    <p:set>
+                                      <p:cBhvr>
+                                        <p:cTn id="14" dur="1" fill="hold">
+                                          <p:stCondLst>
+                                            <p:cond delay="0"/>
+                                          </p:stCondLst>
+                                        </p:cTn>
+                                        <p:tgtEl>
+                                          <p:spTgt spid="3">
+                                            <p:txEl>
+                                              <p:pRg st="2" end="2"/>
+                                            </p:txEl>
+                                          </p:spTgt>
+                                        </p:tgtEl>
+                                        <p:attrNameLst>
+                                          <p:attrName>style.visibility</p:attrName>
+                                        </p:attrNameLst>
+                                      </p:cBhvr>
+                                      <p:to>
+                                        <p:strVal val="visible"/>
+                                      </p:to>
+                                    </p:set>
+                                  </p:childTnLst>
+                                </p:cTn>
+                              </p:par>
+                            </p:childTnLst>
+                          </p:cTn>
+                        </p:par>
+                      </p:childTnLst>
+                    </p:cTn>
+                  </p:par>
+                  <p:par>
+                    <p:cTn id="15" fill="hold">
+                      <p:stCondLst>
+                        <p:cond delay="indefinite"/>
+                      </p:stCondLst>
+                      <p:childTnLst>
+                        <p:par>
+                          <p:cTn id="16" fill="hold">
+                            <p:stCondLst>
+                              <p:cond delay="0"/>
+                            </p:stCondLst>
+                            <p:childTnLst>
+                              <p:par>
+                                <p:cTn id="17" presetID="1" presetClass="entr" presetSubtype="0" fill="hold" nodeType="clickEffect">
+                                  <p:stCondLst>
+                                    <p:cond delay="0"/>
+                                  </p:stCondLst>
+                                  <p:childTnLst>
+                                    <p:set>
+                                      <p:cBhvr>
+                                        <p:cTn id="18" dur="1" fill="hold">
+                                          <p:stCondLst>
+                                            <p:cond delay="0"/>
+                                          </p:stCondLst>
+                                        </p:cTn>
+                                        <p:tgtEl>
+                                          <p:spTgt spid="3">
+                                            <p:txEl>
+                                              <p:pRg st="3" end="3"/>
+                                            </p:txEl>
+                                          </p:spTgt>
+                                        </p:tgtEl>
+                                        <p:attrNameLst>
+                                          <p:attrName>style.visibility</p:attrName>
+                                        </p:attrNameLst>
+                                      </p:cBhvr>
+                                      <p:to>
+                                        <p:strVal val="visible"/>
+                                      </p:to>
+                                    </p:set>
+                                  </p:childTnLst>
+                                </p:cTn>
+                              </p:par>
+                            </p:childTnLst>
+                          </p:cTn>
+                        </p:par>
+                      </p:childTnLst>
+                    </p:cTn>
+                  </p:par>
+                  <p:par>
+                    <p:cTn id="19" fill="hold">
+                      <p:stCondLst>
+                        <p:cond delay="indefinite"/>
+                      </p:stCondLst>
+                      <p:childTnLst>
+                        <p:par>
+                          <p:cTn id="20" fill="hold">
+                            <p:stCondLst>
+                              <p:cond delay="0"/>
+                            </p:stCondLst>
+                            <p:childTnLst>
+                              <p:par>
+                                <p:cTn id="21" presetID="1" presetClass="entr" presetSubtype="0" fill="hold" nodeType="clickEffect">
+                                  <p:stCondLst>
+                                    <p:cond delay="0"/>
+                                  </p:stCondLst>
+                                  <p:childTnLst>
+                                    <p:set>
+                                      <p:cBhvr>
+                                        <p:cTn id="22" dur="1" fill="hold">
+                                          <p:stCondLst>
+                                            <p:cond delay="0"/>
+                                          </p:stCondLst>
+                                        </p:cTn>
+                                        <p:tgtEl>
+                                          <p:spTgt spid="3">
+                                            <p:txEl>
+                                              <p:pRg st="4" end="4"/>
+                                            </p:txEl>
+                                          </p:spTgt>
+                                        </p:tgtEl>
+                                        <p:attrNameLst>
+                                          <p:attrName>style.visibility</p:attrName>
+                                        </p:attrNameLst>
+                                      </p:cBhvr>
+                                      <p:to>
+                                        <p:strVal val="visible"/>
+                                      </p:to>
+                                    </p:set>
+                                  </p:childTnLst>
+                                </p:cTn>
+                              </p:par>
+                            </p:childTnLst>
+                          </p:cTn>
+                        </p:par>
+                      </p:childTnLst>
+                    </p:cTn>
+                  </p:par>
+                  <p:par>
+                    <p:cTn id="23" fill="hold">
+                      <p:stCondLst>
+                        <p:cond delay="indefinite"/>
+                      </p:stCondLst>
+                      <p:childTnLst>
+                        <p:par>
+                          <p:cTn id="24" fill="hold">
+                            <p:stCondLst>
+                              <p:cond delay="0"/>
+                            </p:stCondLst>
+                            <p:childTnLst>
+                              <p:par>
+                                <p:cTn id="25" presetID="1" presetClass="entr" presetSubtype="0" fill="hold" nodeType="clickEffect">
+                                  <p:stCondLst>
+                                    <p:cond delay="0"/>
+                                  </p:stCondLst>
+                                  <p:childTnLst>
+                                    <p:set>
+                                      <p:cBhvr>
+                                        <p:cTn id="26" dur="1" fill="hold">
+                                          <p:stCondLst>
+                                            <p:cond delay="0"/>
+                                          </p:stCondLst>
+                                        </p:cTn>
+                                        <p:tgtEl>
+                                          <p:spTgt spid="3">
+                                            <p:txEl>
+                                              <p:pRg st="5" end="5"/>
+                                            </p:txEl>
+                                          </p:spTgt>
+                                        </p:tgtEl>
+                                        <p:attrNameLst>
+                                          <p:attrName>style.visibility</p:attrName>
+                                        </p:attrNameLst>
+                                      </p:cBhvr>
+                                      <p:to>
+                                        <p:strVal val="visible"/>
+                                      </p:to>
+                                    </p:set>
+                                  </p:childTnLst>
+                                </p:cTn>
+                              </p:par>
+                            </p:childTnLst>
+                          </p:cTn>
+                        </p:par>
+                      </p:childTnLst>
+                    </p:cTn>
+                  </p:par>
+                  <p:par>
+                    <p:cTn id="27" fill="hold">
+                      <p:stCondLst>
+                        <p:cond delay="indefinite"/>
+                      </p:stCondLst>
+                      <p:childTnLst>
+                        <p:par>
+                          <p:cTn id="28" fill="hold">
+                            <p:stCondLst>
+                              <p:cond delay="0"/>
+                            </p:stCondLst>
+                            <p:childTnLst>
+                              <p:par>
+                                <p:cTn id="29" presetID="1" presetClass="entr" presetSubtype="0" fill="hold" nodeType="clickEffect">
+                                  <p:stCondLst>
+                                    <p:cond delay="0"/>
+                                  </p:stCondLst>
+                                  <p:childTnLst>
+                                    <p:set>
+                                      <p:cBhvr>
+                                        <p:cTn id="30" dur="1" fill="hold">
+                                          <p:stCondLst>
+                                            <p:cond delay="0"/>
+                                          </p:stCondLst>
+                                        </p:cTn>
+                                        <p:tgtEl>
+                                          <p:spTgt spid="3">
+                                            <p:txEl>
+                                              <p:pRg st="6" end="6"/>
+                                            </p:txEl>
+                                          </p:spTgt>
+                                        </p:tgtEl>
+                                        <p:attrNameLst>
+                                          <p:attrName>style.visibility</p:attrName>
+                                        </p:attrNameLst>
+                                      </p:cBhvr>
+                                      <p:to>
+                                        <p:strVal val="visible"/>
+                                      </p:to>
+                                    </p:set>
+                                  </p:childTnLst>
+                                </p:cTn>
+                              </p:par>
+                            </p:childTnLst>
+                          </p:cTn>
+                        </p:par>
+                      </p:childTnLst>
+                    </p:cTn>
+                  </p:par>
+                </p:childTnLst>
+              </p:cTn>
+              <p:prevCondLst>
+                <p:cond evt="onPrev" delay="0">
+                  <p:tgtEl>
+                    <p:sldTgt/>
+                  </p:tgtEl>
+                </p:cond>
+              </p:prevCondLst>
+              <p:nextCondLst>
+                <p:cond evt="onNext" delay="0">
+                  <p:tgtEl>
+                    <p:sldTgt/>
+                  </p:tgtEl>
+                </p:cond>
+              </p:nextCondLst>
+            </p:seq>
+          </p:childTnLst>
+        </p:cTn>
+      </p:par>
+    </p:tnLst>
+  </p:timing>
 </p:sld>
 </file>
 
-<file path=ppt/slides/slide12.xml><?xml version="1.0" encoding="utf-8"?>
+<file path=ppt/slides/slide13.xml><?xml version="1.0" encoding="utf-8"?>
 <p:sld xmlns:a="http://schemas.openxmlformats.org/drawingml/2006/main" xmlns:r="http://schemas.openxmlformats.org/officeDocument/2006/relationships" xmlns:p="http://schemas.openxmlformats.org/presentationml/2006/main">
   <p:cSld>
     <p:spTree>
@@ -4575,188 +5796,281 @@
   <p:clrMapOvr>
     <a:masterClrMapping/>
   </p:clrMapOvr>
-</p:sld>
-</file>
-
-<file path=ppt/slides/slide13.xml><?xml version="1.0" encoding="utf-8"?>
-<p:sld xmlns:a="http://schemas.openxmlformats.org/drawingml/2006/main" xmlns:r="http://schemas.openxmlformats.org/officeDocument/2006/relationships" xmlns:p="http://schemas.openxmlformats.org/presentationml/2006/main">
-  <p:cSld>
-    <p:spTree>
-      <p:nvGrpSpPr>
-        <p:cNvPr id="1" name=""/>
-        <p:cNvGrpSpPr/>
-        <p:nvPr/>
-      </p:nvGrpSpPr>
-      <p:grpSpPr>
-        <a:xfrm>
-          <a:off x="0" y="0"/>
-          <a:ext cx="0" cy="0"/>
-          <a:chOff x="0" y="0"/>
-          <a:chExt cx="0" cy="0"/>
-        </a:xfrm>
-      </p:grpSpPr>
-      <p:sp>
-        <p:nvSpPr>
-          <p:cNvPr id="2" name="Title 1">
-            <a:extLst>
-              <a:ext uri="{FF2B5EF4-FFF2-40B4-BE49-F238E27FC236}">
-                <a16:creationId xmlns:a16="http://schemas.microsoft.com/office/drawing/2014/main" id="{038C8A11-9CE5-4B89-AC54-CC0E5B5ECC0C}"/>
-              </a:ext>
-            </a:extLst>
-          </p:cNvPr>
-          <p:cNvSpPr>
-            <a:spLocks noGrp="1"/>
-          </p:cNvSpPr>
-          <p:nvPr>
-            <p:ph type="title"/>
-          </p:nvPr>
-        </p:nvSpPr>
-        <p:spPr/>
-        <p:txBody>
-          <a:bodyPr/>
-          <a:lstStyle/>
-          <a:p>
-            <a:r>
-              <a:rPr lang="en-US" dirty="0"/>
-              <a:t>Dennett (1975)’s first objection</a:t>
-            </a:r>
-            <a:endParaRPr lang="en-DE" dirty="0"/>
-          </a:p>
-        </p:txBody>
-      </p:sp>
-      <p:sp>
-        <p:nvSpPr>
-          <p:cNvPr id="3" name="Content Placeholder 2">
-            <a:extLst>
-              <a:ext uri="{FF2B5EF4-FFF2-40B4-BE49-F238E27FC236}">
-                <a16:creationId xmlns:a16="http://schemas.microsoft.com/office/drawing/2014/main" id="{F1F44744-785E-4485-B69F-A4FF1F523191}"/>
-              </a:ext>
-            </a:extLst>
-          </p:cNvPr>
-          <p:cNvSpPr>
-            <a:spLocks noGrp="1"/>
-          </p:cNvSpPr>
-          <p:nvPr>
-            <p:ph idx="1"/>
-          </p:nvPr>
-        </p:nvSpPr>
-        <p:spPr/>
-        <p:txBody>
-          <a:bodyPr>
-            <a:normAutofit fontScale="92500" lnSpcReduction="10000"/>
-          </a:bodyPr>
-          <a:lstStyle/>
-          <a:p>
-            <a:r>
-              <a:rPr lang="en-US" dirty="0"/>
-              <a:t>Section 3.1 in </a:t>
-            </a:r>
-            <a:r>
-              <a:rPr lang="en-US" i="1" dirty="0"/>
-              <a:t>The Mind as the Software of the Brain</a:t>
-            </a:r>
-          </a:p>
-          <a:p>
-            <a:r>
-              <a:rPr lang="en-US" dirty="0"/>
-              <a:t>We have infinitely many beliefs!</a:t>
-            </a:r>
-          </a:p>
-          <a:p>
-            <a:r>
-              <a:rPr lang="en-US" dirty="0"/>
-              <a:t>But how can we be in a believes* relation to infinitely many </a:t>
-            </a:r>
-            <a:r>
-              <a:rPr lang="en-US" dirty="0" err="1"/>
-              <a:t>LoT</a:t>
-            </a:r>
-            <a:r>
-              <a:rPr lang="en-US" dirty="0"/>
-              <a:t> expressions?</a:t>
-            </a:r>
-          </a:p>
-          <a:p>
-            <a:r>
-              <a:rPr lang="en-US" dirty="0"/>
-              <a:t>For instance, ‘2 is smaller than 3’, ‘2 is smaller than 4’, etc.</a:t>
-            </a:r>
-          </a:p>
-          <a:p>
-            <a:r>
-              <a:rPr lang="en-US" dirty="0"/>
-              <a:t>This would seem to require infinite memory.</a:t>
-            </a:r>
-          </a:p>
-          <a:p>
-            <a:r>
-              <a:rPr lang="en-US" dirty="0"/>
-              <a:t>Block’s answer: draw a distinction between </a:t>
-            </a:r>
-            <a:r>
-              <a:rPr lang="en-US" i="1" dirty="0"/>
-              <a:t>ordinary</a:t>
-            </a:r>
-            <a:r>
-              <a:rPr lang="en-US" dirty="0"/>
-              <a:t> and </a:t>
-            </a:r>
-            <a:r>
-              <a:rPr lang="en-US" i="1" dirty="0"/>
-              <a:t>scientific </a:t>
-            </a:r>
-            <a:r>
-              <a:rPr lang="en-US" dirty="0"/>
-              <a:t>notions of belief (recall discussion earlier today!)</a:t>
-            </a:r>
-          </a:p>
-          <a:p>
-            <a:r>
-              <a:rPr lang="en-US" dirty="0"/>
-              <a:t>In ordinary sense, we have infinitely many beliefs.</a:t>
-            </a:r>
-          </a:p>
-          <a:p>
-            <a:r>
-              <a:rPr lang="en-US" dirty="0"/>
-              <a:t>In scientific sense, we only have finitely many beliefs.</a:t>
-            </a:r>
-          </a:p>
-          <a:p>
-            <a:r>
-              <a:rPr lang="en-US" dirty="0"/>
-              <a:t>Namely, those beliefs that are </a:t>
-            </a:r>
-            <a:r>
-              <a:rPr lang="en-US" i="1" dirty="0"/>
-              <a:t>causally active</a:t>
-            </a:r>
-            <a:r>
-              <a:rPr lang="en-US" dirty="0"/>
-              <a:t>: they cause </a:t>
-            </a:r>
-            <a:r>
-              <a:rPr lang="en-US" dirty="0" err="1"/>
-              <a:t>behaviour</a:t>
-            </a:r>
-            <a:r>
-              <a:rPr lang="en-US" dirty="0"/>
-              <a:t> or other mental states, or they are caused by perception or other mental states.</a:t>
-            </a:r>
-            <a:endParaRPr lang="en-DE" dirty="0"/>
-          </a:p>
-        </p:txBody>
-      </p:sp>
-    </p:spTree>
-    <p:extLst>
-      <p:ext uri="{BB962C8B-B14F-4D97-AF65-F5344CB8AC3E}">
-        <p14:creationId xmlns:p14="http://schemas.microsoft.com/office/powerpoint/2010/main" val="3719202787"/>
-      </p:ext>
-    </p:extLst>
-  </p:cSld>
-  <p:clrMapOvr>
-    <a:masterClrMapping/>
-  </p:clrMapOvr>
+  <p:timing>
+    <p:tnLst>
+      <p:par>
+        <p:cTn id="1" dur="indefinite" restart="never" nodeType="tmRoot">
+          <p:childTnLst>
+            <p:seq concurrent="1" nextAc="seek">
+              <p:cTn id="2" dur="indefinite" nodeType="mainSeq">
+                <p:childTnLst>
+                  <p:par>
+                    <p:cTn id="3" fill="hold">
+                      <p:stCondLst>
+                        <p:cond delay="indefinite"/>
+                      </p:stCondLst>
+                      <p:childTnLst>
+                        <p:par>
+                          <p:cTn id="4" fill="hold">
+                            <p:stCondLst>
+                              <p:cond delay="0"/>
+                            </p:stCondLst>
+                            <p:childTnLst>
+                              <p:par>
+                                <p:cTn id="5" presetID="1" presetClass="entr" presetSubtype="0" fill="hold" nodeType="clickEffect">
+                                  <p:stCondLst>
+                                    <p:cond delay="0"/>
+                                  </p:stCondLst>
+                                  <p:childTnLst>
+                                    <p:set>
+                                      <p:cBhvr>
+                                        <p:cTn id="6" dur="1" fill="hold">
+                                          <p:stCondLst>
+                                            <p:cond delay="0"/>
+                                          </p:stCondLst>
+                                        </p:cTn>
+                                        <p:tgtEl>
+                                          <p:spTgt spid="3">
+                                            <p:txEl>
+                                              <p:pRg st="0" end="0"/>
+                                            </p:txEl>
+                                          </p:spTgt>
+                                        </p:tgtEl>
+                                        <p:attrNameLst>
+                                          <p:attrName>style.visibility</p:attrName>
+                                        </p:attrNameLst>
+                                      </p:cBhvr>
+                                      <p:to>
+                                        <p:strVal val="visible"/>
+                                      </p:to>
+                                    </p:set>
+                                  </p:childTnLst>
+                                </p:cTn>
+                              </p:par>
+                            </p:childTnLst>
+                          </p:cTn>
+                        </p:par>
+                      </p:childTnLst>
+                    </p:cTn>
+                  </p:par>
+                  <p:par>
+                    <p:cTn id="7" fill="hold">
+                      <p:stCondLst>
+                        <p:cond delay="indefinite"/>
+                      </p:stCondLst>
+                      <p:childTnLst>
+                        <p:par>
+                          <p:cTn id="8" fill="hold">
+                            <p:stCondLst>
+                              <p:cond delay="0"/>
+                            </p:stCondLst>
+                            <p:childTnLst>
+                              <p:par>
+                                <p:cTn id="9" presetID="1" presetClass="entr" presetSubtype="0" fill="hold" nodeType="clickEffect">
+                                  <p:stCondLst>
+                                    <p:cond delay="0"/>
+                                  </p:stCondLst>
+                                  <p:childTnLst>
+                                    <p:set>
+                                      <p:cBhvr>
+                                        <p:cTn id="10" dur="1" fill="hold">
+                                          <p:stCondLst>
+                                            <p:cond delay="0"/>
+                                          </p:stCondLst>
+                                        </p:cTn>
+                                        <p:tgtEl>
+                                          <p:spTgt spid="3">
+                                            <p:txEl>
+                                              <p:pRg st="1" end="1"/>
+                                            </p:txEl>
+                                          </p:spTgt>
+                                        </p:tgtEl>
+                                        <p:attrNameLst>
+                                          <p:attrName>style.visibility</p:attrName>
+                                        </p:attrNameLst>
+                                      </p:cBhvr>
+                                      <p:to>
+                                        <p:strVal val="visible"/>
+                                      </p:to>
+                                    </p:set>
+                                  </p:childTnLst>
+                                </p:cTn>
+                              </p:par>
+                            </p:childTnLst>
+                          </p:cTn>
+                        </p:par>
+                      </p:childTnLst>
+                    </p:cTn>
+                  </p:par>
+                  <p:par>
+                    <p:cTn id="11" fill="hold">
+                      <p:stCondLst>
+                        <p:cond delay="indefinite"/>
+                      </p:stCondLst>
+                      <p:childTnLst>
+                        <p:par>
+                          <p:cTn id="12" fill="hold">
+                            <p:stCondLst>
+                              <p:cond delay="0"/>
+                            </p:stCondLst>
+                            <p:childTnLst>
+                              <p:par>
+                                <p:cTn id="13" presetID="1" presetClass="entr" presetSubtype="0" fill="hold" nodeType="clickEffect">
+                                  <p:stCondLst>
+                                    <p:cond delay="0"/>
+                                  </p:stCondLst>
+                                  <p:childTnLst>
+                                    <p:set>
+                                      <p:cBhvr>
+                                        <p:cTn id="14" dur="1" fill="hold">
+                                          <p:stCondLst>
+                                            <p:cond delay="0"/>
+                                          </p:stCondLst>
+                                        </p:cTn>
+                                        <p:tgtEl>
+                                          <p:spTgt spid="3">
+                                            <p:txEl>
+                                              <p:pRg st="2" end="2"/>
+                                            </p:txEl>
+                                          </p:spTgt>
+                                        </p:tgtEl>
+                                        <p:attrNameLst>
+                                          <p:attrName>style.visibility</p:attrName>
+                                        </p:attrNameLst>
+                                      </p:cBhvr>
+                                      <p:to>
+                                        <p:strVal val="visible"/>
+                                      </p:to>
+                                    </p:set>
+                                  </p:childTnLst>
+                                </p:cTn>
+                              </p:par>
+                            </p:childTnLst>
+                          </p:cTn>
+                        </p:par>
+                      </p:childTnLst>
+                    </p:cTn>
+                  </p:par>
+                  <p:par>
+                    <p:cTn id="15" fill="hold">
+                      <p:stCondLst>
+                        <p:cond delay="indefinite"/>
+                      </p:stCondLst>
+                      <p:childTnLst>
+                        <p:par>
+                          <p:cTn id="16" fill="hold">
+                            <p:stCondLst>
+                              <p:cond delay="0"/>
+                            </p:stCondLst>
+                            <p:childTnLst>
+                              <p:par>
+                                <p:cTn id="17" presetID="1" presetClass="entr" presetSubtype="0" fill="hold" nodeType="clickEffect">
+                                  <p:stCondLst>
+                                    <p:cond delay="0"/>
+                                  </p:stCondLst>
+                                  <p:childTnLst>
+                                    <p:set>
+                                      <p:cBhvr>
+                                        <p:cTn id="18" dur="1" fill="hold">
+                                          <p:stCondLst>
+                                            <p:cond delay="0"/>
+                                          </p:stCondLst>
+                                        </p:cTn>
+                                        <p:tgtEl>
+                                          <p:spTgt spid="3">
+                                            <p:txEl>
+                                              <p:pRg st="3" end="3"/>
+                                            </p:txEl>
+                                          </p:spTgt>
+                                        </p:tgtEl>
+                                        <p:attrNameLst>
+                                          <p:attrName>style.visibility</p:attrName>
+                                        </p:attrNameLst>
+                                      </p:cBhvr>
+                                      <p:to>
+                                        <p:strVal val="visible"/>
+                                      </p:to>
+                                    </p:set>
+                                  </p:childTnLst>
+                                </p:cTn>
+                              </p:par>
+                            </p:childTnLst>
+                          </p:cTn>
+                        </p:par>
+                      </p:childTnLst>
+                    </p:cTn>
+                  </p:par>
+                  <p:par>
+                    <p:cTn id="19" fill="hold">
+                      <p:stCondLst>
+                        <p:cond delay="indefinite"/>
+                      </p:stCondLst>
+                      <p:childTnLst>
+                        <p:par>
+                          <p:cTn id="20" fill="hold">
+                            <p:stCondLst>
+                              <p:cond delay="0"/>
+                            </p:stCondLst>
+                            <p:childTnLst>
+                              <p:par>
+                                <p:cTn id="21" presetID="1" presetClass="entr" presetSubtype="0" fill="hold" nodeType="clickEffect">
+                                  <p:stCondLst>
+                                    <p:cond delay="0"/>
+                                  </p:stCondLst>
+                                  <p:childTnLst>
+                                    <p:set>
+                                      <p:cBhvr>
+                                        <p:cTn id="22" dur="1" fill="hold">
+                                          <p:stCondLst>
+                                            <p:cond delay="0"/>
+                                          </p:stCondLst>
+                                        </p:cTn>
+                                        <p:tgtEl>
+                                          <p:spTgt spid="3">
+                                            <p:txEl>
+                                              <p:pRg st="4" end="4"/>
+                                            </p:txEl>
+                                          </p:spTgt>
+                                        </p:tgtEl>
+                                        <p:attrNameLst>
+                                          <p:attrName>style.visibility</p:attrName>
+                                        </p:attrNameLst>
+                                      </p:cBhvr>
+                                      <p:to>
+                                        <p:strVal val="visible"/>
+                                      </p:to>
+                                    </p:set>
+                                  </p:childTnLst>
+                                </p:cTn>
+                              </p:par>
+                            </p:childTnLst>
+                          </p:cTn>
+                        </p:par>
+                      </p:childTnLst>
+                    </p:cTn>
+                  </p:par>
+                </p:childTnLst>
+              </p:cTn>
+              <p:prevCondLst>
+                <p:cond evt="onPrev" delay="0">
+                  <p:tgtEl>
+                    <p:sldTgt/>
+                  </p:tgtEl>
+                </p:cond>
+              </p:prevCondLst>
+              <p:nextCondLst>
+                <p:cond evt="onNext" delay="0">
+                  <p:tgtEl>
+                    <p:sldTgt/>
+                  </p:tgtEl>
+                </p:cond>
+              </p:nextCondLst>
+            </p:seq>
+          </p:childTnLst>
+        </p:cTn>
+      </p:par>
+    </p:tnLst>
+  </p:timing>
 </p:sld>
 </file>
 
@@ -4800,7 +6114,7 @@
           <a:p>
             <a:r>
               <a:rPr lang="en-US" dirty="0"/>
-              <a:t>Dennett (1975)’s second objection</a:t>
+              <a:t>Dennett (1975)’s first objection</a:t>
             </a:r>
             <a:endParaRPr lang="en-DE" dirty="0"/>
           </a:p>
@@ -4825,39 +6139,38 @@
         <p:spPr/>
         <p:txBody>
           <a:bodyPr>
-            <a:normAutofit/>
+            <a:normAutofit fontScale="92500" lnSpcReduction="10000"/>
           </a:bodyPr>
           <a:lstStyle/>
           <a:p>
             <a:r>
               <a:rPr lang="en-US" dirty="0"/>
-              <a:t>Dennett notes that in some cases we ascribe beliefs that are not explicitly represented. </a:t>
-            </a:r>
-          </a:p>
-          <a:p>
-            <a:r>
-              <a:rPr lang="en-US" dirty="0"/>
-              <a:t>For instance, someone playing guitar (who doesn’t know music theory) might in a way believe that at some point in a song they have to switch to an A-</a:t>
-            </a:r>
-          </a:p>
-          <a:p>
-            <a:pPr lvl="1"/>
-            <a:r>
-              <a:rPr lang="en-US" dirty="0"/>
-              <a:t>Despite lacking any such explicit representation!</a:t>
-            </a:r>
-          </a:p>
-          <a:p>
-            <a:pPr lvl="1"/>
-            <a:r>
-              <a:rPr lang="en-US" dirty="0"/>
-              <a:t>In a way this is an emerging fact about the way they play.</a:t>
-            </a:r>
-          </a:p>
-          <a:p>
-            <a:r>
-              <a:rPr lang="en-US" dirty="0"/>
-              <a:t>The argument is that our pre-theoretical notion of belief does not align with the notion of belief that the </a:t>
+              <a:t>Section 3.1 in </a:t>
+            </a:r>
+            <a:r>
+              <a:rPr lang="en-US" i="1" dirty="0"/>
+              <a:t>The Mind as the Software of the Brain </a:t>
+            </a:r>
+            <a:r>
+              <a:rPr lang="en-US"/>
+              <a:t>(Ned Block</a:t>
+            </a:r>
+            <a:r>
+              <a:rPr lang="en-US" dirty="0"/>
+              <a:t>)</a:t>
+            </a:r>
+            <a:endParaRPr lang="en-US" i="1" dirty="0"/>
+          </a:p>
+          <a:p>
+            <a:r>
+              <a:rPr lang="en-US" dirty="0"/>
+              <a:t>We have infinitely many beliefs!</a:t>
+            </a:r>
+          </a:p>
+          <a:p>
+            <a:r>
+              <a:rPr lang="en-US" dirty="0"/>
+              <a:t>But how can we be in a believes* relation to infinitely many </a:t>
             </a:r>
             <a:r>
               <a:rPr lang="en-US" dirty="0" err="1"/>
@@ -4865,29 +6178,75 @@
             </a:r>
             <a:r>
               <a:rPr lang="en-US" dirty="0"/>
-              <a:t> proposes.</a:t>
-            </a:r>
-          </a:p>
-          <a:p>
-            <a:r>
-              <a:rPr lang="en-US" dirty="0"/>
-              <a:t>However, again, we point out that the </a:t>
+              <a:t> expressions?</a:t>
+            </a:r>
+          </a:p>
+          <a:p>
+            <a:r>
+              <a:rPr lang="en-US" dirty="0"/>
+              <a:t>For instance, ‘2 is smaller than 3’, ‘2 is smaller than 4’, etc.</a:t>
+            </a:r>
+          </a:p>
+          <a:p>
+            <a:r>
+              <a:rPr lang="en-US" dirty="0"/>
+              <a:t>This would seem to require infinite memory.</a:t>
+            </a:r>
+          </a:p>
+          <a:p>
+            <a:r>
+              <a:rPr lang="en-US" dirty="0"/>
+              <a:t>Block’s answer: draw a distinction between </a:t>
+            </a:r>
+            <a:r>
+              <a:rPr lang="en-US" i="1" dirty="0"/>
+              <a:t>ordinary</a:t>
+            </a:r>
+            <a:r>
+              <a:rPr lang="en-US" dirty="0"/>
+              <a:t> and </a:t>
+            </a:r>
+            <a:r>
+              <a:rPr lang="en-US" i="1" dirty="0"/>
+              <a:t>scientific </a:t>
+            </a:r>
+            <a:r>
+              <a:rPr lang="en-US" dirty="0"/>
+              <a:t>notions of belief (recall discussion earlier today!)</a:t>
+            </a:r>
+          </a:p>
+          <a:p>
+            <a:r>
+              <a:rPr lang="en-US" dirty="0"/>
+              <a:t>In ordinary sense, we have infinitely many beliefs.</a:t>
+            </a:r>
+          </a:p>
+          <a:p>
+            <a:r>
+              <a:rPr lang="en-US" dirty="0"/>
+              <a:t>In scientific sense, we only have finitely many beliefs.</a:t>
+            </a:r>
+          </a:p>
+          <a:p>
+            <a:r>
+              <a:rPr lang="en-US" dirty="0"/>
+              <a:t>Namely, those beliefs that are </a:t>
+            </a:r>
+            <a:r>
+              <a:rPr lang="en-US" i="1" dirty="0"/>
+              <a:t>causally active</a:t>
+            </a:r>
+            <a:r>
+              <a:rPr lang="en-US" dirty="0"/>
+              <a:t>: they cause </a:t>
             </a:r>
             <a:r>
               <a:rPr lang="en-US" dirty="0" err="1"/>
-              <a:t>LoT</a:t>
-            </a:r>
-            <a:r>
-              <a:rPr lang="en-US" dirty="0"/>
-              <a:t> is making sense of some scientific, </a:t>
-            </a:r>
-            <a:r>
-              <a:rPr lang="en-US" i="1" dirty="0"/>
-              <a:t>cognitive</a:t>
-            </a:r>
-            <a:r>
-              <a:rPr lang="en-US" dirty="0"/>
-              <a:t> notion of belief rather than a pre-theoretic one.</a:t>
+              <a:t>behaviour</a:t>
+            </a:r>
+            <a:r>
+              <a:rPr lang="en-US" dirty="0"/>
+              <a:t> or other mental states, or they are caused by perception or other mental states.</a:t>
             </a:r>
             <a:endParaRPr lang="en-DE" dirty="0"/>
           </a:p>
@@ -4896,13 +6255,484 @@
     </p:spTree>
     <p:extLst>
       <p:ext uri="{BB962C8B-B14F-4D97-AF65-F5344CB8AC3E}">
-        <p14:creationId xmlns:p14="http://schemas.microsoft.com/office/powerpoint/2010/main" val="2778151159"/>
+        <p14:creationId xmlns:p14="http://schemas.microsoft.com/office/powerpoint/2010/main" val="3719202787"/>
       </p:ext>
     </p:extLst>
   </p:cSld>
   <p:clrMapOvr>
     <a:masterClrMapping/>
   </p:clrMapOvr>
+  <p:timing>
+    <p:tnLst>
+      <p:par>
+        <p:cTn id="1" dur="indefinite" restart="never" nodeType="tmRoot">
+          <p:childTnLst>
+            <p:seq concurrent="1" nextAc="seek">
+              <p:cTn id="2" dur="indefinite" nodeType="mainSeq">
+                <p:childTnLst>
+                  <p:par>
+                    <p:cTn id="3" fill="hold">
+                      <p:stCondLst>
+                        <p:cond delay="indefinite"/>
+                      </p:stCondLst>
+                      <p:childTnLst>
+                        <p:par>
+                          <p:cTn id="4" fill="hold">
+                            <p:stCondLst>
+                              <p:cond delay="0"/>
+                            </p:stCondLst>
+                            <p:childTnLst>
+                              <p:par>
+                                <p:cTn id="5" presetID="1" presetClass="entr" presetSubtype="0" fill="hold" nodeType="clickEffect">
+                                  <p:stCondLst>
+                                    <p:cond delay="0"/>
+                                  </p:stCondLst>
+                                  <p:childTnLst>
+                                    <p:set>
+                                      <p:cBhvr>
+                                        <p:cTn id="6" dur="1" fill="hold">
+                                          <p:stCondLst>
+                                            <p:cond delay="0"/>
+                                          </p:stCondLst>
+                                        </p:cTn>
+                                        <p:tgtEl>
+                                          <p:spTgt spid="3">
+                                            <p:txEl>
+                                              <p:pRg st="0" end="0"/>
+                                            </p:txEl>
+                                          </p:spTgt>
+                                        </p:tgtEl>
+                                        <p:attrNameLst>
+                                          <p:attrName>style.visibility</p:attrName>
+                                        </p:attrNameLst>
+                                      </p:cBhvr>
+                                      <p:to>
+                                        <p:strVal val="visible"/>
+                                      </p:to>
+                                    </p:set>
+                                  </p:childTnLst>
+                                </p:cTn>
+                              </p:par>
+                            </p:childTnLst>
+                          </p:cTn>
+                        </p:par>
+                      </p:childTnLst>
+                    </p:cTn>
+                  </p:par>
+                  <p:par>
+                    <p:cTn id="7" fill="hold">
+                      <p:stCondLst>
+                        <p:cond delay="indefinite"/>
+                      </p:stCondLst>
+                      <p:childTnLst>
+                        <p:par>
+                          <p:cTn id="8" fill="hold">
+                            <p:stCondLst>
+                              <p:cond delay="0"/>
+                            </p:stCondLst>
+                            <p:childTnLst>
+                              <p:par>
+                                <p:cTn id="9" presetID="1" presetClass="entr" presetSubtype="0" fill="hold" nodeType="clickEffect">
+                                  <p:stCondLst>
+                                    <p:cond delay="0"/>
+                                  </p:stCondLst>
+                                  <p:childTnLst>
+                                    <p:set>
+                                      <p:cBhvr>
+                                        <p:cTn id="10" dur="1" fill="hold">
+                                          <p:stCondLst>
+                                            <p:cond delay="0"/>
+                                          </p:stCondLst>
+                                        </p:cTn>
+                                        <p:tgtEl>
+                                          <p:spTgt spid="3">
+                                            <p:txEl>
+                                              <p:pRg st="1" end="1"/>
+                                            </p:txEl>
+                                          </p:spTgt>
+                                        </p:tgtEl>
+                                        <p:attrNameLst>
+                                          <p:attrName>style.visibility</p:attrName>
+                                        </p:attrNameLst>
+                                      </p:cBhvr>
+                                      <p:to>
+                                        <p:strVal val="visible"/>
+                                      </p:to>
+                                    </p:set>
+                                  </p:childTnLst>
+                                </p:cTn>
+                              </p:par>
+                            </p:childTnLst>
+                          </p:cTn>
+                        </p:par>
+                      </p:childTnLst>
+                    </p:cTn>
+                  </p:par>
+                  <p:par>
+                    <p:cTn id="11" fill="hold">
+                      <p:stCondLst>
+                        <p:cond delay="indefinite"/>
+                      </p:stCondLst>
+                      <p:childTnLst>
+                        <p:par>
+                          <p:cTn id="12" fill="hold">
+                            <p:stCondLst>
+                              <p:cond delay="0"/>
+                            </p:stCondLst>
+                            <p:childTnLst>
+                              <p:par>
+                                <p:cTn id="13" presetID="1" presetClass="entr" presetSubtype="0" fill="hold" nodeType="clickEffect">
+                                  <p:stCondLst>
+                                    <p:cond delay="0"/>
+                                  </p:stCondLst>
+                                  <p:childTnLst>
+                                    <p:set>
+                                      <p:cBhvr>
+                                        <p:cTn id="14" dur="1" fill="hold">
+                                          <p:stCondLst>
+                                            <p:cond delay="0"/>
+                                          </p:stCondLst>
+                                        </p:cTn>
+                                        <p:tgtEl>
+                                          <p:spTgt spid="3">
+                                            <p:txEl>
+                                              <p:pRg st="2" end="2"/>
+                                            </p:txEl>
+                                          </p:spTgt>
+                                        </p:tgtEl>
+                                        <p:attrNameLst>
+                                          <p:attrName>style.visibility</p:attrName>
+                                        </p:attrNameLst>
+                                      </p:cBhvr>
+                                      <p:to>
+                                        <p:strVal val="visible"/>
+                                      </p:to>
+                                    </p:set>
+                                  </p:childTnLst>
+                                </p:cTn>
+                              </p:par>
+                            </p:childTnLst>
+                          </p:cTn>
+                        </p:par>
+                      </p:childTnLst>
+                    </p:cTn>
+                  </p:par>
+                  <p:par>
+                    <p:cTn id="15" fill="hold">
+                      <p:stCondLst>
+                        <p:cond delay="indefinite"/>
+                      </p:stCondLst>
+                      <p:childTnLst>
+                        <p:par>
+                          <p:cTn id="16" fill="hold">
+                            <p:stCondLst>
+                              <p:cond delay="0"/>
+                            </p:stCondLst>
+                            <p:childTnLst>
+                              <p:par>
+                                <p:cTn id="17" presetID="1" presetClass="entr" presetSubtype="0" fill="hold" nodeType="clickEffect">
+                                  <p:stCondLst>
+                                    <p:cond delay="0"/>
+                                  </p:stCondLst>
+                                  <p:childTnLst>
+                                    <p:set>
+                                      <p:cBhvr>
+                                        <p:cTn id="18" dur="1" fill="hold">
+                                          <p:stCondLst>
+                                            <p:cond delay="0"/>
+                                          </p:stCondLst>
+                                        </p:cTn>
+                                        <p:tgtEl>
+                                          <p:spTgt spid="3">
+                                            <p:txEl>
+                                              <p:pRg st="3" end="3"/>
+                                            </p:txEl>
+                                          </p:spTgt>
+                                        </p:tgtEl>
+                                        <p:attrNameLst>
+                                          <p:attrName>style.visibility</p:attrName>
+                                        </p:attrNameLst>
+                                      </p:cBhvr>
+                                      <p:to>
+                                        <p:strVal val="visible"/>
+                                      </p:to>
+                                    </p:set>
+                                  </p:childTnLst>
+                                </p:cTn>
+                              </p:par>
+                            </p:childTnLst>
+                          </p:cTn>
+                        </p:par>
+                      </p:childTnLst>
+                    </p:cTn>
+                  </p:par>
+                  <p:par>
+                    <p:cTn id="19" fill="hold">
+                      <p:stCondLst>
+                        <p:cond delay="indefinite"/>
+                      </p:stCondLst>
+                      <p:childTnLst>
+                        <p:par>
+                          <p:cTn id="20" fill="hold">
+                            <p:stCondLst>
+                              <p:cond delay="0"/>
+                            </p:stCondLst>
+                            <p:childTnLst>
+                              <p:par>
+                                <p:cTn id="21" presetID="1" presetClass="entr" presetSubtype="0" fill="hold" nodeType="clickEffect">
+                                  <p:stCondLst>
+                                    <p:cond delay="0"/>
+                                  </p:stCondLst>
+                                  <p:childTnLst>
+                                    <p:set>
+                                      <p:cBhvr>
+                                        <p:cTn id="22" dur="1" fill="hold">
+                                          <p:stCondLst>
+                                            <p:cond delay="0"/>
+                                          </p:stCondLst>
+                                        </p:cTn>
+                                        <p:tgtEl>
+                                          <p:spTgt spid="3">
+                                            <p:txEl>
+                                              <p:pRg st="4" end="4"/>
+                                            </p:txEl>
+                                          </p:spTgt>
+                                        </p:tgtEl>
+                                        <p:attrNameLst>
+                                          <p:attrName>style.visibility</p:attrName>
+                                        </p:attrNameLst>
+                                      </p:cBhvr>
+                                      <p:to>
+                                        <p:strVal val="visible"/>
+                                      </p:to>
+                                    </p:set>
+                                  </p:childTnLst>
+                                </p:cTn>
+                              </p:par>
+                            </p:childTnLst>
+                          </p:cTn>
+                        </p:par>
+                      </p:childTnLst>
+                    </p:cTn>
+                  </p:par>
+                  <p:par>
+                    <p:cTn id="23" fill="hold">
+                      <p:stCondLst>
+                        <p:cond delay="indefinite"/>
+                      </p:stCondLst>
+                      <p:childTnLst>
+                        <p:par>
+                          <p:cTn id="24" fill="hold">
+                            <p:stCondLst>
+                              <p:cond delay="0"/>
+                            </p:stCondLst>
+                            <p:childTnLst>
+                              <p:par>
+                                <p:cTn id="25" presetID="1" presetClass="entr" presetSubtype="0" fill="hold" nodeType="clickEffect">
+                                  <p:stCondLst>
+                                    <p:cond delay="0"/>
+                                  </p:stCondLst>
+                                  <p:childTnLst>
+                                    <p:set>
+                                      <p:cBhvr>
+                                        <p:cTn id="26" dur="1" fill="hold">
+                                          <p:stCondLst>
+                                            <p:cond delay="0"/>
+                                          </p:stCondLst>
+                                        </p:cTn>
+                                        <p:tgtEl>
+                                          <p:spTgt spid="3">
+                                            <p:txEl>
+                                              <p:pRg st="5" end="5"/>
+                                            </p:txEl>
+                                          </p:spTgt>
+                                        </p:tgtEl>
+                                        <p:attrNameLst>
+                                          <p:attrName>style.visibility</p:attrName>
+                                        </p:attrNameLst>
+                                      </p:cBhvr>
+                                      <p:to>
+                                        <p:strVal val="visible"/>
+                                      </p:to>
+                                    </p:set>
+                                  </p:childTnLst>
+                                </p:cTn>
+                              </p:par>
+                            </p:childTnLst>
+                          </p:cTn>
+                        </p:par>
+                      </p:childTnLst>
+                    </p:cTn>
+                  </p:par>
+                  <p:par>
+                    <p:cTn id="27" fill="hold">
+                      <p:stCondLst>
+                        <p:cond delay="indefinite"/>
+                      </p:stCondLst>
+                      <p:childTnLst>
+                        <p:par>
+                          <p:cTn id="28" fill="hold">
+                            <p:stCondLst>
+                              <p:cond delay="0"/>
+                            </p:stCondLst>
+                            <p:childTnLst>
+                              <p:par>
+                                <p:cTn id="29" presetID="1" presetClass="entr" presetSubtype="0" fill="hold" nodeType="clickEffect">
+                                  <p:stCondLst>
+                                    <p:cond delay="0"/>
+                                  </p:stCondLst>
+                                  <p:childTnLst>
+                                    <p:set>
+                                      <p:cBhvr>
+                                        <p:cTn id="30" dur="1" fill="hold">
+                                          <p:stCondLst>
+                                            <p:cond delay="0"/>
+                                          </p:stCondLst>
+                                        </p:cTn>
+                                        <p:tgtEl>
+                                          <p:spTgt spid="3">
+                                            <p:txEl>
+                                              <p:pRg st="6" end="6"/>
+                                            </p:txEl>
+                                          </p:spTgt>
+                                        </p:tgtEl>
+                                        <p:attrNameLst>
+                                          <p:attrName>style.visibility</p:attrName>
+                                        </p:attrNameLst>
+                                      </p:cBhvr>
+                                      <p:to>
+                                        <p:strVal val="visible"/>
+                                      </p:to>
+                                    </p:set>
+                                  </p:childTnLst>
+                                </p:cTn>
+                              </p:par>
+                            </p:childTnLst>
+                          </p:cTn>
+                        </p:par>
+                      </p:childTnLst>
+                    </p:cTn>
+                  </p:par>
+                  <p:par>
+                    <p:cTn id="31" fill="hold">
+                      <p:stCondLst>
+                        <p:cond delay="indefinite"/>
+                      </p:stCondLst>
+                      <p:childTnLst>
+                        <p:par>
+                          <p:cTn id="32" fill="hold">
+                            <p:stCondLst>
+                              <p:cond delay="0"/>
+                            </p:stCondLst>
+                            <p:childTnLst>
+                              <p:par>
+                                <p:cTn id="33" presetID="1" presetClass="entr" presetSubtype="0" fill="hold" nodeType="clickEffect">
+                                  <p:stCondLst>
+                                    <p:cond delay="0"/>
+                                  </p:stCondLst>
+                                  <p:childTnLst>
+                                    <p:set>
+                                      <p:cBhvr>
+                                        <p:cTn id="34" dur="1" fill="hold">
+                                          <p:stCondLst>
+                                            <p:cond delay="0"/>
+                                          </p:stCondLst>
+                                        </p:cTn>
+                                        <p:tgtEl>
+                                          <p:spTgt spid="3">
+                                            <p:txEl>
+                                              <p:pRg st="7" end="7"/>
+                                            </p:txEl>
+                                          </p:spTgt>
+                                        </p:tgtEl>
+                                        <p:attrNameLst>
+                                          <p:attrName>style.visibility</p:attrName>
+                                        </p:attrNameLst>
+                                      </p:cBhvr>
+                                      <p:to>
+                                        <p:strVal val="visible"/>
+                                      </p:to>
+                                    </p:set>
+                                  </p:childTnLst>
+                                </p:cTn>
+                              </p:par>
+                            </p:childTnLst>
+                          </p:cTn>
+                        </p:par>
+                      </p:childTnLst>
+                    </p:cTn>
+                  </p:par>
+                  <p:par>
+                    <p:cTn id="35" fill="hold">
+                      <p:stCondLst>
+                        <p:cond delay="indefinite"/>
+                      </p:stCondLst>
+                      <p:childTnLst>
+                        <p:par>
+                          <p:cTn id="36" fill="hold">
+                            <p:stCondLst>
+                              <p:cond delay="0"/>
+                            </p:stCondLst>
+                            <p:childTnLst>
+                              <p:par>
+                                <p:cTn id="37" presetID="1" presetClass="entr" presetSubtype="0" fill="hold" nodeType="clickEffect">
+                                  <p:stCondLst>
+                                    <p:cond delay="0"/>
+                                  </p:stCondLst>
+                                  <p:childTnLst>
+                                    <p:set>
+                                      <p:cBhvr>
+                                        <p:cTn id="38" dur="1" fill="hold">
+                                          <p:stCondLst>
+                                            <p:cond delay="0"/>
+                                          </p:stCondLst>
+                                        </p:cTn>
+                                        <p:tgtEl>
+                                          <p:spTgt spid="3">
+                                            <p:txEl>
+                                              <p:pRg st="8" end="8"/>
+                                            </p:txEl>
+                                          </p:spTgt>
+                                        </p:tgtEl>
+                                        <p:attrNameLst>
+                                          <p:attrName>style.visibility</p:attrName>
+                                        </p:attrNameLst>
+                                      </p:cBhvr>
+                                      <p:to>
+                                        <p:strVal val="visible"/>
+                                      </p:to>
+                                    </p:set>
+                                  </p:childTnLst>
+                                </p:cTn>
+                              </p:par>
+                            </p:childTnLst>
+                          </p:cTn>
+                        </p:par>
+                      </p:childTnLst>
+                    </p:cTn>
+                  </p:par>
+                </p:childTnLst>
+              </p:cTn>
+              <p:prevCondLst>
+                <p:cond evt="onPrev" delay="0">
+                  <p:tgtEl>
+                    <p:sldTgt/>
+                  </p:tgtEl>
+                </p:cond>
+              </p:prevCondLst>
+              <p:nextCondLst>
+                <p:cond evt="onNext" delay="0">
+                  <p:tgtEl>
+                    <p:sldTgt/>
+                  </p:tgtEl>
+                </p:cond>
+              </p:nextCondLst>
+            </p:seq>
+          </p:childTnLst>
+        </p:cTn>
+      </p:par>
+    </p:tnLst>
+  </p:timing>
 </p:sld>
 </file>
 
@@ -4946,6 +6776,476 @@
           <a:p>
             <a:r>
               <a:rPr lang="en-US" dirty="0"/>
+              <a:t>Dennett (1975)’s second objection</a:t>
+            </a:r>
+            <a:endParaRPr lang="en-DE" dirty="0"/>
+          </a:p>
+        </p:txBody>
+      </p:sp>
+      <p:sp>
+        <p:nvSpPr>
+          <p:cNvPr id="3" name="Content Placeholder 2">
+            <a:extLst>
+              <a:ext uri="{FF2B5EF4-FFF2-40B4-BE49-F238E27FC236}">
+                <a16:creationId xmlns:a16="http://schemas.microsoft.com/office/drawing/2014/main" id="{F1F44744-785E-4485-B69F-A4FF1F523191}"/>
+              </a:ext>
+            </a:extLst>
+          </p:cNvPr>
+          <p:cNvSpPr>
+            <a:spLocks noGrp="1"/>
+          </p:cNvSpPr>
+          <p:nvPr>
+            <p:ph idx="1"/>
+          </p:nvPr>
+        </p:nvSpPr>
+        <p:spPr/>
+        <p:txBody>
+          <a:bodyPr>
+            <a:normAutofit/>
+          </a:bodyPr>
+          <a:lstStyle/>
+          <a:p>
+            <a:r>
+              <a:rPr lang="en-US" dirty="0"/>
+              <a:t>Dennett notes that in some cases we ascribe beliefs that are not explicitly represented. </a:t>
+            </a:r>
+          </a:p>
+          <a:p>
+            <a:r>
+              <a:rPr lang="en-US" dirty="0"/>
+              <a:t>For instance, someone playing guitar (who doesn’t know music theory) might in a way believe that at some point in a song they have to switch to an A-</a:t>
+            </a:r>
+          </a:p>
+          <a:p>
+            <a:pPr lvl="1"/>
+            <a:r>
+              <a:rPr lang="en-US" dirty="0"/>
+              <a:t>Despite lacking any such explicit representation!</a:t>
+            </a:r>
+          </a:p>
+          <a:p>
+            <a:pPr lvl="1"/>
+            <a:r>
+              <a:rPr lang="en-US" dirty="0"/>
+              <a:t>In a way this is an emerging fact about the way they play.</a:t>
+            </a:r>
+          </a:p>
+          <a:p>
+            <a:r>
+              <a:rPr lang="en-US" dirty="0"/>
+              <a:t>The argument is that our pre-theoretical notion of belief does not align with the notion of belief that the </a:t>
+            </a:r>
+            <a:r>
+              <a:rPr lang="en-US" dirty="0" err="1"/>
+              <a:t>LoT</a:t>
+            </a:r>
+            <a:r>
+              <a:rPr lang="en-US" dirty="0"/>
+              <a:t> proposes.</a:t>
+            </a:r>
+          </a:p>
+          <a:p>
+            <a:r>
+              <a:rPr lang="en-US" dirty="0"/>
+              <a:t>However, again, we point out that the </a:t>
+            </a:r>
+            <a:r>
+              <a:rPr lang="en-US" dirty="0" err="1"/>
+              <a:t>LoT</a:t>
+            </a:r>
+            <a:r>
+              <a:rPr lang="en-US" dirty="0"/>
+              <a:t> is making sense of some scientific, </a:t>
+            </a:r>
+            <a:r>
+              <a:rPr lang="en-US" i="1" dirty="0"/>
+              <a:t>cognitive</a:t>
+            </a:r>
+            <a:r>
+              <a:rPr lang="en-US" dirty="0"/>
+              <a:t> notion of belief rather than a pre-theoretic one.</a:t>
+            </a:r>
+            <a:endParaRPr lang="en-DE" dirty="0"/>
+          </a:p>
+        </p:txBody>
+      </p:sp>
+    </p:spTree>
+    <p:extLst>
+      <p:ext uri="{BB962C8B-B14F-4D97-AF65-F5344CB8AC3E}">
+        <p14:creationId xmlns:p14="http://schemas.microsoft.com/office/powerpoint/2010/main" val="2778151159"/>
+      </p:ext>
+    </p:extLst>
+  </p:cSld>
+  <p:clrMapOvr>
+    <a:masterClrMapping/>
+  </p:clrMapOvr>
+  <p:timing>
+    <p:tnLst>
+      <p:par>
+        <p:cTn id="1" dur="indefinite" restart="never" nodeType="tmRoot">
+          <p:childTnLst>
+            <p:seq concurrent="1" nextAc="seek">
+              <p:cTn id="2" dur="indefinite" nodeType="mainSeq">
+                <p:childTnLst>
+                  <p:par>
+                    <p:cTn id="3" fill="hold">
+                      <p:stCondLst>
+                        <p:cond delay="indefinite"/>
+                      </p:stCondLst>
+                      <p:childTnLst>
+                        <p:par>
+                          <p:cTn id="4" fill="hold">
+                            <p:stCondLst>
+                              <p:cond delay="0"/>
+                            </p:stCondLst>
+                            <p:childTnLst>
+                              <p:par>
+                                <p:cTn id="5" presetID="1" presetClass="entr" presetSubtype="0" fill="hold" nodeType="clickEffect">
+                                  <p:stCondLst>
+                                    <p:cond delay="0"/>
+                                  </p:stCondLst>
+                                  <p:childTnLst>
+                                    <p:set>
+                                      <p:cBhvr>
+                                        <p:cTn id="6" dur="1" fill="hold">
+                                          <p:stCondLst>
+                                            <p:cond delay="0"/>
+                                          </p:stCondLst>
+                                        </p:cTn>
+                                        <p:tgtEl>
+                                          <p:spTgt spid="3">
+                                            <p:txEl>
+                                              <p:pRg st="0" end="0"/>
+                                            </p:txEl>
+                                          </p:spTgt>
+                                        </p:tgtEl>
+                                        <p:attrNameLst>
+                                          <p:attrName>style.visibility</p:attrName>
+                                        </p:attrNameLst>
+                                      </p:cBhvr>
+                                      <p:to>
+                                        <p:strVal val="visible"/>
+                                      </p:to>
+                                    </p:set>
+                                  </p:childTnLst>
+                                </p:cTn>
+                              </p:par>
+                            </p:childTnLst>
+                          </p:cTn>
+                        </p:par>
+                      </p:childTnLst>
+                    </p:cTn>
+                  </p:par>
+                  <p:par>
+                    <p:cTn id="7" fill="hold">
+                      <p:stCondLst>
+                        <p:cond delay="indefinite"/>
+                      </p:stCondLst>
+                      <p:childTnLst>
+                        <p:par>
+                          <p:cTn id="8" fill="hold">
+                            <p:stCondLst>
+                              <p:cond delay="0"/>
+                            </p:stCondLst>
+                            <p:childTnLst>
+                              <p:par>
+                                <p:cTn id="9" presetID="1" presetClass="entr" presetSubtype="0" fill="hold" nodeType="clickEffect">
+                                  <p:stCondLst>
+                                    <p:cond delay="0"/>
+                                  </p:stCondLst>
+                                  <p:childTnLst>
+                                    <p:set>
+                                      <p:cBhvr>
+                                        <p:cTn id="10" dur="1" fill="hold">
+                                          <p:stCondLst>
+                                            <p:cond delay="0"/>
+                                          </p:stCondLst>
+                                        </p:cTn>
+                                        <p:tgtEl>
+                                          <p:spTgt spid="3">
+                                            <p:txEl>
+                                              <p:pRg st="1" end="1"/>
+                                            </p:txEl>
+                                          </p:spTgt>
+                                        </p:tgtEl>
+                                        <p:attrNameLst>
+                                          <p:attrName>style.visibility</p:attrName>
+                                        </p:attrNameLst>
+                                      </p:cBhvr>
+                                      <p:to>
+                                        <p:strVal val="visible"/>
+                                      </p:to>
+                                    </p:set>
+                                  </p:childTnLst>
+                                </p:cTn>
+                              </p:par>
+                            </p:childTnLst>
+                          </p:cTn>
+                        </p:par>
+                      </p:childTnLst>
+                    </p:cTn>
+                  </p:par>
+                  <p:par>
+                    <p:cTn id="11" fill="hold">
+                      <p:stCondLst>
+                        <p:cond delay="indefinite"/>
+                      </p:stCondLst>
+                      <p:childTnLst>
+                        <p:par>
+                          <p:cTn id="12" fill="hold">
+                            <p:stCondLst>
+                              <p:cond delay="0"/>
+                            </p:stCondLst>
+                            <p:childTnLst>
+                              <p:par>
+                                <p:cTn id="13" presetID="1" presetClass="entr" presetSubtype="0" fill="hold" nodeType="clickEffect">
+                                  <p:stCondLst>
+                                    <p:cond delay="0"/>
+                                  </p:stCondLst>
+                                  <p:childTnLst>
+                                    <p:set>
+                                      <p:cBhvr>
+                                        <p:cTn id="14" dur="1" fill="hold">
+                                          <p:stCondLst>
+                                            <p:cond delay="0"/>
+                                          </p:stCondLst>
+                                        </p:cTn>
+                                        <p:tgtEl>
+                                          <p:spTgt spid="3">
+                                            <p:txEl>
+                                              <p:pRg st="2" end="2"/>
+                                            </p:txEl>
+                                          </p:spTgt>
+                                        </p:tgtEl>
+                                        <p:attrNameLst>
+                                          <p:attrName>style.visibility</p:attrName>
+                                        </p:attrNameLst>
+                                      </p:cBhvr>
+                                      <p:to>
+                                        <p:strVal val="visible"/>
+                                      </p:to>
+                                    </p:set>
+                                  </p:childTnLst>
+                                </p:cTn>
+                              </p:par>
+                            </p:childTnLst>
+                          </p:cTn>
+                        </p:par>
+                      </p:childTnLst>
+                    </p:cTn>
+                  </p:par>
+                  <p:par>
+                    <p:cTn id="15" fill="hold">
+                      <p:stCondLst>
+                        <p:cond delay="indefinite"/>
+                      </p:stCondLst>
+                      <p:childTnLst>
+                        <p:par>
+                          <p:cTn id="16" fill="hold">
+                            <p:stCondLst>
+                              <p:cond delay="0"/>
+                            </p:stCondLst>
+                            <p:childTnLst>
+                              <p:par>
+                                <p:cTn id="17" presetID="1" presetClass="entr" presetSubtype="0" fill="hold" nodeType="clickEffect">
+                                  <p:stCondLst>
+                                    <p:cond delay="0"/>
+                                  </p:stCondLst>
+                                  <p:childTnLst>
+                                    <p:set>
+                                      <p:cBhvr>
+                                        <p:cTn id="18" dur="1" fill="hold">
+                                          <p:stCondLst>
+                                            <p:cond delay="0"/>
+                                          </p:stCondLst>
+                                        </p:cTn>
+                                        <p:tgtEl>
+                                          <p:spTgt spid="3">
+                                            <p:txEl>
+                                              <p:pRg st="3" end="3"/>
+                                            </p:txEl>
+                                          </p:spTgt>
+                                        </p:tgtEl>
+                                        <p:attrNameLst>
+                                          <p:attrName>style.visibility</p:attrName>
+                                        </p:attrNameLst>
+                                      </p:cBhvr>
+                                      <p:to>
+                                        <p:strVal val="visible"/>
+                                      </p:to>
+                                    </p:set>
+                                  </p:childTnLst>
+                                </p:cTn>
+                              </p:par>
+                            </p:childTnLst>
+                          </p:cTn>
+                        </p:par>
+                      </p:childTnLst>
+                    </p:cTn>
+                  </p:par>
+                  <p:par>
+                    <p:cTn id="19" fill="hold">
+                      <p:stCondLst>
+                        <p:cond delay="indefinite"/>
+                      </p:stCondLst>
+                      <p:childTnLst>
+                        <p:par>
+                          <p:cTn id="20" fill="hold">
+                            <p:stCondLst>
+                              <p:cond delay="0"/>
+                            </p:stCondLst>
+                            <p:childTnLst>
+                              <p:par>
+                                <p:cTn id="21" presetID="1" presetClass="entr" presetSubtype="0" fill="hold" nodeType="clickEffect">
+                                  <p:stCondLst>
+                                    <p:cond delay="0"/>
+                                  </p:stCondLst>
+                                  <p:childTnLst>
+                                    <p:set>
+                                      <p:cBhvr>
+                                        <p:cTn id="22" dur="1" fill="hold">
+                                          <p:stCondLst>
+                                            <p:cond delay="0"/>
+                                          </p:stCondLst>
+                                        </p:cTn>
+                                        <p:tgtEl>
+                                          <p:spTgt spid="3">
+                                            <p:txEl>
+                                              <p:pRg st="4" end="4"/>
+                                            </p:txEl>
+                                          </p:spTgt>
+                                        </p:tgtEl>
+                                        <p:attrNameLst>
+                                          <p:attrName>style.visibility</p:attrName>
+                                        </p:attrNameLst>
+                                      </p:cBhvr>
+                                      <p:to>
+                                        <p:strVal val="visible"/>
+                                      </p:to>
+                                    </p:set>
+                                  </p:childTnLst>
+                                </p:cTn>
+                              </p:par>
+                            </p:childTnLst>
+                          </p:cTn>
+                        </p:par>
+                      </p:childTnLst>
+                    </p:cTn>
+                  </p:par>
+                  <p:par>
+                    <p:cTn id="23" fill="hold">
+                      <p:stCondLst>
+                        <p:cond delay="indefinite"/>
+                      </p:stCondLst>
+                      <p:childTnLst>
+                        <p:par>
+                          <p:cTn id="24" fill="hold">
+                            <p:stCondLst>
+                              <p:cond delay="0"/>
+                            </p:stCondLst>
+                            <p:childTnLst>
+                              <p:par>
+                                <p:cTn id="25" presetID="1" presetClass="entr" presetSubtype="0" fill="hold" nodeType="clickEffect">
+                                  <p:stCondLst>
+                                    <p:cond delay="0"/>
+                                  </p:stCondLst>
+                                  <p:childTnLst>
+                                    <p:set>
+                                      <p:cBhvr>
+                                        <p:cTn id="26" dur="1" fill="hold">
+                                          <p:stCondLst>
+                                            <p:cond delay="0"/>
+                                          </p:stCondLst>
+                                        </p:cTn>
+                                        <p:tgtEl>
+                                          <p:spTgt spid="3">
+                                            <p:txEl>
+                                              <p:pRg st="5" end="5"/>
+                                            </p:txEl>
+                                          </p:spTgt>
+                                        </p:tgtEl>
+                                        <p:attrNameLst>
+                                          <p:attrName>style.visibility</p:attrName>
+                                        </p:attrNameLst>
+                                      </p:cBhvr>
+                                      <p:to>
+                                        <p:strVal val="visible"/>
+                                      </p:to>
+                                    </p:set>
+                                  </p:childTnLst>
+                                </p:cTn>
+                              </p:par>
+                            </p:childTnLst>
+                          </p:cTn>
+                        </p:par>
+                      </p:childTnLst>
+                    </p:cTn>
+                  </p:par>
+                </p:childTnLst>
+              </p:cTn>
+              <p:prevCondLst>
+                <p:cond evt="onPrev" delay="0">
+                  <p:tgtEl>
+                    <p:sldTgt/>
+                  </p:tgtEl>
+                </p:cond>
+              </p:prevCondLst>
+              <p:nextCondLst>
+                <p:cond evt="onNext" delay="0">
+                  <p:tgtEl>
+                    <p:sldTgt/>
+                  </p:tgtEl>
+                </p:cond>
+              </p:nextCondLst>
+            </p:seq>
+          </p:childTnLst>
+        </p:cTn>
+      </p:par>
+    </p:tnLst>
+  </p:timing>
+</p:sld>
+</file>
+
+<file path=ppt/slides/slide16.xml><?xml version="1.0" encoding="utf-8"?>
+<p:sld xmlns:a="http://schemas.openxmlformats.org/drawingml/2006/main" xmlns:r="http://schemas.openxmlformats.org/officeDocument/2006/relationships" xmlns:p="http://schemas.openxmlformats.org/presentationml/2006/main">
+  <p:cSld>
+    <p:spTree>
+      <p:nvGrpSpPr>
+        <p:cNvPr id="1" name=""/>
+        <p:cNvGrpSpPr/>
+        <p:nvPr/>
+      </p:nvGrpSpPr>
+      <p:grpSpPr>
+        <a:xfrm>
+          <a:off x="0" y="0"/>
+          <a:ext cx="0" cy="0"/>
+          <a:chOff x="0" y="0"/>
+          <a:chExt cx="0" cy="0"/>
+        </a:xfrm>
+      </p:grpSpPr>
+      <p:sp>
+        <p:nvSpPr>
+          <p:cNvPr id="2" name="Title 1">
+            <a:extLst>
+              <a:ext uri="{FF2B5EF4-FFF2-40B4-BE49-F238E27FC236}">
+                <a16:creationId xmlns:a16="http://schemas.microsoft.com/office/drawing/2014/main" id="{038C8A11-9CE5-4B89-AC54-CC0E5B5ECC0C}"/>
+              </a:ext>
+            </a:extLst>
+          </p:cNvPr>
+          <p:cNvSpPr>
+            <a:spLocks noGrp="1"/>
+          </p:cNvSpPr>
+          <p:nvPr>
+            <p:ph type="title"/>
+          </p:nvPr>
+        </p:nvSpPr>
+        <p:spPr/>
+        <p:txBody>
+          <a:bodyPr/>
+          <a:lstStyle/>
+          <a:p>
+            <a:r>
+              <a:rPr lang="en-US" dirty="0"/>
               <a:t>Dennett (1975)’s third objection</a:t>
             </a:r>
             <a:endParaRPr lang="en-DE" dirty="0"/>
@@ -5040,10 +7340,334 @@
   <p:clrMapOvr>
     <a:masterClrMapping/>
   </p:clrMapOvr>
+  <p:timing>
+    <p:tnLst>
+      <p:par>
+        <p:cTn id="1" dur="indefinite" restart="never" nodeType="tmRoot">
+          <p:childTnLst>
+            <p:seq concurrent="1" nextAc="seek">
+              <p:cTn id="2" dur="indefinite" nodeType="mainSeq">
+                <p:childTnLst>
+                  <p:par>
+                    <p:cTn id="3" fill="hold">
+                      <p:stCondLst>
+                        <p:cond delay="indefinite"/>
+                      </p:stCondLst>
+                      <p:childTnLst>
+                        <p:par>
+                          <p:cTn id="4" fill="hold">
+                            <p:stCondLst>
+                              <p:cond delay="0"/>
+                            </p:stCondLst>
+                            <p:childTnLst>
+                              <p:par>
+                                <p:cTn id="5" presetID="1" presetClass="entr" presetSubtype="0" fill="hold" nodeType="clickEffect">
+                                  <p:stCondLst>
+                                    <p:cond delay="0"/>
+                                  </p:stCondLst>
+                                  <p:childTnLst>
+                                    <p:set>
+                                      <p:cBhvr>
+                                        <p:cTn id="6" dur="1" fill="hold">
+                                          <p:stCondLst>
+                                            <p:cond delay="0"/>
+                                          </p:stCondLst>
+                                        </p:cTn>
+                                        <p:tgtEl>
+                                          <p:spTgt spid="3">
+                                            <p:txEl>
+                                              <p:pRg st="0" end="0"/>
+                                            </p:txEl>
+                                          </p:spTgt>
+                                        </p:tgtEl>
+                                        <p:attrNameLst>
+                                          <p:attrName>style.visibility</p:attrName>
+                                        </p:attrNameLst>
+                                      </p:cBhvr>
+                                      <p:to>
+                                        <p:strVal val="visible"/>
+                                      </p:to>
+                                    </p:set>
+                                  </p:childTnLst>
+                                </p:cTn>
+                              </p:par>
+                            </p:childTnLst>
+                          </p:cTn>
+                        </p:par>
+                      </p:childTnLst>
+                    </p:cTn>
+                  </p:par>
+                  <p:par>
+                    <p:cTn id="7" fill="hold">
+                      <p:stCondLst>
+                        <p:cond delay="indefinite"/>
+                      </p:stCondLst>
+                      <p:childTnLst>
+                        <p:par>
+                          <p:cTn id="8" fill="hold">
+                            <p:stCondLst>
+                              <p:cond delay="0"/>
+                            </p:stCondLst>
+                            <p:childTnLst>
+                              <p:par>
+                                <p:cTn id="9" presetID="1" presetClass="entr" presetSubtype="0" fill="hold" nodeType="clickEffect">
+                                  <p:stCondLst>
+                                    <p:cond delay="0"/>
+                                  </p:stCondLst>
+                                  <p:childTnLst>
+                                    <p:set>
+                                      <p:cBhvr>
+                                        <p:cTn id="10" dur="1" fill="hold">
+                                          <p:stCondLst>
+                                            <p:cond delay="0"/>
+                                          </p:stCondLst>
+                                        </p:cTn>
+                                        <p:tgtEl>
+                                          <p:spTgt spid="3">
+                                            <p:txEl>
+                                              <p:pRg st="1" end="1"/>
+                                            </p:txEl>
+                                          </p:spTgt>
+                                        </p:tgtEl>
+                                        <p:attrNameLst>
+                                          <p:attrName>style.visibility</p:attrName>
+                                        </p:attrNameLst>
+                                      </p:cBhvr>
+                                      <p:to>
+                                        <p:strVal val="visible"/>
+                                      </p:to>
+                                    </p:set>
+                                  </p:childTnLst>
+                                </p:cTn>
+                              </p:par>
+                            </p:childTnLst>
+                          </p:cTn>
+                        </p:par>
+                      </p:childTnLst>
+                    </p:cTn>
+                  </p:par>
+                  <p:par>
+                    <p:cTn id="11" fill="hold">
+                      <p:stCondLst>
+                        <p:cond delay="indefinite"/>
+                      </p:stCondLst>
+                      <p:childTnLst>
+                        <p:par>
+                          <p:cTn id="12" fill="hold">
+                            <p:stCondLst>
+                              <p:cond delay="0"/>
+                            </p:stCondLst>
+                            <p:childTnLst>
+                              <p:par>
+                                <p:cTn id="13" presetID="1" presetClass="entr" presetSubtype="0" fill="hold" nodeType="clickEffect">
+                                  <p:stCondLst>
+                                    <p:cond delay="0"/>
+                                  </p:stCondLst>
+                                  <p:childTnLst>
+                                    <p:set>
+                                      <p:cBhvr>
+                                        <p:cTn id="14" dur="1" fill="hold">
+                                          <p:stCondLst>
+                                            <p:cond delay="0"/>
+                                          </p:stCondLst>
+                                        </p:cTn>
+                                        <p:tgtEl>
+                                          <p:spTgt spid="3">
+                                            <p:txEl>
+                                              <p:pRg st="2" end="2"/>
+                                            </p:txEl>
+                                          </p:spTgt>
+                                        </p:tgtEl>
+                                        <p:attrNameLst>
+                                          <p:attrName>style.visibility</p:attrName>
+                                        </p:attrNameLst>
+                                      </p:cBhvr>
+                                      <p:to>
+                                        <p:strVal val="visible"/>
+                                      </p:to>
+                                    </p:set>
+                                  </p:childTnLst>
+                                </p:cTn>
+                              </p:par>
+                            </p:childTnLst>
+                          </p:cTn>
+                        </p:par>
+                      </p:childTnLst>
+                    </p:cTn>
+                  </p:par>
+                  <p:par>
+                    <p:cTn id="15" fill="hold">
+                      <p:stCondLst>
+                        <p:cond delay="indefinite"/>
+                      </p:stCondLst>
+                      <p:childTnLst>
+                        <p:par>
+                          <p:cTn id="16" fill="hold">
+                            <p:stCondLst>
+                              <p:cond delay="0"/>
+                            </p:stCondLst>
+                            <p:childTnLst>
+                              <p:par>
+                                <p:cTn id="17" presetID="1" presetClass="entr" presetSubtype="0" fill="hold" nodeType="clickEffect">
+                                  <p:stCondLst>
+                                    <p:cond delay="0"/>
+                                  </p:stCondLst>
+                                  <p:childTnLst>
+                                    <p:set>
+                                      <p:cBhvr>
+                                        <p:cTn id="18" dur="1" fill="hold">
+                                          <p:stCondLst>
+                                            <p:cond delay="0"/>
+                                          </p:stCondLst>
+                                        </p:cTn>
+                                        <p:tgtEl>
+                                          <p:spTgt spid="3">
+                                            <p:txEl>
+                                              <p:pRg st="3" end="3"/>
+                                            </p:txEl>
+                                          </p:spTgt>
+                                        </p:tgtEl>
+                                        <p:attrNameLst>
+                                          <p:attrName>style.visibility</p:attrName>
+                                        </p:attrNameLst>
+                                      </p:cBhvr>
+                                      <p:to>
+                                        <p:strVal val="visible"/>
+                                      </p:to>
+                                    </p:set>
+                                  </p:childTnLst>
+                                </p:cTn>
+                              </p:par>
+                            </p:childTnLst>
+                          </p:cTn>
+                        </p:par>
+                      </p:childTnLst>
+                    </p:cTn>
+                  </p:par>
+                  <p:par>
+                    <p:cTn id="19" fill="hold">
+                      <p:stCondLst>
+                        <p:cond delay="indefinite"/>
+                      </p:stCondLst>
+                      <p:childTnLst>
+                        <p:par>
+                          <p:cTn id="20" fill="hold">
+                            <p:stCondLst>
+                              <p:cond delay="0"/>
+                            </p:stCondLst>
+                            <p:childTnLst>
+                              <p:par>
+                                <p:cTn id="21" presetID="1" presetClass="entr" presetSubtype="0" fill="hold" nodeType="clickEffect">
+                                  <p:stCondLst>
+                                    <p:cond delay="0"/>
+                                  </p:stCondLst>
+                                  <p:childTnLst>
+                                    <p:set>
+                                      <p:cBhvr>
+                                        <p:cTn id="22" dur="1" fill="hold">
+                                          <p:stCondLst>
+                                            <p:cond delay="0"/>
+                                          </p:stCondLst>
+                                        </p:cTn>
+                                        <p:tgtEl>
+                                          <p:spTgt spid="3">
+                                            <p:txEl>
+                                              <p:pRg st="4" end="4"/>
+                                            </p:txEl>
+                                          </p:spTgt>
+                                        </p:tgtEl>
+                                        <p:attrNameLst>
+                                          <p:attrName>style.visibility</p:attrName>
+                                        </p:attrNameLst>
+                                      </p:cBhvr>
+                                      <p:to>
+                                        <p:strVal val="visible"/>
+                                      </p:to>
+                                    </p:set>
+                                  </p:childTnLst>
+                                </p:cTn>
+                              </p:par>
+                            </p:childTnLst>
+                          </p:cTn>
+                        </p:par>
+                      </p:childTnLst>
+                    </p:cTn>
+                  </p:par>
+                  <p:par>
+                    <p:cTn id="23" fill="hold">
+                      <p:stCondLst>
+                        <p:cond delay="indefinite"/>
+                      </p:stCondLst>
+                      <p:childTnLst>
+                        <p:par>
+                          <p:cTn id="24" fill="hold">
+                            <p:stCondLst>
+                              <p:cond delay="0"/>
+                            </p:stCondLst>
+                            <p:childTnLst>
+                              <p:par>
+                                <p:cTn id="25" presetID="1" presetClass="entr" presetSubtype="0" fill="hold" nodeType="clickEffect">
+                                  <p:stCondLst>
+                                    <p:cond delay="0"/>
+                                  </p:stCondLst>
+                                  <p:childTnLst>
+                                    <p:set>
+                                      <p:cBhvr>
+                                        <p:cTn id="26" dur="1" fill="hold">
+                                          <p:stCondLst>
+                                            <p:cond delay="0"/>
+                                          </p:stCondLst>
+                                        </p:cTn>
+                                        <p:tgtEl>
+                                          <p:spTgt spid="3">
+                                            <p:txEl>
+                                              <p:pRg st="5" end="5"/>
+                                            </p:txEl>
+                                          </p:spTgt>
+                                        </p:tgtEl>
+                                        <p:attrNameLst>
+                                          <p:attrName>style.visibility</p:attrName>
+                                        </p:attrNameLst>
+                                      </p:cBhvr>
+                                      <p:to>
+                                        <p:strVal val="visible"/>
+                                      </p:to>
+                                    </p:set>
+                                  </p:childTnLst>
+                                </p:cTn>
+                              </p:par>
+                            </p:childTnLst>
+                          </p:cTn>
+                        </p:par>
+                      </p:childTnLst>
+                    </p:cTn>
+                  </p:par>
+                </p:childTnLst>
+              </p:cTn>
+              <p:prevCondLst>
+                <p:cond evt="onPrev" delay="0">
+                  <p:tgtEl>
+                    <p:sldTgt/>
+                  </p:tgtEl>
+                </p:cond>
+              </p:prevCondLst>
+              <p:nextCondLst>
+                <p:cond evt="onNext" delay="0">
+                  <p:tgtEl>
+                    <p:sldTgt/>
+                  </p:tgtEl>
+                </p:cond>
+              </p:nextCondLst>
+            </p:seq>
+          </p:childTnLst>
+        </p:cTn>
+      </p:par>
+    </p:tnLst>
+  </p:timing>
 </p:sld>
 </file>
 
-<file path=ppt/slides/slide16.xml><?xml version="1.0" encoding="utf-8"?>
+<file path=ppt/slides/slide17.xml><?xml version="1.0" encoding="utf-8"?>
 <p:sld xmlns:a="http://schemas.openxmlformats.org/drawingml/2006/main" xmlns:r="http://schemas.openxmlformats.org/officeDocument/2006/relationships" xmlns:p="http://schemas.openxmlformats.org/presentationml/2006/main">
   <p:cSld>
     <p:spTree>
@@ -5186,10 +7810,285 @@
   <p:clrMapOvr>
     <a:masterClrMapping/>
   </p:clrMapOvr>
+  <p:timing>
+    <p:tnLst>
+      <p:par>
+        <p:cTn id="1" dur="indefinite" restart="never" nodeType="tmRoot">
+          <p:childTnLst>
+            <p:seq concurrent="1" nextAc="seek">
+              <p:cTn id="2" dur="indefinite" nodeType="mainSeq">
+                <p:childTnLst>
+                  <p:par>
+                    <p:cTn id="3" fill="hold">
+                      <p:stCondLst>
+                        <p:cond delay="indefinite"/>
+                      </p:stCondLst>
+                      <p:childTnLst>
+                        <p:par>
+                          <p:cTn id="4" fill="hold">
+                            <p:stCondLst>
+                              <p:cond delay="0"/>
+                            </p:stCondLst>
+                            <p:childTnLst>
+                              <p:par>
+                                <p:cTn id="5" presetID="1" presetClass="entr" presetSubtype="0" fill="hold" nodeType="clickEffect">
+                                  <p:stCondLst>
+                                    <p:cond delay="0"/>
+                                  </p:stCondLst>
+                                  <p:childTnLst>
+                                    <p:set>
+                                      <p:cBhvr>
+                                        <p:cTn id="6" dur="1" fill="hold">
+                                          <p:stCondLst>
+                                            <p:cond delay="0"/>
+                                          </p:stCondLst>
+                                        </p:cTn>
+                                        <p:tgtEl>
+                                          <p:spTgt spid="3">
+                                            <p:txEl>
+                                              <p:pRg st="0" end="0"/>
+                                            </p:txEl>
+                                          </p:spTgt>
+                                        </p:tgtEl>
+                                        <p:attrNameLst>
+                                          <p:attrName>style.visibility</p:attrName>
+                                        </p:attrNameLst>
+                                      </p:cBhvr>
+                                      <p:to>
+                                        <p:strVal val="visible"/>
+                                      </p:to>
+                                    </p:set>
+                                  </p:childTnLst>
+                                </p:cTn>
+                              </p:par>
+                            </p:childTnLst>
+                          </p:cTn>
+                        </p:par>
+                      </p:childTnLst>
+                    </p:cTn>
+                  </p:par>
+                  <p:par>
+                    <p:cTn id="7" fill="hold">
+                      <p:stCondLst>
+                        <p:cond delay="indefinite"/>
+                      </p:stCondLst>
+                      <p:childTnLst>
+                        <p:par>
+                          <p:cTn id="8" fill="hold">
+                            <p:stCondLst>
+                              <p:cond delay="0"/>
+                            </p:stCondLst>
+                            <p:childTnLst>
+                              <p:par>
+                                <p:cTn id="9" presetID="1" presetClass="entr" presetSubtype="0" fill="hold" nodeType="clickEffect">
+                                  <p:stCondLst>
+                                    <p:cond delay="0"/>
+                                  </p:stCondLst>
+                                  <p:childTnLst>
+                                    <p:set>
+                                      <p:cBhvr>
+                                        <p:cTn id="10" dur="1" fill="hold">
+                                          <p:stCondLst>
+                                            <p:cond delay="0"/>
+                                          </p:stCondLst>
+                                        </p:cTn>
+                                        <p:tgtEl>
+                                          <p:spTgt spid="3">
+                                            <p:txEl>
+                                              <p:pRg st="1" end="1"/>
+                                            </p:txEl>
+                                          </p:spTgt>
+                                        </p:tgtEl>
+                                        <p:attrNameLst>
+                                          <p:attrName>style.visibility</p:attrName>
+                                        </p:attrNameLst>
+                                      </p:cBhvr>
+                                      <p:to>
+                                        <p:strVal val="visible"/>
+                                      </p:to>
+                                    </p:set>
+                                  </p:childTnLst>
+                                </p:cTn>
+                              </p:par>
+                            </p:childTnLst>
+                          </p:cTn>
+                        </p:par>
+                      </p:childTnLst>
+                    </p:cTn>
+                  </p:par>
+                  <p:par>
+                    <p:cTn id="11" fill="hold">
+                      <p:stCondLst>
+                        <p:cond delay="indefinite"/>
+                      </p:stCondLst>
+                      <p:childTnLst>
+                        <p:par>
+                          <p:cTn id="12" fill="hold">
+                            <p:stCondLst>
+                              <p:cond delay="0"/>
+                            </p:stCondLst>
+                            <p:childTnLst>
+                              <p:par>
+                                <p:cTn id="13" presetID="1" presetClass="entr" presetSubtype="0" fill="hold" nodeType="clickEffect">
+                                  <p:stCondLst>
+                                    <p:cond delay="0"/>
+                                  </p:stCondLst>
+                                  <p:childTnLst>
+                                    <p:set>
+                                      <p:cBhvr>
+                                        <p:cTn id="14" dur="1" fill="hold">
+                                          <p:stCondLst>
+                                            <p:cond delay="0"/>
+                                          </p:stCondLst>
+                                        </p:cTn>
+                                        <p:tgtEl>
+                                          <p:spTgt spid="3">
+                                            <p:txEl>
+                                              <p:pRg st="2" end="2"/>
+                                            </p:txEl>
+                                          </p:spTgt>
+                                        </p:tgtEl>
+                                        <p:attrNameLst>
+                                          <p:attrName>style.visibility</p:attrName>
+                                        </p:attrNameLst>
+                                      </p:cBhvr>
+                                      <p:to>
+                                        <p:strVal val="visible"/>
+                                      </p:to>
+                                    </p:set>
+                                  </p:childTnLst>
+                                </p:cTn>
+                              </p:par>
+                            </p:childTnLst>
+                          </p:cTn>
+                        </p:par>
+                      </p:childTnLst>
+                    </p:cTn>
+                  </p:par>
+                  <p:par>
+                    <p:cTn id="15" fill="hold">
+                      <p:stCondLst>
+                        <p:cond delay="indefinite"/>
+                      </p:stCondLst>
+                      <p:childTnLst>
+                        <p:par>
+                          <p:cTn id="16" fill="hold">
+                            <p:stCondLst>
+                              <p:cond delay="0"/>
+                            </p:stCondLst>
+                            <p:childTnLst>
+                              <p:par>
+                                <p:cTn id="17" presetID="1" presetClass="entr" presetSubtype="0" fill="hold" nodeType="clickEffect">
+                                  <p:stCondLst>
+                                    <p:cond delay="0"/>
+                                  </p:stCondLst>
+                                  <p:childTnLst>
+                                    <p:set>
+                                      <p:cBhvr>
+                                        <p:cTn id="18" dur="1" fill="hold">
+                                          <p:stCondLst>
+                                            <p:cond delay="0"/>
+                                          </p:stCondLst>
+                                        </p:cTn>
+                                        <p:tgtEl>
+                                          <p:spTgt spid="3">
+                                            <p:txEl>
+                                              <p:pRg st="3" end="3"/>
+                                            </p:txEl>
+                                          </p:spTgt>
+                                        </p:tgtEl>
+                                        <p:attrNameLst>
+                                          <p:attrName>style.visibility</p:attrName>
+                                        </p:attrNameLst>
+                                      </p:cBhvr>
+                                      <p:to>
+                                        <p:strVal val="visible"/>
+                                      </p:to>
+                                    </p:set>
+                                  </p:childTnLst>
+                                </p:cTn>
+                              </p:par>
+                            </p:childTnLst>
+                          </p:cTn>
+                        </p:par>
+                      </p:childTnLst>
+                    </p:cTn>
+                  </p:par>
+                  <p:par>
+                    <p:cTn id="19" fill="hold">
+                      <p:stCondLst>
+                        <p:cond delay="indefinite"/>
+                      </p:stCondLst>
+                      <p:childTnLst>
+                        <p:par>
+                          <p:cTn id="20" fill="hold">
+                            <p:stCondLst>
+                              <p:cond delay="0"/>
+                            </p:stCondLst>
+                            <p:childTnLst>
+                              <p:par>
+                                <p:cTn id="21" presetID="1" presetClass="entr" presetSubtype="0" fill="hold" nodeType="clickEffect">
+                                  <p:stCondLst>
+                                    <p:cond delay="0"/>
+                                  </p:stCondLst>
+                                  <p:childTnLst>
+                                    <p:set>
+                                      <p:cBhvr>
+                                        <p:cTn id="22" dur="1" fill="hold">
+                                          <p:stCondLst>
+                                            <p:cond delay="0"/>
+                                          </p:stCondLst>
+                                        </p:cTn>
+                                        <p:tgtEl>
+                                          <p:spTgt spid="3">
+                                            <p:txEl>
+                                              <p:pRg st="4" end="4"/>
+                                            </p:txEl>
+                                          </p:spTgt>
+                                        </p:tgtEl>
+                                        <p:attrNameLst>
+                                          <p:attrName>style.visibility</p:attrName>
+                                        </p:attrNameLst>
+                                      </p:cBhvr>
+                                      <p:to>
+                                        <p:strVal val="visible"/>
+                                      </p:to>
+                                    </p:set>
+                                  </p:childTnLst>
+                                </p:cTn>
+                              </p:par>
+                            </p:childTnLst>
+                          </p:cTn>
+                        </p:par>
+                      </p:childTnLst>
+                    </p:cTn>
+                  </p:par>
+                </p:childTnLst>
+              </p:cTn>
+              <p:prevCondLst>
+                <p:cond evt="onPrev" delay="0">
+                  <p:tgtEl>
+                    <p:sldTgt/>
+                  </p:tgtEl>
+                </p:cond>
+              </p:prevCondLst>
+              <p:nextCondLst>
+                <p:cond evt="onNext" delay="0">
+                  <p:tgtEl>
+                    <p:sldTgt/>
+                  </p:tgtEl>
+                </p:cond>
+              </p:nextCondLst>
+            </p:seq>
+          </p:childTnLst>
+        </p:cTn>
+      </p:par>
+    </p:tnLst>
+  </p:timing>
 </p:sld>
 </file>
 
-<file path=ppt/slides/slide17.xml><?xml version="1.0" encoding="utf-8"?>
+<file path=ppt/slides/slide18.xml><?xml version="1.0" encoding="utf-8"?>
 <p:sld xmlns:a="http://schemas.openxmlformats.org/drawingml/2006/main" xmlns:r="http://schemas.openxmlformats.org/officeDocument/2006/relationships" xmlns:p="http://schemas.openxmlformats.org/presentationml/2006/main">
   <p:cSld>
     <p:spTree>
@@ -5388,10 +8287,481 @@
   <p:clrMapOvr>
     <a:masterClrMapping/>
   </p:clrMapOvr>
+  <p:timing>
+    <p:tnLst>
+      <p:par>
+        <p:cTn id="1" dur="indefinite" restart="never" nodeType="tmRoot">
+          <p:childTnLst>
+            <p:seq concurrent="1" nextAc="seek">
+              <p:cTn id="2" dur="indefinite" nodeType="mainSeq">
+                <p:childTnLst>
+                  <p:par>
+                    <p:cTn id="3" fill="hold">
+                      <p:stCondLst>
+                        <p:cond delay="indefinite"/>
+                      </p:stCondLst>
+                      <p:childTnLst>
+                        <p:par>
+                          <p:cTn id="4" fill="hold">
+                            <p:stCondLst>
+                              <p:cond delay="0"/>
+                            </p:stCondLst>
+                            <p:childTnLst>
+                              <p:par>
+                                <p:cTn id="5" presetID="1" presetClass="entr" presetSubtype="0" fill="hold" nodeType="clickEffect">
+                                  <p:stCondLst>
+                                    <p:cond delay="0"/>
+                                  </p:stCondLst>
+                                  <p:childTnLst>
+                                    <p:set>
+                                      <p:cBhvr>
+                                        <p:cTn id="6" dur="1" fill="hold">
+                                          <p:stCondLst>
+                                            <p:cond delay="0"/>
+                                          </p:stCondLst>
+                                        </p:cTn>
+                                        <p:tgtEl>
+                                          <p:spTgt spid="3">
+                                            <p:txEl>
+                                              <p:pRg st="0" end="0"/>
+                                            </p:txEl>
+                                          </p:spTgt>
+                                        </p:tgtEl>
+                                        <p:attrNameLst>
+                                          <p:attrName>style.visibility</p:attrName>
+                                        </p:attrNameLst>
+                                      </p:cBhvr>
+                                      <p:to>
+                                        <p:strVal val="visible"/>
+                                      </p:to>
+                                    </p:set>
+                                  </p:childTnLst>
+                                </p:cTn>
+                              </p:par>
+                            </p:childTnLst>
+                          </p:cTn>
+                        </p:par>
+                      </p:childTnLst>
+                    </p:cTn>
+                  </p:par>
+                  <p:par>
+                    <p:cTn id="7" fill="hold">
+                      <p:stCondLst>
+                        <p:cond delay="indefinite"/>
+                      </p:stCondLst>
+                      <p:childTnLst>
+                        <p:par>
+                          <p:cTn id="8" fill="hold">
+                            <p:stCondLst>
+                              <p:cond delay="0"/>
+                            </p:stCondLst>
+                            <p:childTnLst>
+                              <p:par>
+                                <p:cTn id="9" presetID="1" presetClass="entr" presetSubtype="0" fill="hold" nodeType="clickEffect">
+                                  <p:stCondLst>
+                                    <p:cond delay="0"/>
+                                  </p:stCondLst>
+                                  <p:childTnLst>
+                                    <p:set>
+                                      <p:cBhvr>
+                                        <p:cTn id="10" dur="1" fill="hold">
+                                          <p:stCondLst>
+                                            <p:cond delay="0"/>
+                                          </p:stCondLst>
+                                        </p:cTn>
+                                        <p:tgtEl>
+                                          <p:spTgt spid="3">
+                                            <p:txEl>
+                                              <p:pRg st="1" end="1"/>
+                                            </p:txEl>
+                                          </p:spTgt>
+                                        </p:tgtEl>
+                                        <p:attrNameLst>
+                                          <p:attrName>style.visibility</p:attrName>
+                                        </p:attrNameLst>
+                                      </p:cBhvr>
+                                      <p:to>
+                                        <p:strVal val="visible"/>
+                                      </p:to>
+                                    </p:set>
+                                  </p:childTnLst>
+                                </p:cTn>
+                              </p:par>
+                            </p:childTnLst>
+                          </p:cTn>
+                        </p:par>
+                      </p:childTnLst>
+                    </p:cTn>
+                  </p:par>
+                  <p:par>
+                    <p:cTn id="11" fill="hold">
+                      <p:stCondLst>
+                        <p:cond delay="indefinite"/>
+                      </p:stCondLst>
+                      <p:childTnLst>
+                        <p:par>
+                          <p:cTn id="12" fill="hold">
+                            <p:stCondLst>
+                              <p:cond delay="0"/>
+                            </p:stCondLst>
+                            <p:childTnLst>
+                              <p:par>
+                                <p:cTn id="13" presetID="1" presetClass="entr" presetSubtype="0" fill="hold" nodeType="clickEffect">
+                                  <p:stCondLst>
+                                    <p:cond delay="0"/>
+                                  </p:stCondLst>
+                                  <p:childTnLst>
+                                    <p:set>
+                                      <p:cBhvr>
+                                        <p:cTn id="14" dur="1" fill="hold">
+                                          <p:stCondLst>
+                                            <p:cond delay="0"/>
+                                          </p:stCondLst>
+                                        </p:cTn>
+                                        <p:tgtEl>
+                                          <p:spTgt spid="3">
+                                            <p:txEl>
+                                              <p:pRg st="2" end="2"/>
+                                            </p:txEl>
+                                          </p:spTgt>
+                                        </p:tgtEl>
+                                        <p:attrNameLst>
+                                          <p:attrName>style.visibility</p:attrName>
+                                        </p:attrNameLst>
+                                      </p:cBhvr>
+                                      <p:to>
+                                        <p:strVal val="visible"/>
+                                      </p:to>
+                                    </p:set>
+                                  </p:childTnLst>
+                                </p:cTn>
+                              </p:par>
+                            </p:childTnLst>
+                          </p:cTn>
+                        </p:par>
+                      </p:childTnLst>
+                    </p:cTn>
+                  </p:par>
+                  <p:par>
+                    <p:cTn id="15" fill="hold">
+                      <p:stCondLst>
+                        <p:cond delay="indefinite"/>
+                      </p:stCondLst>
+                      <p:childTnLst>
+                        <p:par>
+                          <p:cTn id="16" fill="hold">
+                            <p:stCondLst>
+                              <p:cond delay="0"/>
+                            </p:stCondLst>
+                            <p:childTnLst>
+                              <p:par>
+                                <p:cTn id="17" presetID="1" presetClass="entr" presetSubtype="0" fill="hold" nodeType="clickEffect">
+                                  <p:stCondLst>
+                                    <p:cond delay="0"/>
+                                  </p:stCondLst>
+                                  <p:childTnLst>
+                                    <p:set>
+                                      <p:cBhvr>
+                                        <p:cTn id="18" dur="1" fill="hold">
+                                          <p:stCondLst>
+                                            <p:cond delay="0"/>
+                                          </p:stCondLst>
+                                        </p:cTn>
+                                        <p:tgtEl>
+                                          <p:spTgt spid="3">
+                                            <p:txEl>
+                                              <p:pRg st="3" end="3"/>
+                                            </p:txEl>
+                                          </p:spTgt>
+                                        </p:tgtEl>
+                                        <p:attrNameLst>
+                                          <p:attrName>style.visibility</p:attrName>
+                                        </p:attrNameLst>
+                                      </p:cBhvr>
+                                      <p:to>
+                                        <p:strVal val="visible"/>
+                                      </p:to>
+                                    </p:set>
+                                  </p:childTnLst>
+                                </p:cTn>
+                              </p:par>
+                            </p:childTnLst>
+                          </p:cTn>
+                        </p:par>
+                      </p:childTnLst>
+                    </p:cTn>
+                  </p:par>
+                  <p:par>
+                    <p:cTn id="19" fill="hold">
+                      <p:stCondLst>
+                        <p:cond delay="indefinite"/>
+                      </p:stCondLst>
+                      <p:childTnLst>
+                        <p:par>
+                          <p:cTn id="20" fill="hold">
+                            <p:stCondLst>
+                              <p:cond delay="0"/>
+                            </p:stCondLst>
+                            <p:childTnLst>
+                              <p:par>
+                                <p:cTn id="21" presetID="1" presetClass="entr" presetSubtype="0" fill="hold" nodeType="clickEffect">
+                                  <p:stCondLst>
+                                    <p:cond delay="0"/>
+                                  </p:stCondLst>
+                                  <p:childTnLst>
+                                    <p:set>
+                                      <p:cBhvr>
+                                        <p:cTn id="22" dur="1" fill="hold">
+                                          <p:stCondLst>
+                                            <p:cond delay="0"/>
+                                          </p:stCondLst>
+                                        </p:cTn>
+                                        <p:tgtEl>
+                                          <p:spTgt spid="3">
+                                            <p:txEl>
+                                              <p:pRg st="4" end="4"/>
+                                            </p:txEl>
+                                          </p:spTgt>
+                                        </p:tgtEl>
+                                        <p:attrNameLst>
+                                          <p:attrName>style.visibility</p:attrName>
+                                        </p:attrNameLst>
+                                      </p:cBhvr>
+                                      <p:to>
+                                        <p:strVal val="visible"/>
+                                      </p:to>
+                                    </p:set>
+                                  </p:childTnLst>
+                                </p:cTn>
+                              </p:par>
+                            </p:childTnLst>
+                          </p:cTn>
+                        </p:par>
+                      </p:childTnLst>
+                    </p:cTn>
+                  </p:par>
+                  <p:par>
+                    <p:cTn id="23" fill="hold">
+                      <p:stCondLst>
+                        <p:cond delay="indefinite"/>
+                      </p:stCondLst>
+                      <p:childTnLst>
+                        <p:par>
+                          <p:cTn id="24" fill="hold">
+                            <p:stCondLst>
+                              <p:cond delay="0"/>
+                            </p:stCondLst>
+                            <p:childTnLst>
+                              <p:par>
+                                <p:cTn id="25" presetID="1" presetClass="entr" presetSubtype="0" fill="hold" nodeType="clickEffect">
+                                  <p:stCondLst>
+                                    <p:cond delay="0"/>
+                                  </p:stCondLst>
+                                  <p:childTnLst>
+                                    <p:set>
+                                      <p:cBhvr>
+                                        <p:cTn id="26" dur="1" fill="hold">
+                                          <p:stCondLst>
+                                            <p:cond delay="0"/>
+                                          </p:stCondLst>
+                                        </p:cTn>
+                                        <p:tgtEl>
+                                          <p:spTgt spid="3">
+                                            <p:txEl>
+                                              <p:pRg st="5" end="5"/>
+                                            </p:txEl>
+                                          </p:spTgt>
+                                        </p:tgtEl>
+                                        <p:attrNameLst>
+                                          <p:attrName>style.visibility</p:attrName>
+                                        </p:attrNameLst>
+                                      </p:cBhvr>
+                                      <p:to>
+                                        <p:strVal val="visible"/>
+                                      </p:to>
+                                    </p:set>
+                                  </p:childTnLst>
+                                </p:cTn>
+                              </p:par>
+                            </p:childTnLst>
+                          </p:cTn>
+                        </p:par>
+                      </p:childTnLst>
+                    </p:cTn>
+                  </p:par>
+                  <p:par>
+                    <p:cTn id="27" fill="hold">
+                      <p:stCondLst>
+                        <p:cond delay="indefinite"/>
+                      </p:stCondLst>
+                      <p:childTnLst>
+                        <p:par>
+                          <p:cTn id="28" fill="hold">
+                            <p:stCondLst>
+                              <p:cond delay="0"/>
+                            </p:stCondLst>
+                            <p:childTnLst>
+                              <p:par>
+                                <p:cTn id="29" presetID="1" presetClass="entr" presetSubtype="0" fill="hold" nodeType="clickEffect">
+                                  <p:stCondLst>
+                                    <p:cond delay="0"/>
+                                  </p:stCondLst>
+                                  <p:childTnLst>
+                                    <p:set>
+                                      <p:cBhvr>
+                                        <p:cTn id="30" dur="1" fill="hold">
+                                          <p:stCondLst>
+                                            <p:cond delay="0"/>
+                                          </p:stCondLst>
+                                        </p:cTn>
+                                        <p:tgtEl>
+                                          <p:spTgt spid="3">
+                                            <p:txEl>
+                                              <p:pRg st="6" end="6"/>
+                                            </p:txEl>
+                                          </p:spTgt>
+                                        </p:tgtEl>
+                                        <p:attrNameLst>
+                                          <p:attrName>style.visibility</p:attrName>
+                                        </p:attrNameLst>
+                                      </p:cBhvr>
+                                      <p:to>
+                                        <p:strVal val="visible"/>
+                                      </p:to>
+                                    </p:set>
+                                  </p:childTnLst>
+                                </p:cTn>
+                              </p:par>
+                            </p:childTnLst>
+                          </p:cTn>
+                        </p:par>
+                      </p:childTnLst>
+                    </p:cTn>
+                  </p:par>
+                  <p:par>
+                    <p:cTn id="31" fill="hold">
+                      <p:stCondLst>
+                        <p:cond delay="indefinite"/>
+                      </p:stCondLst>
+                      <p:childTnLst>
+                        <p:par>
+                          <p:cTn id="32" fill="hold">
+                            <p:stCondLst>
+                              <p:cond delay="0"/>
+                            </p:stCondLst>
+                            <p:childTnLst>
+                              <p:par>
+                                <p:cTn id="33" presetID="1" presetClass="entr" presetSubtype="0" fill="hold" nodeType="clickEffect">
+                                  <p:stCondLst>
+                                    <p:cond delay="0"/>
+                                  </p:stCondLst>
+                                  <p:childTnLst>
+                                    <p:set>
+                                      <p:cBhvr>
+                                        <p:cTn id="34" dur="1" fill="hold">
+                                          <p:stCondLst>
+                                            <p:cond delay="0"/>
+                                          </p:stCondLst>
+                                        </p:cTn>
+                                        <p:tgtEl>
+                                          <p:spTgt spid="3">
+                                            <p:txEl>
+                                              <p:pRg st="7" end="7"/>
+                                            </p:txEl>
+                                          </p:spTgt>
+                                        </p:tgtEl>
+                                        <p:attrNameLst>
+                                          <p:attrName>style.visibility</p:attrName>
+                                        </p:attrNameLst>
+                                      </p:cBhvr>
+                                      <p:to>
+                                        <p:strVal val="visible"/>
+                                      </p:to>
+                                    </p:set>
+                                  </p:childTnLst>
+                                </p:cTn>
+                              </p:par>
+                            </p:childTnLst>
+                          </p:cTn>
+                        </p:par>
+                      </p:childTnLst>
+                    </p:cTn>
+                  </p:par>
+                  <p:par>
+                    <p:cTn id="35" fill="hold">
+                      <p:stCondLst>
+                        <p:cond delay="indefinite"/>
+                      </p:stCondLst>
+                      <p:childTnLst>
+                        <p:par>
+                          <p:cTn id="36" fill="hold">
+                            <p:stCondLst>
+                              <p:cond delay="0"/>
+                            </p:stCondLst>
+                            <p:childTnLst>
+                              <p:par>
+                                <p:cTn id="37" presetID="1" presetClass="entr" presetSubtype="0" fill="hold" nodeType="clickEffect">
+                                  <p:stCondLst>
+                                    <p:cond delay="0"/>
+                                  </p:stCondLst>
+                                  <p:childTnLst>
+                                    <p:set>
+                                      <p:cBhvr>
+                                        <p:cTn id="38" dur="1" fill="hold">
+                                          <p:stCondLst>
+                                            <p:cond delay="0"/>
+                                          </p:stCondLst>
+                                        </p:cTn>
+                                        <p:tgtEl>
+                                          <p:spTgt spid="3">
+                                            <p:txEl>
+                                              <p:pRg st="8" end="8"/>
+                                            </p:txEl>
+                                          </p:spTgt>
+                                        </p:tgtEl>
+                                        <p:attrNameLst>
+                                          <p:attrName>style.visibility</p:attrName>
+                                        </p:attrNameLst>
+                                      </p:cBhvr>
+                                      <p:to>
+                                        <p:strVal val="visible"/>
+                                      </p:to>
+                                    </p:set>
+                                  </p:childTnLst>
+                                </p:cTn>
+                              </p:par>
+                            </p:childTnLst>
+                          </p:cTn>
+                        </p:par>
+                      </p:childTnLst>
+                    </p:cTn>
+                  </p:par>
+                </p:childTnLst>
+              </p:cTn>
+              <p:prevCondLst>
+                <p:cond evt="onPrev" delay="0">
+                  <p:tgtEl>
+                    <p:sldTgt/>
+                  </p:tgtEl>
+                </p:cond>
+              </p:prevCondLst>
+              <p:nextCondLst>
+                <p:cond evt="onNext" delay="0">
+                  <p:tgtEl>
+                    <p:sldTgt/>
+                  </p:tgtEl>
+                </p:cond>
+              </p:nextCondLst>
+            </p:seq>
+          </p:childTnLst>
+        </p:cTn>
+      </p:par>
+    </p:tnLst>
+  </p:timing>
 </p:sld>
 </file>
 
-<file path=ppt/slides/slide18.xml><?xml version="1.0" encoding="utf-8"?>
+<file path=ppt/slides/slide19.xml><?xml version="1.0" encoding="utf-8"?>
 <p:sld xmlns:a="http://schemas.openxmlformats.org/drawingml/2006/main" xmlns:r="http://schemas.openxmlformats.org/officeDocument/2006/relationships" xmlns:p="http://schemas.openxmlformats.org/presentationml/2006/main">
   <p:cSld>
     <p:spTree>
@@ -5711,10 +9081,573 @@
   <p:clrMapOvr>
     <a:masterClrMapping/>
   </p:clrMapOvr>
+  <p:timing>
+    <p:tnLst>
+      <p:par>
+        <p:cTn id="1" dur="indefinite" restart="never" nodeType="tmRoot">
+          <p:childTnLst>
+            <p:seq concurrent="1" nextAc="seek">
+              <p:cTn id="2" dur="indefinite" nodeType="mainSeq">
+                <p:childTnLst>
+                  <p:par>
+                    <p:cTn id="3" fill="hold">
+                      <p:stCondLst>
+                        <p:cond delay="indefinite"/>
+                      </p:stCondLst>
+                      <p:childTnLst>
+                        <p:par>
+                          <p:cTn id="4" fill="hold">
+                            <p:stCondLst>
+                              <p:cond delay="0"/>
+                            </p:stCondLst>
+                            <p:childTnLst>
+                              <p:par>
+                                <p:cTn id="5" presetID="1" presetClass="entr" presetSubtype="0" fill="hold" nodeType="clickEffect">
+                                  <p:stCondLst>
+                                    <p:cond delay="0"/>
+                                  </p:stCondLst>
+                                  <p:childTnLst>
+                                    <p:set>
+                                      <p:cBhvr>
+                                        <p:cTn id="6" dur="1" fill="hold">
+                                          <p:stCondLst>
+                                            <p:cond delay="0"/>
+                                          </p:stCondLst>
+                                        </p:cTn>
+                                        <p:tgtEl>
+                                          <p:spTgt spid="3">
+                                            <p:txEl>
+                                              <p:pRg st="0" end="0"/>
+                                            </p:txEl>
+                                          </p:spTgt>
+                                        </p:tgtEl>
+                                        <p:attrNameLst>
+                                          <p:attrName>style.visibility</p:attrName>
+                                        </p:attrNameLst>
+                                      </p:cBhvr>
+                                      <p:to>
+                                        <p:strVal val="visible"/>
+                                      </p:to>
+                                    </p:set>
+                                  </p:childTnLst>
+                                </p:cTn>
+                              </p:par>
+                            </p:childTnLst>
+                          </p:cTn>
+                        </p:par>
+                      </p:childTnLst>
+                    </p:cTn>
+                  </p:par>
+                  <p:par>
+                    <p:cTn id="7" fill="hold">
+                      <p:stCondLst>
+                        <p:cond delay="indefinite"/>
+                      </p:stCondLst>
+                      <p:childTnLst>
+                        <p:par>
+                          <p:cTn id="8" fill="hold">
+                            <p:stCondLst>
+                              <p:cond delay="0"/>
+                            </p:stCondLst>
+                            <p:childTnLst>
+                              <p:par>
+                                <p:cTn id="9" presetID="1" presetClass="entr" presetSubtype="0" fill="hold" nodeType="clickEffect">
+                                  <p:stCondLst>
+                                    <p:cond delay="0"/>
+                                  </p:stCondLst>
+                                  <p:childTnLst>
+                                    <p:set>
+                                      <p:cBhvr>
+                                        <p:cTn id="10" dur="1" fill="hold">
+                                          <p:stCondLst>
+                                            <p:cond delay="0"/>
+                                          </p:stCondLst>
+                                        </p:cTn>
+                                        <p:tgtEl>
+                                          <p:spTgt spid="3">
+                                            <p:txEl>
+                                              <p:pRg st="1" end="1"/>
+                                            </p:txEl>
+                                          </p:spTgt>
+                                        </p:tgtEl>
+                                        <p:attrNameLst>
+                                          <p:attrName>style.visibility</p:attrName>
+                                        </p:attrNameLst>
+                                      </p:cBhvr>
+                                      <p:to>
+                                        <p:strVal val="visible"/>
+                                      </p:to>
+                                    </p:set>
+                                  </p:childTnLst>
+                                </p:cTn>
+                              </p:par>
+                            </p:childTnLst>
+                          </p:cTn>
+                        </p:par>
+                      </p:childTnLst>
+                    </p:cTn>
+                  </p:par>
+                  <p:par>
+                    <p:cTn id="11" fill="hold">
+                      <p:stCondLst>
+                        <p:cond delay="indefinite"/>
+                      </p:stCondLst>
+                      <p:childTnLst>
+                        <p:par>
+                          <p:cTn id="12" fill="hold">
+                            <p:stCondLst>
+                              <p:cond delay="0"/>
+                            </p:stCondLst>
+                            <p:childTnLst>
+                              <p:par>
+                                <p:cTn id="13" presetID="1" presetClass="entr" presetSubtype="0" fill="hold" nodeType="clickEffect">
+                                  <p:stCondLst>
+                                    <p:cond delay="0"/>
+                                  </p:stCondLst>
+                                  <p:childTnLst>
+                                    <p:set>
+                                      <p:cBhvr>
+                                        <p:cTn id="14" dur="1" fill="hold">
+                                          <p:stCondLst>
+                                            <p:cond delay="0"/>
+                                          </p:stCondLst>
+                                        </p:cTn>
+                                        <p:tgtEl>
+                                          <p:spTgt spid="3">
+                                            <p:txEl>
+                                              <p:pRg st="2" end="2"/>
+                                            </p:txEl>
+                                          </p:spTgt>
+                                        </p:tgtEl>
+                                        <p:attrNameLst>
+                                          <p:attrName>style.visibility</p:attrName>
+                                        </p:attrNameLst>
+                                      </p:cBhvr>
+                                      <p:to>
+                                        <p:strVal val="visible"/>
+                                      </p:to>
+                                    </p:set>
+                                  </p:childTnLst>
+                                </p:cTn>
+                              </p:par>
+                            </p:childTnLst>
+                          </p:cTn>
+                        </p:par>
+                      </p:childTnLst>
+                    </p:cTn>
+                  </p:par>
+                  <p:par>
+                    <p:cTn id="15" fill="hold">
+                      <p:stCondLst>
+                        <p:cond delay="indefinite"/>
+                      </p:stCondLst>
+                      <p:childTnLst>
+                        <p:par>
+                          <p:cTn id="16" fill="hold">
+                            <p:stCondLst>
+                              <p:cond delay="0"/>
+                            </p:stCondLst>
+                            <p:childTnLst>
+                              <p:par>
+                                <p:cTn id="17" presetID="1" presetClass="entr" presetSubtype="0" fill="hold" nodeType="clickEffect">
+                                  <p:stCondLst>
+                                    <p:cond delay="0"/>
+                                  </p:stCondLst>
+                                  <p:childTnLst>
+                                    <p:set>
+                                      <p:cBhvr>
+                                        <p:cTn id="18" dur="1" fill="hold">
+                                          <p:stCondLst>
+                                            <p:cond delay="0"/>
+                                          </p:stCondLst>
+                                        </p:cTn>
+                                        <p:tgtEl>
+                                          <p:spTgt spid="3">
+                                            <p:txEl>
+                                              <p:pRg st="3" end="3"/>
+                                            </p:txEl>
+                                          </p:spTgt>
+                                        </p:tgtEl>
+                                        <p:attrNameLst>
+                                          <p:attrName>style.visibility</p:attrName>
+                                        </p:attrNameLst>
+                                      </p:cBhvr>
+                                      <p:to>
+                                        <p:strVal val="visible"/>
+                                      </p:to>
+                                    </p:set>
+                                  </p:childTnLst>
+                                </p:cTn>
+                              </p:par>
+                            </p:childTnLst>
+                          </p:cTn>
+                        </p:par>
+                      </p:childTnLst>
+                    </p:cTn>
+                  </p:par>
+                  <p:par>
+                    <p:cTn id="19" fill="hold">
+                      <p:stCondLst>
+                        <p:cond delay="indefinite"/>
+                      </p:stCondLst>
+                      <p:childTnLst>
+                        <p:par>
+                          <p:cTn id="20" fill="hold">
+                            <p:stCondLst>
+                              <p:cond delay="0"/>
+                            </p:stCondLst>
+                            <p:childTnLst>
+                              <p:par>
+                                <p:cTn id="21" presetID="1" presetClass="entr" presetSubtype="0" fill="hold" nodeType="clickEffect">
+                                  <p:stCondLst>
+                                    <p:cond delay="0"/>
+                                  </p:stCondLst>
+                                  <p:childTnLst>
+                                    <p:set>
+                                      <p:cBhvr>
+                                        <p:cTn id="22" dur="1" fill="hold">
+                                          <p:stCondLst>
+                                            <p:cond delay="0"/>
+                                          </p:stCondLst>
+                                        </p:cTn>
+                                        <p:tgtEl>
+                                          <p:spTgt spid="3">
+                                            <p:txEl>
+                                              <p:pRg st="4" end="4"/>
+                                            </p:txEl>
+                                          </p:spTgt>
+                                        </p:tgtEl>
+                                        <p:attrNameLst>
+                                          <p:attrName>style.visibility</p:attrName>
+                                        </p:attrNameLst>
+                                      </p:cBhvr>
+                                      <p:to>
+                                        <p:strVal val="visible"/>
+                                      </p:to>
+                                    </p:set>
+                                  </p:childTnLst>
+                                </p:cTn>
+                              </p:par>
+                            </p:childTnLst>
+                          </p:cTn>
+                        </p:par>
+                      </p:childTnLst>
+                    </p:cTn>
+                  </p:par>
+                  <p:par>
+                    <p:cTn id="23" fill="hold">
+                      <p:stCondLst>
+                        <p:cond delay="indefinite"/>
+                      </p:stCondLst>
+                      <p:childTnLst>
+                        <p:par>
+                          <p:cTn id="24" fill="hold">
+                            <p:stCondLst>
+                              <p:cond delay="0"/>
+                            </p:stCondLst>
+                            <p:childTnLst>
+                              <p:par>
+                                <p:cTn id="25" presetID="1" presetClass="entr" presetSubtype="0" fill="hold" nodeType="clickEffect">
+                                  <p:stCondLst>
+                                    <p:cond delay="0"/>
+                                  </p:stCondLst>
+                                  <p:childTnLst>
+                                    <p:set>
+                                      <p:cBhvr>
+                                        <p:cTn id="26" dur="1" fill="hold">
+                                          <p:stCondLst>
+                                            <p:cond delay="0"/>
+                                          </p:stCondLst>
+                                        </p:cTn>
+                                        <p:tgtEl>
+                                          <p:spTgt spid="3">
+                                            <p:txEl>
+                                              <p:pRg st="5" end="5"/>
+                                            </p:txEl>
+                                          </p:spTgt>
+                                        </p:tgtEl>
+                                        <p:attrNameLst>
+                                          <p:attrName>style.visibility</p:attrName>
+                                        </p:attrNameLst>
+                                      </p:cBhvr>
+                                      <p:to>
+                                        <p:strVal val="visible"/>
+                                      </p:to>
+                                    </p:set>
+                                  </p:childTnLst>
+                                </p:cTn>
+                              </p:par>
+                            </p:childTnLst>
+                          </p:cTn>
+                        </p:par>
+                      </p:childTnLst>
+                    </p:cTn>
+                  </p:par>
+                  <p:par>
+                    <p:cTn id="27" fill="hold">
+                      <p:stCondLst>
+                        <p:cond delay="indefinite"/>
+                      </p:stCondLst>
+                      <p:childTnLst>
+                        <p:par>
+                          <p:cTn id="28" fill="hold">
+                            <p:stCondLst>
+                              <p:cond delay="0"/>
+                            </p:stCondLst>
+                            <p:childTnLst>
+                              <p:par>
+                                <p:cTn id="29" presetID="1" presetClass="entr" presetSubtype="0" fill="hold" nodeType="clickEffect">
+                                  <p:stCondLst>
+                                    <p:cond delay="0"/>
+                                  </p:stCondLst>
+                                  <p:childTnLst>
+                                    <p:set>
+                                      <p:cBhvr>
+                                        <p:cTn id="30" dur="1" fill="hold">
+                                          <p:stCondLst>
+                                            <p:cond delay="0"/>
+                                          </p:stCondLst>
+                                        </p:cTn>
+                                        <p:tgtEl>
+                                          <p:spTgt spid="3">
+                                            <p:txEl>
+                                              <p:pRg st="6" end="6"/>
+                                            </p:txEl>
+                                          </p:spTgt>
+                                        </p:tgtEl>
+                                        <p:attrNameLst>
+                                          <p:attrName>style.visibility</p:attrName>
+                                        </p:attrNameLst>
+                                      </p:cBhvr>
+                                      <p:to>
+                                        <p:strVal val="visible"/>
+                                      </p:to>
+                                    </p:set>
+                                  </p:childTnLst>
+                                </p:cTn>
+                              </p:par>
+                            </p:childTnLst>
+                          </p:cTn>
+                        </p:par>
+                      </p:childTnLst>
+                    </p:cTn>
+                  </p:par>
+                  <p:par>
+                    <p:cTn id="31" fill="hold">
+                      <p:stCondLst>
+                        <p:cond delay="indefinite"/>
+                      </p:stCondLst>
+                      <p:childTnLst>
+                        <p:par>
+                          <p:cTn id="32" fill="hold">
+                            <p:stCondLst>
+                              <p:cond delay="0"/>
+                            </p:stCondLst>
+                            <p:childTnLst>
+                              <p:par>
+                                <p:cTn id="33" presetID="1" presetClass="entr" presetSubtype="0" fill="hold" nodeType="clickEffect">
+                                  <p:stCondLst>
+                                    <p:cond delay="0"/>
+                                  </p:stCondLst>
+                                  <p:childTnLst>
+                                    <p:set>
+                                      <p:cBhvr>
+                                        <p:cTn id="34" dur="1" fill="hold">
+                                          <p:stCondLst>
+                                            <p:cond delay="0"/>
+                                          </p:stCondLst>
+                                        </p:cTn>
+                                        <p:tgtEl>
+                                          <p:spTgt spid="3">
+                                            <p:txEl>
+                                              <p:pRg st="7" end="7"/>
+                                            </p:txEl>
+                                          </p:spTgt>
+                                        </p:tgtEl>
+                                        <p:attrNameLst>
+                                          <p:attrName>style.visibility</p:attrName>
+                                        </p:attrNameLst>
+                                      </p:cBhvr>
+                                      <p:to>
+                                        <p:strVal val="visible"/>
+                                      </p:to>
+                                    </p:set>
+                                  </p:childTnLst>
+                                </p:cTn>
+                              </p:par>
+                            </p:childTnLst>
+                          </p:cTn>
+                        </p:par>
+                      </p:childTnLst>
+                    </p:cTn>
+                  </p:par>
+                </p:childTnLst>
+              </p:cTn>
+              <p:prevCondLst>
+                <p:cond evt="onPrev" delay="0">
+                  <p:tgtEl>
+                    <p:sldTgt/>
+                  </p:tgtEl>
+                </p:cond>
+              </p:prevCondLst>
+              <p:nextCondLst>
+                <p:cond evt="onNext" delay="0">
+                  <p:tgtEl>
+                    <p:sldTgt/>
+                  </p:tgtEl>
+                </p:cond>
+              </p:nextCondLst>
+            </p:seq>
+          </p:childTnLst>
+        </p:cTn>
+      </p:par>
+    </p:tnLst>
+  </p:timing>
 </p:sld>
 </file>
 
-<file path=ppt/slides/slide19.xml><?xml version="1.0" encoding="utf-8"?>
+<file path=ppt/slides/slide2.xml><?xml version="1.0" encoding="utf-8"?>
+<p:sld xmlns:a="http://schemas.openxmlformats.org/drawingml/2006/main" xmlns:r="http://schemas.openxmlformats.org/officeDocument/2006/relationships" xmlns:p="http://schemas.openxmlformats.org/presentationml/2006/main">
+  <p:cSld>
+    <p:spTree>
+      <p:nvGrpSpPr>
+        <p:cNvPr id="1" name=""/>
+        <p:cNvGrpSpPr/>
+        <p:nvPr/>
+      </p:nvGrpSpPr>
+      <p:grpSpPr>
+        <a:xfrm>
+          <a:off x="0" y="0"/>
+          <a:ext cx="0" cy="0"/>
+          <a:chOff x="0" y="0"/>
+          <a:chExt cx="0" cy="0"/>
+        </a:xfrm>
+      </p:grpSpPr>
+      <p:sp>
+        <p:nvSpPr>
+          <p:cNvPr id="2" name="Title 1">
+            <a:extLst>
+              <a:ext uri="{FF2B5EF4-FFF2-40B4-BE49-F238E27FC236}">
+                <a16:creationId xmlns:a16="http://schemas.microsoft.com/office/drawing/2014/main" id="{A0ABDCF0-4088-1D00-A21E-9637E9B4476E}"/>
+              </a:ext>
+            </a:extLst>
+          </p:cNvPr>
+          <p:cNvSpPr>
+            <a:spLocks noGrp="1"/>
+          </p:cNvSpPr>
+          <p:nvPr>
+            <p:ph type="title"/>
+          </p:nvPr>
+        </p:nvSpPr>
+        <p:spPr/>
+        <p:txBody>
+          <a:bodyPr/>
+          <a:lstStyle/>
+          <a:p>
+            <a:r>
+              <a:rPr lang="en-US" dirty="0"/>
+              <a:t>Practicality</a:t>
+            </a:r>
+            <a:endParaRPr lang="en-DE" dirty="0"/>
+          </a:p>
+        </p:txBody>
+      </p:sp>
+      <p:sp>
+        <p:nvSpPr>
+          <p:cNvPr id="3" name="Content Placeholder 2">
+            <a:extLst>
+              <a:ext uri="{FF2B5EF4-FFF2-40B4-BE49-F238E27FC236}">
+                <a16:creationId xmlns:a16="http://schemas.microsoft.com/office/drawing/2014/main" id="{C0B35FE3-707E-0714-EE73-431C80EB9D59}"/>
+              </a:ext>
+            </a:extLst>
+          </p:cNvPr>
+          <p:cNvSpPr>
+            <a:spLocks noGrp="1"/>
+          </p:cNvSpPr>
+          <p:nvPr>
+            <p:ph idx="1"/>
+          </p:nvPr>
+        </p:nvSpPr>
+        <p:spPr>
+          <a:xfrm>
+            <a:off x="838199" y="1825625"/>
+            <a:ext cx="10049541" cy="4351338"/>
+          </a:xfrm>
+        </p:spPr>
+        <p:txBody>
+          <a:bodyPr/>
+          <a:lstStyle/>
+          <a:p>
+            <a:r>
+              <a:rPr lang="en-US" dirty="0"/>
+              <a:t>Unfortunately, due to a conference I’ll be out of Tubingen 16</a:t>
+            </a:r>
+            <a:r>
+              <a:rPr lang="en-US" baseline="30000" dirty="0"/>
+              <a:t>th</a:t>
+            </a:r>
+            <a:r>
+              <a:rPr lang="en-US" dirty="0"/>
+              <a:t> to 19</a:t>
+            </a:r>
+            <a:r>
+              <a:rPr lang="en-US" baseline="30000" dirty="0"/>
+              <a:t>th</a:t>
+            </a:r>
+            <a:r>
+              <a:rPr lang="en-US" dirty="0"/>
+              <a:t> of May (so for the lecture and lab in one week)</a:t>
+            </a:r>
+          </a:p>
+          <a:p>
+            <a:r>
+              <a:rPr lang="en-US" dirty="0"/>
+              <a:t>We can either:</a:t>
+            </a:r>
+          </a:p>
+          <a:p>
+            <a:pPr lvl="1"/>
+            <a:r>
+              <a:rPr lang="en-US" dirty="0"/>
+              <a:t>Reschedule to different days </a:t>
+            </a:r>
+          </a:p>
+          <a:p>
+            <a:pPr lvl="2"/>
+            <a:r>
+              <a:rPr lang="en-US" dirty="0"/>
+              <a:t>Since there’s few of us, we can probably find a time that works for all of us</a:t>
+            </a:r>
+          </a:p>
+          <a:p>
+            <a:pPr lvl="1"/>
+            <a:r>
+              <a:rPr lang="en-US" dirty="0"/>
+              <a:t>I record it beforehand and you watch it in your own time</a:t>
+            </a:r>
+          </a:p>
+          <a:p>
+            <a:r>
+              <a:rPr lang="en-US" dirty="0"/>
+              <a:t>Either works equally well for me, what do you prefer?</a:t>
+            </a:r>
+          </a:p>
+        </p:txBody>
+      </p:sp>
+    </p:spTree>
+    <p:extLst>
+      <p:ext uri="{BB962C8B-B14F-4D97-AF65-F5344CB8AC3E}">
+        <p14:creationId xmlns:p14="http://schemas.microsoft.com/office/powerpoint/2010/main" val="1982165510"/>
+      </p:ext>
+    </p:extLst>
+  </p:cSld>
+  <p:clrMapOvr>
+    <a:masterClrMapping/>
+  </p:clrMapOvr>
+</p:sld>
+</file>
+
+<file path=ppt/slides/slide20.xml><?xml version="1.0" encoding="utf-8"?>
 <p:sld xmlns:a="http://schemas.openxmlformats.org/drawingml/2006/main" xmlns:r="http://schemas.openxmlformats.org/officeDocument/2006/relationships" xmlns:p="http://schemas.openxmlformats.org/presentationml/2006/main">
   <p:cSld>
     <p:spTree>
@@ -5880,10 +9813,880 @@
   <p:clrMapOvr>
     <a:masterClrMapping/>
   </p:clrMapOvr>
+  <p:timing>
+    <p:tnLst>
+      <p:par>
+        <p:cTn id="1" dur="indefinite" restart="never" nodeType="tmRoot">
+          <p:childTnLst>
+            <p:seq concurrent="1" nextAc="seek">
+              <p:cTn id="2" dur="indefinite" nodeType="mainSeq">
+                <p:childTnLst>
+                  <p:par>
+                    <p:cTn id="3" fill="hold">
+                      <p:stCondLst>
+                        <p:cond delay="indefinite"/>
+                      </p:stCondLst>
+                      <p:childTnLst>
+                        <p:par>
+                          <p:cTn id="4" fill="hold">
+                            <p:stCondLst>
+                              <p:cond delay="0"/>
+                            </p:stCondLst>
+                            <p:childTnLst>
+                              <p:par>
+                                <p:cTn id="5" presetID="1" presetClass="entr" presetSubtype="0" fill="hold" nodeType="clickEffect">
+                                  <p:stCondLst>
+                                    <p:cond delay="0"/>
+                                  </p:stCondLst>
+                                  <p:childTnLst>
+                                    <p:set>
+                                      <p:cBhvr>
+                                        <p:cTn id="6" dur="1" fill="hold">
+                                          <p:stCondLst>
+                                            <p:cond delay="0"/>
+                                          </p:stCondLst>
+                                        </p:cTn>
+                                        <p:tgtEl>
+                                          <p:spTgt spid="3">
+                                            <p:txEl>
+                                              <p:pRg st="0" end="0"/>
+                                            </p:txEl>
+                                          </p:spTgt>
+                                        </p:tgtEl>
+                                        <p:attrNameLst>
+                                          <p:attrName>style.visibility</p:attrName>
+                                        </p:attrNameLst>
+                                      </p:cBhvr>
+                                      <p:to>
+                                        <p:strVal val="visible"/>
+                                      </p:to>
+                                    </p:set>
+                                  </p:childTnLst>
+                                </p:cTn>
+                              </p:par>
+                            </p:childTnLst>
+                          </p:cTn>
+                        </p:par>
+                      </p:childTnLst>
+                    </p:cTn>
+                  </p:par>
+                  <p:par>
+                    <p:cTn id="7" fill="hold">
+                      <p:stCondLst>
+                        <p:cond delay="indefinite"/>
+                      </p:stCondLst>
+                      <p:childTnLst>
+                        <p:par>
+                          <p:cTn id="8" fill="hold">
+                            <p:stCondLst>
+                              <p:cond delay="0"/>
+                            </p:stCondLst>
+                            <p:childTnLst>
+                              <p:par>
+                                <p:cTn id="9" presetID="1" presetClass="entr" presetSubtype="0" fill="hold" nodeType="clickEffect">
+                                  <p:stCondLst>
+                                    <p:cond delay="0"/>
+                                  </p:stCondLst>
+                                  <p:childTnLst>
+                                    <p:set>
+                                      <p:cBhvr>
+                                        <p:cTn id="10" dur="1" fill="hold">
+                                          <p:stCondLst>
+                                            <p:cond delay="0"/>
+                                          </p:stCondLst>
+                                        </p:cTn>
+                                        <p:tgtEl>
+                                          <p:spTgt spid="3">
+                                            <p:txEl>
+                                              <p:pRg st="1" end="1"/>
+                                            </p:txEl>
+                                          </p:spTgt>
+                                        </p:tgtEl>
+                                        <p:attrNameLst>
+                                          <p:attrName>style.visibility</p:attrName>
+                                        </p:attrNameLst>
+                                      </p:cBhvr>
+                                      <p:to>
+                                        <p:strVal val="visible"/>
+                                      </p:to>
+                                    </p:set>
+                                  </p:childTnLst>
+                                </p:cTn>
+                              </p:par>
+                            </p:childTnLst>
+                          </p:cTn>
+                        </p:par>
+                      </p:childTnLst>
+                    </p:cTn>
+                  </p:par>
+                  <p:par>
+                    <p:cTn id="11" fill="hold">
+                      <p:stCondLst>
+                        <p:cond delay="indefinite"/>
+                      </p:stCondLst>
+                      <p:childTnLst>
+                        <p:par>
+                          <p:cTn id="12" fill="hold">
+                            <p:stCondLst>
+                              <p:cond delay="0"/>
+                            </p:stCondLst>
+                            <p:childTnLst>
+                              <p:par>
+                                <p:cTn id="13" presetID="1" presetClass="entr" presetSubtype="0" fill="hold" nodeType="clickEffect">
+                                  <p:stCondLst>
+                                    <p:cond delay="0"/>
+                                  </p:stCondLst>
+                                  <p:childTnLst>
+                                    <p:set>
+                                      <p:cBhvr>
+                                        <p:cTn id="14" dur="1" fill="hold">
+                                          <p:stCondLst>
+                                            <p:cond delay="0"/>
+                                          </p:stCondLst>
+                                        </p:cTn>
+                                        <p:tgtEl>
+                                          <p:spTgt spid="3">
+                                            <p:txEl>
+                                              <p:pRg st="2" end="2"/>
+                                            </p:txEl>
+                                          </p:spTgt>
+                                        </p:tgtEl>
+                                        <p:attrNameLst>
+                                          <p:attrName>style.visibility</p:attrName>
+                                        </p:attrNameLst>
+                                      </p:cBhvr>
+                                      <p:to>
+                                        <p:strVal val="visible"/>
+                                      </p:to>
+                                    </p:set>
+                                  </p:childTnLst>
+                                </p:cTn>
+                              </p:par>
+                            </p:childTnLst>
+                          </p:cTn>
+                        </p:par>
+                      </p:childTnLst>
+                    </p:cTn>
+                  </p:par>
+                  <p:par>
+                    <p:cTn id="15" fill="hold">
+                      <p:stCondLst>
+                        <p:cond delay="indefinite"/>
+                      </p:stCondLst>
+                      <p:childTnLst>
+                        <p:par>
+                          <p:cTn id="16" fill="hold">
+                            <p:stCondLst>
+                              <p:cond delay="0"/>
+                            </p:stCondLst>
+                            <p:childTnLst>
+                              <p:par>
+                                <p:cTn id="17" presetID="1" presetClass="entr" presetSubtype="0" fill="hold" nodeType="clickEffect">
+                                  <p:stCondLst>
+                                    <p:cond delay="0"/>
+                                  </p:stCondLst>
+                                  <p:childTnLst>
+                                    <p:set>
+                                      <p:cBhvr>
+                                        <p:cTn id="18" dur="1" fill="hold">
+                                          <p:stCondLst>
+                                            <p:cond delay="0"/>
+                                          </p:stCondLst>
+                                        </p:cTn>
+                                        <p:tgtEl>
+                                          <p:spTgt spid="3">
+                                            <p:txEl>
+                                              <p:pRg st="3" end="3"/>
+                                            </p:txEl>
+                                          </p:spTgt>
+                                        </p:tgtEl>
+                                        <p:attrNameLst>
+                                          <p:attrName>style.visibility</p:attrName>
+                                        </p:attrNameLst>
+                                      </p:cBhvr>
+                                      <p:to>
+                                        <p:strVal val="visible"/>
+                                      </p:to>
+                                    </p:set>
+                                  </p:childTnLst>
+                                </p:cTn>
+                              </p:par>
+                            </p:childTnLst>
+                          </p:cTn>
+                        </p:par>
+                      </p:childTnLst>
+                    </p:cTn>
+                  </p:par>
+                  <p:par>
+                    <p:cTn id="19" fill="hold">
+                      <p:stCondLst>
+                        <p:cond delay="indefinite"/>
+                      </p:stCondLst>
+                      <p:childTnLst>
+                        <p:par>
+                          <p:cTn id="20" fill="hold">
+                            <p:stCondLst>
+                              <p:cond delay="0"/>
+                            </p:stCondLst>
+                            <p:childTnLst>
+                              <p:par>
+                                <p:cTn id="21" presetID="1" presetClass="entr" presetSubtype="0" fill="hold" nodeType="clickEffect">
+                                  <p:stCondLst>
+                                    <p:cond delay="0"/>
+                                  </p:stCondLst>
+                                  <p:childTnLst>
+                                    <p:set>
+                                      <p:cBhvr>
+                                        <p:cTn id="22" dur="1" fill="hold">
+                                          <p:stCondLst>
+                                            <p:cond delay="0"/>
+                                          </p:stCondLst>
+                                        </p:cTn>
+                                        <p:tgtEl>
+                                          <p:spTgt spid="3">
+                                            <p:txEl>
+                                              <p:pRg st="4" end="4"/>
+                                            </p:txEl>
+                                          </p:spTgt>
+                                        </p:tgtEl>
+                                        <p:attrNameLst>
+                                          <p:attrName>style.visibility</p:attrName>
+                                        </p:attrNameLst>
+                                      </p:cBhvr>
+                                      <p:to>
+                                        <p:strVal val="visible"/>
+                                      </p:to>
+                                    </p:set>
+                                  </p:childTnLst>
+                                </p:cTn>
+                              </p:par>
+                            </p:childTnLst>
+                          </p:cTn>
+                        </p:par>
+                      </p:childTnLst>
+                    </p:cTn>
+                  </p:par>
+                  <p:par>
+                    <p:cTn id="23" fill="hold">
+                      <p:stCondLst>
+                        <p:cond delay="indefinite"/>
+                      </p:stCondLst>
+                      <p:childTnLst>
+                        <p:par>
+                          <p:cTn id="24" fill="hold">
+                            <p:stCondLst>
+                              <p:cond delay="0"/>
+                            </p:stCondLst>
+                            <p:childTnLst>
+                              <p:par>
+                                <p:cTn id="25" presetID="1" presetClass="entr" presetSubtype="0" fill="hold" nodeType="clickEffect">
+                                  <p:stCondLst>
+                                    <p:cond delay="0"/>
+                                  </p:stCondLst>
+                                  <p:childTnLst>
+                                    <p:set>
+                                      <p:cBhvr>
+                                        <p:cTn id="26" dur="1" fill="hold">
+                                          <p:stCondLst>
+                                            <p:cond delay="0"/>
+                                          </p:stCondLst>
+                                        </p:cTn>
+                                        <p:tgtEl>
+                                          <p:spTgt spid="3">
+                                            <p:txEl>
+                                              <p:pRg st="5" end="5"/>
+                                            </p:txEl>
+                                          </p:spTgt>
+                                        </p:tgtEl>
+                                        <p:attrNameLst>
+                                          <p:attrName>style.visibility</p:attrName>
+                                        </p:attrNameLst>
+                                      </p:cBhvr>
+                                      <p:to>
+                                        <p:strVal val="visible"/>
+                                      </p:to>
+                                    </p:set>
+                                  </p:childTnLst>
+                                </p:cTn>
+                              </p:par>
+                            </p:childTnLst>
+                          </p:cTn>
+                        </p:par>
+                      </p:childTnLst>
+                    </p:cTn>
+                  </p:par>
+                  <p:par>
+                    <p:cTn id="27" fill="hold">
+                      <p:stCondLst>
+                        <p:cond delay="indefinite"/>
+                      </p:stCondLst>
+                      <p:childTnLst>
+                        <p:par>
+                          <p:cTn id="28" fill="hold">
+                            <p:stCondLst>
+                              <p:cond delay="0"/>
+                            </p:stCondLst>
+                            <p:childTnLst>
+                              <p:par>
+                                <p:cTn id="29" presetID="1" presetClass="entr" presetSubtype="0" fill="hold" nodeType="clickEffect">
+                                  <p:stCondLst>
+                                    <p:cond delay="0"/>
+                                  </p:stCondLst>
+                                  <p:childTnLst>
+                                    <p:set>
+                                      <p:cBhvr>
+                                        <p:cTn id="30" dur="1" fill="hold">
+                                          <p:stCondLst>
+                                            <p:cond delay="0"/>
+                                          </p:stCondLst>
+                                        </p:cTn>
+                                        <p:tgtEl>
+                                          <p:spTgt spid="3">
+                                            <p:txEl>
+                                              <p:pRg st="6" end="6"/>
+                                            </p:txEl>
+                                          </p:spTgt>
+                                        </p:tgtEl>
+                                        <p:attrNameLst>
+                                          <p:attrName>style.visibility</p:attrName>
+                                        </p:attrNameLst>
+                                      </p:cBhvr>
+                                      <p:to>
+                                        <p:strVal val="visible"/>
+                                      </p:to>
+                                    </p:set>
+                                  </p:childTnLst>
+                                </p:cTn>
+                              </p:par>
+                            </p:childTnLst>
+                          </p:cTn>
+                        </p:par>
+                      </p:childTnLst>
+                    </p:cTn>
+                  </p:par>
+                  <p:par>
+                    <p:cTn id="31" fill="hold">
+                      <p:stCondLst>
+                        <p:cond delay="indefinite"/>
+                      </p:stCondLst>
+                      <p:childTnLst>
+                        <p:par>
+                          <p:cTn id="32" fill="hold">
+                            <p:stCondLst>
+                              <p:cond delay="0"/>
+                            </p:stCondLst>
+                            <p:childTnLst>
+                              <p:par>
+                                <p:cTn id="33" presetID="1" presetClass="entr" presetSubtype="0" fill="hold" nodeType="clickEffect">
+                                  <p:stCondLst>
+                                    <p:cond delay="0"/>
+                                  </p:stCondLst>
+                                  <p:childTnLst>
+                                    <p:set>
+                                      <p:cBhvr>
+                                        <p:cTn id="34" dur="1" fill="hold">
+                                          <p:stCondLst>
+                                            <p:cond delay="0"/>
+                                          </p:stCondLst>
+                                        </p:cTn>
+                                        <p:tgtEl>
+                                          <p:spTgt spid="3">
+                                            <p:txEl>
+                                              <p:pRg st="7" end="7"/>
+                                            </p:txEl>
+                                          </p:spTgt>
+                                        </p:tgtEl>
+                                        <p:attrNameLst>
+                                          <p:attrName>style.visibility</p:attrName>
+                                        </p:attrNameLst>
+                                      </p:cBhvr>
+                                      <p:to>
+                                        <p:strVal val="visible"/>
+                                      </p:to>
+                                    </p:set>
+                                  </p:childTnLst>
+                                </p:cTn>
+                              </p:par>
+                            </p:childTnLst>
+                          </p:cTn>
+                        </p:par>
+                      </p:childTnLst>
+                    </p:cTn>
+                  </p:par>
+                  <p:par>
+                    <p:cTn id="35" fill="hold">
+                      <p:stCondLst>
+                        <p:cond delay="indefinite"/>
+                      </p:stCondLst>
+                      <p:childTnLst>
+                        <p:par>
+                          <p:cTn id="36" fill="hold">
+                            <p:stCondLst>
+                              <p:cond delay="0"/>
+                            </p:stCondLst>
+                            <p:childTnLst>
+                              <p:par>
+                                <p:cTn id="37" presetID="1" presetClass="entr" presetSubtype="0" fill="hold" nodeType="clickEffect">
+                                  <p:stCondLst>
+                                    <p:cond delay="0"/>
+                                  </p:stCondLst>
+                                  <p:childTnLst>
+                                    <p:set>
+                                      <p:cBhvr>
+                                        <p:cTn id="38" dur="1" fill="hold">
+                                          <p:stCondLst>
+                                            <p:cond delay="0"/>
+                                          </p:stCondLst>
+                                        </p:cTn>
+                                        <p:tgtEl>
+                                          <p:spTgt spid="3">
+                                            <p:txEl>
+                                              <p:pRg st="8" end="8"/>
+                                            </p:txEl>
+                                          </p:spTgt>
+                                        </p:tgtEl>
+                                        <p:attrNameLst>
+                                          <p:attrName>style.visibility</p:attrName>
+                                        </p:attrNameLst>
+                                      </p:cBhvr>
+                                      <p:to>
+                                        <p:strVal val="visible"/>
+                                      </p:to>
+                                    </p:set>
+                                  </p:childTnLst>
+                                </p:cTn>
+                              </p:par>
+                            </p:childTnLst>
+                          </p:cTn>
+                        </p:par>
+                      </p:childTnLst>
+                    </p:cTn>
+                  </p:par>
+                </p:childTnLst>
+              </p:cTn>
+              <p:prevCondLst>
+                <p:cond evt="onPrev" delay="0">
+                  <p:tgtEl>
+                    <p:sldTgt/>
+                  </p:tgtEl>
+                </p:cond>
+              </p:prevCondLst>
+              <p:nextCondLst>
+                <p:cond evt="onNext" delay="0">
+                  <p:tgtEl>
+                    <p:sldTgt/>
+                  </p:tgtEl>
+                </p:cond>
+              </p:nextCondLst>
+            </p:seq>
+          </p:childTnLst>
+        </p:cTn>
+      </p:par>
+    </p:tnLst>
+  </p:timing>
 </p:sld>
 </file>
 
-<file path=ppt/slides/slide2.xml><?xml version="1.0" encoding="utf-8"?>
+<file path=ppt/slides/slide21.xml><?xml version="1.0" encoding="utf-8"?>
+<p:sld xmlns:a="http://schemas.openxmlformats.org/drawingml/2006/main" xmlns:r="http://schemas.openxmlformats.org/officeDocument/2006/relationships" xmlns:p="http://schemas.openxmlformats.org/presentationml/2006/main">
+  <p:cSld>
+    <p:spTree>
+      <p:nvGrpSpPr>
+        <p:cNvPr id="1" name=""/>
+        <p:cNvGrpSpPr/>
+        <p:nvPr/>
+      </p:nvGrpSpPr>
+      <p:grpSpPr>
+        <a:xfrm>
+          <a:off x="0" y="0"/>
+          <a:ext cx="0" cy="0"/>
+          <a:chOff x="0" y="0"/>
+          <a:chExt cx="0" cy="0"/>
+        </a:xfrm>
+      </p:grpSpPr>
+      <p:sp>
+        <p:nvSpPr>
+          <p:cNvPr id="2" name="Title 1">
+            <a:extLst>
+              <a:ext uri="{FF2B5EF4-FFF2-40B4-BE49-F238E27FC236}">
+                <a16:creationId xmlns:a16="http://schemas.microsoft.com/office/drawing/2014/main" id="{C7EEE9A2-0CB2-4A77-88B1-5D86EE382F82}"/>
+              </a:ext>
+            </a:extLst>
+          </p:cNvPr>
+          <p:cNvSpPr>
+            <a:spLocks noGrp="1"/>
+          </p:cNvSpPr>
+          <p:nvPr>
+            <p:ph type="title"/>
+          </p:nvPr>
+        </p:nvSpPr>
+        <p:spPr/>
+        <p:txBody>
+          <a:bodyPr/>
+          <a:lstStyle/>
+          <a:p>
+            <a:r>
+              <a:rPr lang="en-US" dirty="0"/>
+              <a:t>What’s next</a:t>
+            </a:r>
+            <a:endParaRPr lang="en-DE" dirty="0"/>
+          </a:p>
+        </p:txBody>
+      </p:sp>
+      <p:sp>
+        <p:nvSpPr>
+          <p:cNvPr id="3" name="Content Placeholder 2">
+            <a:extLst>
+              <a:ext uri="{FF2B5EF4-FFF2-40B4-BE49-F238E27FC236}">
+                <a16:creationId xmlns:a16="http://schemas.microsoft.com/office/drawing/2014/main" id="{9DBB2DDF-9013-4E51-9D07-468B0F1BFBED}"/>
+              </a:ext>
+            </a:extLst>
+          </p:cNvPr>
+          <p:cNvSpPr>
+            <a:spLocks noGrp="1"/>
+          </p:cNvSpPr>
+          <p:nvPr>
+            <p:ph idx="1"/>
+          </p:nvPr>
+        </p:nvSpPr>
+        <p:spPr>
+          <a:xfrm>
+            <a:off x="838200" y="1825625"/>
+            <a:ext cx="10735340" cy="4351338"/>
+          </a:xfrm>
+        </p:spPr>
+        <p:txBody>
+          <a:bodyPr/>
+          <a:lstStyle/>
+          <a:p>
+            <a:r>
+              <a:rPr lang="en-US" dirty="0"/>
+              <a:t>On Wednesday, we’ll finish the intro to python.</a:t>
+            </a:r>
+          </a:p>
+          <a:p>
+            <a:r>
+              <a:rPr lang="en-US" dirty="0"/>
+              <a:t>Next week we’ll leave philosophy behind!</a:t>
+            </a:r>
+          </a:p>
+          <a:p>
+            <a:r>
+              <a:rPr lang="en-US" dirty="0"/>
+              <a:t>And get onto the technical stuff.</a:t>
+            </a:r>
+          </a:p>
+          <a:p>
+            <a:r>
+              <a:rPr lang="en-US" dirty="0"/>
+              <a:t>We’ll see the concept of formal grammar, formal language, set, function, etc.</a:t>
+            </a:r>
+          </a:p>
+          <a:p>
+            <a:r>
+              <a:rPr lang="en-US" dirty="0"/>
+              <a:t>And also introduce the beautiful system of </a:t>
+            </a:r>
+            <a:r>
+              <a:rPr lang="en-US" i="1" dirty="0"/>
+              <a:t>lambda calculus</a:t>
+            </a:r>
+            <a:r>
+              <a:rPr lang="en-US" dirty="0"/>
+              <a:t>.</a:t>
+            </a:r>
+          </a:p>
+        </p:txBody>
+      </p:sp>
+    </p:spTree>
+    <p:extLst>
+      <p:ext uri="{BB962C8B-B14F-4D97-AF65-F5344CB8AC3E}">
+        <p14:creationId xmlns:p14="http://schemas.microsoft.com/office/powerpoint/2010/main" val="1798426686"/>
+      </p:ext>
+    </p:extLst>
+  </p:cSld>
+  <p:clrMapOvr>
+    <a:masterClrMapping/>
+  </p:clrMapOvr>
+  <p:timing>
+    <p:tnLst>
+      <p:par>
+        <p:cTn id="1" dur="indefinite" restart="never" nodeType="tmRoot">
+          <p:childTnLst>
+            <p:seq concurrent="1" nextAc="seek">
+              <p:cTn id="2" dur="indefinite" nodeType="mainSeq">
+                <p:childTnLst>
+                  <p:par>
+                    <p:cTn id="3" fill="hold">
+                      <p:stCondLst>
+                        <p:cond delay="indefinite"/>
+                      </p:stCondLst>
+                      <p:childTnLst>
+                        <p:par>
+                          <p:cTn id="4" fill="hold">
+                            <p:stCondLst>
+                              <p:cond delay="0"/>
+                            </p:stCondLst>
+                            <p:childTnLst>
+                              <p:par>
+                                <p:cTn id="5" presetID="1" presetClass="entr" presetSubtype="0" fill="hold" nodeType="clickEffect">
+                                  <p:stCondLst>
+                                    <p:cond delay="0"/>
+                                  </p:stCondLst>
+                                  <p:childTnLst>
+                                    <p:set>
+                                      <p:cBhvr>
+                                        <p:cTn id="6" dur="1" fill="hold">
+                                          <p:stCondLst>
+                                            <p:cond delay="0"/>
+                                          </p:stCondLst>
+                                        </p:cTn>
+                                        <p:tgtEl>
+                                          <p:spTgt spid="3">
+                                            <p:txEl>
+                                              <p:pRg st="0" end="0"/>
+                                            </p:txEl>
+                                          </p:spTgt>
+                                        </p:tgtEl>
+                                        <p:attrNameLst>
+                                          <p:attrName>style.visibility</p:attrName>
+                                        </p:attrNameLst>
+                                      </p:cBhvr>
+                                      <p:to>
+                                        <p:strVal val="visible"/>
+                                      </p:to>
+                                    </p:set>
+                                  </p:childTnLst>
+                                </p:cTn>
+                              </p:par>
+                            </p:childTnLst>
+                          </p:cTn>
+                        </p:par>
+                      </p:childTnLst>
+                    </p:cTn>
+                  </p:par>
+                  <p:par>
+                    <p:cTn id="7" fill="hold">
+                      <p:stCondLst>
+                        <p:cond delay="indefinite"/>
+                      </p:stCondLst>
+                      <p:childTnLst>
+                        <p:par>
+                          <p:cTn id="8" fill="hold">
+                            <p:stCondLst>
+                              <p:cond delay="0"/>
+                            </p:stCondLst>
+                            <p:childTnLst>
+                              <p:par>
+                                <p:cTn id="9" presetID="1" presetClass="entr" presetSubtype="0" fill="hold" nodeType="clickEffect">
+                                  <p:stCondLst>
+                                    <p:cond delay="0"/>
+                                  </p:stCondLst>
+                                  <p:childTnLst>
+                                    <p:set>
+                                      <p:cBhvr>
+                                        <p:cTn id="10" dur="1" fill="hold">
+                                          <p:stCondLst>
+                                            <p:cond delay="0"/>
+                                          </p:stCondLst>
+                                        </p:cTn>
+                                        <p:tgtEl>
+                                          <p:spTgt spid="3">
+                                            <p:txEl>
+                                              <p:pRg st="1" end="1"/>
+                                            </p:txEl>
+                                          </p:spTgt>
+                                        </p:tgtEl>
+                                        <p:attrNameLst>
+                                          <p:attrName>style.visibility</p:attrName>
+                                        </p:attrNameLst>
+                                      </p:cBhvr>
+                                      <p:to>
+                                        <p:strVal val="visible"/>
+                                      </p:to>
+                                    </p:set>
+                                  </p:childTnLst>
+                                </p:cTn>
+                              </p:par>
+                            </p:childTnLst>
+                          </p:cTn>
+                        </p:par>
+                      </p:childTnLst>
+                    </p:cTn>
+                  </p:par>
+                  <p:par>
+                    <p:cTn id="11" fill="hold">
+                      <p:stCondLst>
+                        <p:cond delay="indefinite"/>
+                      </p:stCondLst>
+                      <p:childTnLst>
+                        <p:par>
+                          <p:cTn id="12" fill="hold">
+                            <p:stCondLst>
+                              <p:cond delay="0"/>
+                            </p:stCondLst>
+                            <p:childTnLst>
+                              <p:par>
+                                <p:cTn id="13" presetID="1" presetClass="entr" presetSubtype="0" fill="hold" nodeType="clickEffect">
+                                  <p:stCondLst>
+                                    <p:cond delay="0"/>
+                                  </p:stCondLst>
+                                  <p:childTnLst>
+                                    <p:set>
+                                      <p:cBhvr>
+                                        <p:cTn id="14" dur="1" fill="hold">
+                                          <p:stCondLst>
+                                            <p:cond delay="0"/>
+                                          </p:stCondLst>
+                                        </p:cTn>
+                                        <p:tgtEl>
+                                          <p:spTgt spid="3">
+                                            <p:txEl>
+                                              <p:pRg st="2" end="2"/>
+                                            </p:txEl>
+                                          </p:spTgt>
+                                        </p:tgtEl>
+                                        <p:attrNameLst>
+                                          <p:attrName>style.visibility</p:attrName>
+                                        </p:attrNameLst>
+                                      </p:cBhvr>
+                                      <p:to>
+                                        <p:strVal val="visible"/>
+                                      </p:to>
+                                    </p:set>
+                                  </p:childTnLst>
+                                </p:cTn>
+                              </p:par>
+                            </p:childTnLst>
+                          </p:cTn>
+                        </p:par>
+                      </p:childTnLst>
+                    </p:cTn>
+                  </p:par>
+                  <p:par>
+                    <p:cTn id="15" fill="hold">
+                      <p:stCondLst>
+                        <p:cond delay="indefinite"/>
+                      </p:stCondLst>
+                      <p:childTnLst>
+                        <p:par>
+                          <p:cTn id="16" fill="hold">
+                            <p:stCondLst>
+                              <p:cond delay="0"/>
+                            </p:stCondLst>
+                            <p:childTnLst>
+                              <p:par>
+                                <p:cTn id="17" presetID="1" presetClass="entr" presetSubtype="0" fill="hold" nodeType="clickEffect">
+                                  <p:stCondLst>
+                                    <p:cond delay="0"/>
+                                  </p:stCondLst>
+                                  <p:childTnLst>
+                                    <p:set>
+                                      <p:cBhvr>
+                                        <p:cTn id="18" dur="1" fill="hold">
+                                          <p:stCondLst>
+                                            <p:cond delay="0"/>
+                                          </p:stCondLst>
+                                        </p:cTn>
+                                        <p:tgtEl>
+                                          <p:spTgt spid="3">
+                                            <p:txEl>
+                                              <p:pRg st="3" end="3"/>
+                                            </p:txEl>
+                                          </p:spTgt>
+                                        </p:tgtEl>
+                                        <p:attrNameLst>
+                                          <p:attrName>style.visibility</p:attrName>
+                                        </p:attrNameLst>
+                                      </p:cBhvr>
+                                      <p:to>
+                                        <p:strVal val="visible"/>
+                                      </p:to>
+                                    </p:set>
+                                  </p:childTnLst>
+                                </p:cTn>
+                              </p:par>
+                            </p:childTnLst>
+                          </p:cTn>
+                        </p:par>
+                      </p:childTnLst>
+                    </p:cTn>
+                  </p:par>
+                  <p:par>
+                    <p:cTn id="19" fill="hold">
+                      <p:stCondLst>
+                        <p:cond delay="indefinite"/>
+                      </p:stCondLst>
+                      <p:childTnLst>
+                        <p:par>
+                          <p:cTn id="20" fill="hold">
+                            <p:stCondLst>
+                              <p:cond delay="0"/>
+                            </p:stCondLst>
+                            <p:childTnLst>
+                              <p:par>
+                                <p:cTn id="21" presetID="1" presetClass="entr" presetSubtype="0" fill="hold" nodeType="clickEffect">
+                                  <p:stCondLst>
+                                    <p:cond delay="0"/>
+                                  </p:stCondLst>
+                                  <p:childTnLst>
+                                    <p:set>
+                                      <p:cBhvr>
+                                        <p:cTn id="22" dur="1" fill="hold">
+                                          <p:stCondLst>
+                                            <p:cond delay="0"/>
+                                          </p:stCondLst>
+                                        </p:cTn>
+                                        <p:tgtEl>
+                                          <p:spTgt spid="3">
+                                            <p:txEl>
+                                              <p:pRg st="4" end="4"/>
+                                            </p:txEl>
+                                          </p:spTgt>
+                                        </p:tgtEl>
+                                        <p:attrNameLst>
+                                          <p:attrName>style.visibility</p:attrName>
+                                        </p:attrNameLst>
+                                      </p:cBhvr>
+                                      <p:to>
+                                        <p:strVal val="visible"/>
+                                      </p:to>
+                                    </p:set>
+                                  </p:childTnLst>
+                                </p:cTn>
+                              </p:par>
+                            </p:childTnLst>
+                          </p:cTn>
+                        </p:par>
+                      </p:childTnLst>
+                    </p:cTn>
+                  </p:par>
+                </p:childTnLst>
+              </p:cTn>
+              <p:prevCondLst>
+                <p:cond evt="onPrev" delay="0">
+                  <p:tgtEl>
+                    <p:sldTgt/>
+                  </p:tgtEl>
+                </p:cond>
+              </p:prevCondLst>
+              <p:nextCondLst>
+                <p:cond evt="onNext" delay="0">
+                  <p:tgtEl>
+                    <p:sldTgt/>
+                  </p:tgtEl>
+                </p:cond>
+              </p:nextCondLst>
+            </p:seq>
+          </p:childTnLst>
+        </p:cTn>
+      </p:par>
+    </p:tnLst>
+  </p:timing>
+</p:sld>
+</file>
+
+<file path=ppt/slides/slide3.xml><?xml version="1.0" encoding="utf-8"?>
 <p:sld xmlns:a="http://schemas.openxmlformats.org/drawingml/2006/main" xmlns:r="http://schemas.openxmlformats.org/officeDocument/2006/relationships" xmlns:p="http://schemas.openxmlformats.org/presentationml/2006/main">
   <p:cSld>
     <p:spTree>
@@ -6053,134 +10856,530 @@
   <p:clrMapOvr>
     <a:masterClrMapping/>
   </p:clrMapOvr>
+  <p:timing>
+    <p:tnLst>
+      <p:par>
+        <p:cTn id="1" dur="indefinite" restart="never" nodeType="tmRoot">
+          <p:childTnLst>
+            <p:seq concurrent="1" nextAc="seek">
+              <p:cTn id="2" dur="indefinite" nodeType="mainSeq">
+                <p:childTnLst>
+                  <p:par>
+                    <p:cTn id="3" fill="hold">
+                      <p:stCondLst>
+                        <p:cond delay="indefinite"/>
+                      </p:stCondLst>
+                      <p:childTnLst>
+                        <p:par>
+                          <p:cTn id="4" fill="hold">
+                            <p:stCondLst>
+                              <p:cond delay="0"/>
+                            </p:stCondLst>
+                            <p:childTnLst>
+                              <p:par>
+                                <p:cTn id="5" presetID="1" presetClass="entr" presetSubtype="0" fill="hold" nodeType="clickEffect">
+                                  <p:stCondLst>
+                                    <p:cond delay="0"/>
+                                  </p:stCondLst>
+                                  <p:childTnLst>
+                                    <p:set>
+                                      <p:cBhvr>
+                                        <p:cTn id="6" dur="1" fill="hold">
+                                          <p:stCondLst>
+                                            <p:cond delay="0"/>
+                                          </p:stCondLst>
+                                        </p:cTn>
+                                        <p:tgtEl>
+                                          <p:spTgt spid="3">
+                                            <p:txEl>
+                                              <p:pRg st="0" end="0"/>
+                                            </p:txEl>
+                                          </p:spTgt>
+                                        </p:tgtEl>
+                                        <p:attrNameLst>
+                                          <p:attrName>style.visibility</p:attrName>
+                                        </p:attrNameLst>
+                                      </p:cBhvr>
+                                      <p:to>
+                                        <p:strVal val="visible"/>
+                                      </p:to>
+                                    </p:set>
+                                  </p:childTnLst>
+                                </p:cTn>
+                              </p:par>
+                            </p:childTnLst>
+                          </p:cTn>
+                        </p:par>
+                      </p:childTnLst>
+                    </p:cTn>
+                  </p:par>
+                  <p:par>
+                    <p:cTn id="7" fill="hold">
+                      <p:stCondLst>
+                        <p:cond delay="indefinite"/>
+                      </p:stCondLst>
+                      <p:childTnLst>
+                        <p:par>
+                          <p:cTn id="8" fill="hold">
+                            <p:stCondLst>
+                              <p:cond delay="0"/>
+                            </p:stCondLst>
+                            <p:childTnLst>
+                              <p:par>
+                                <p:cTn id="9" presetID="1" presetClass="entr" presetSubtype="0" fill="hold" nodeType="clickEffect">
+                                  <p:stCondLst>
+                                    <p:cond delay="0"/>
+                                  </p:stCondLst>
+                                  <p:childTnLst>
+                                    <p:set>
+                                      <p:cBhvr>
+                                        <p:cTn id="10" dur="1" fill="hold">
+                                          <p:stCondLst>
+                                            <p:cond delay="0"/>
+                                          </p:stCondLst>
+                                        </p:cTn>
+                                        <p:tgtEl>
+                                          <p:spTgt spid="3">
+                                            <p:txEl>
+                                              <p:pRg st="1" end="1"/>
+                                            </p:txEl>
+                                          </p:spTgt>
+                                        </p:tgtEl>
+                                        <p:attrNameLst>
+                                          <p:attrName>style.visibility</p:attrName>
+                                        </p:attrNameLst>
+                                      </p:cBhvr>
+                                      <p:to>
+                                        <p:strVal val="visible"/>
+                                      </p:to>
+                                    </p:set>
+                                  </p:childTnLst>
+                                </p:cTn>
+                              </p:par>
+                            </p:childTnLst>
+                          </p:cTn>
+                        </p:par>
+                      </p:childTnLst>
+                    </p:cTn>
+                  </p:par>
+                  <p:par>
+                    <p:cTn id="11" fill="hold">
+                      <p:stCondLst>
+                        <p:cond delay="indefinite"/>
+                      </p:stCondLst>
+                      <p:childTnLst>
+                        <p:par>
+                          <p:cTn id="12" fill="hold">
+                            <p:stCondLst>
+                              <p:cond delay="0"/>
+                            </p:stCondLst>
+                            <p:childTnLst>
+                              <p:par>
+                                <p:cTn id="13" presetID="1" presetClass="entr" presetSubtype="0" fill="hold" nodeType="clickEffect">
+                                  <p:stCondLst>
+                                    <p:cond delay="0"/>
+                                  </p:stCondLst>
+                                  <p:childTnLst>
+                                    <p:set>
+                                      <p:cBhvr>
+                                        <p:cTn id="14" dur="1" fill="hold">
+                                          <p:stCondLst>
+                                            <p:cond delay="0"/>
+                                          </p:stCondLst>
+                                        </p:cTn>
+                                        <p:tgtEl>
+                                          <p:spTgt spid="3">
+                                            <p:txEl>
+                                              <p:pRg st="2" end="2"/>
+                                            </p:txEl>
+                                          </p:spTgt>
+                                        </p:tgtEl>
+                                        <p:attrNameLst>
+                                          <p:attrName>style.visibility</p:attrName>
+                                        </p:attrNameLst>
+                                      </p:cBhvr>
+                                      <p:to>
+                                        <p:strVal val="visible"/>
+                                      </p:to>
+                                    </p:set>
+                                  </p:childTnLst>
+                                </p:cTn>
+                              </p:par>
+                            </p:childTnLst>
+                          </p:cTn>
+                        </p:par>
+                      </p:childTnLst>
+                    </p:cTn>
+                  </p:par>
+                  <p:par>
+                    <p:cTn id="15" fill="hold">
+                      <p:stCondLst>
+                        <p:cond delay="indefinite"/>
+                      </p:stCondLst>
+                      <p:childTnLst>
+                        <p:par>
+                          <p:cTn id="16" fill="hold">
+                            <p:stCondLst>
+                              <p:cond delay="0"/>
+                            </p:stCondLst>
+                            <p:childTnLst>
+                              <p:par>
+                                <p:cTn id="17" presetID="1" presetClass="entr" presetSubtype="0" fill="hold" nodeType="clickEffect">
+                                  <p:stCondLst>
+                                    <p:cond delay="0"/>
+                                  </p:stCondLst>
+                                  <p:childTnLst>
+                                    <p:set>
+                                      <p:cBhvr>
+                                        <p:cTn id="18" dur="1" fill="hold">
+                                          <p:stCondLst>
+                                            <p:cond delay="0"/>
+                                          </p:stCondLst>
+                                        </p:cTn>
+                                        <p:tgtEl>
+                                          <p:spTgt spid="3">
+                                            <p:txEl>
+                                              <p:pRg st="3" end="3"/>
+                                            </p:txEl>
+                                          </p:spTgt>
+                                        </p:tgtEl>
+                                        <p:attrNameLst>
+                                          <p:attrName>style.visibility</p:attrName>
+                                        </p:attrNameLst>
+                                      </p:cBhvr>
+                                      <p:to>
+                                        <p:strVal val="visible"/>
+                                      </p:to>
+                                    </p:set>
+                                  </p:childTnLst>
+                                </p:cTn>
+                              </p:par>
+                            </p:childTnLst>
+                          </p:cTn>
+                        </p:par>
+                      </p:childTnLst>
+                    </p:cTn>
+                  </p:par>
+                  <p:par>
+                    <p:cTn id="19" fill="hold">
+                      <p:stCondLst>
+                        <p:cond delay="indefinite"/>
+                      </p:stCondLst>
+                      <p:childTnLst>
+                        <p:par>
+                          <p:cTn id="20" fill="hold">
+                            <p:stCondLst>
+                              <p:cond delay="0"/>
+                            </p:stCondLst>
+                            <p:childTnLst>
+                              <p:par>
+                                <p:cTn id="21" presetID="1" presetClass="entr" presetSubtype="0" fill="hold" nodeType="clickEffect">
+                                  <p:stCondLst>
+                                    <p:cond delay="0"/>
+                                  </p:stCondLst>
+                                  <p:childTnLst>
+                                    <p:set>
+                                      <p:cBhvr>
+                                        <p:cTn id="22" dur="1" fill="hold">
+                                          <p:stCondLst>
+                                            <p:cond delay="0"/>
+                                          </p:stCondLst>
+                                        </p:cTn>
+                                        <p:tgtEl>
+                                          <p:spTgt spid="3">
+                                            <p:txEl>
+                                              <p:pRg st="4" end="4"/>
+                                            </p:txEl>
+                                          </p:spTgt>
+                                        </p:tgtEl>
+                                        <p:attrNameLst>
+                                          <p:attrName>style.visibility</p:attrName>
+                                        </p:attrNameLst>
+                                      </p:cBhvr>
+                                      <p:to>
+                                        <p:strVal val="visible"/>
+                                      </p:to>
+                                    </p:set>
+                                  </p:childTnLst>
+                                </p:cTn>
+                              </p:par>
+                            </p:childTnLst>
+                          </p:cTn>
+                        </p:par>
+                      </p:childTnLst>
+                    </p:cTn>
+                  </p:par>
+                  <p:par>
+                    <p:cTn id="23" fill="hold">
+                      <p:stCondLst>
+                        <p:cond delay="indefinite"/>
+                      </p:stCondLst>
+                      <p:childTnLst>
+                        <p:par>
+                          <p:cTn id="24" fill="hold">
+                            <p:stCondLst>
+                              <p:cond delay="0"/>
+                            </p:stCondLst>
+                            <p:childTnLst>
+                              <p:par>
+                                <p:cTn id="25" presetID="1" presetClass="entr" presetSubtype="0" fill="hold" nodeType="clickEffect">
+                                  <p:stCondLst>
+                                    <p:cond delay="0"/>
+                                  </p:stCondLst>
+                                  <p:childTnLst>
+                                    <p:set>
+                                      <p:cBhvr>
+                                        <p:cTn id="26" dur="1" fill="hold">
+                                          <p:stCondLst>
+                                            <p:cond delay="0"/>
+                                          </p:stCondLst>
+                                        </p:cTn>
+                                        <p:tgtEl>
+                                          <p:spTgt spid="3">
+                                            <p:txEl>
+                                              <p:pRg st="5" end="5"/>
+                                            </p:txEl>
+                                          </p:spTgt>
+                                        </p:tgtEl>
+                                        <p:attrNameLst>
+                                          <p:attrName>style.visibility</p:attrName>
+                                        </p:attrNameLst>
+                                      </p:cBhvr>
+                                      <p:to>
+                                        <p:strVal val="visible"/>
+                                      </p:to>
+                                    </p:set>
+                                  </p:childTnLst>
+                                </p:cTn>
+                              </p:par>
+                            </p:childTnLst>
+                          </p:cTn>
+                        </p:par>
+                      </p:childTnLst>
+                    </p:cTn>
+                  </p:par>
+                  <p:par>
+                    <p:cTn id="27" fill="hold">
+                      <p:stCondLst>
+                        <p:cond delay="indefinite"/>
+                      </p:stCondLst>
+                      <p:childTnLst>
+                        <p:par>
+                          <p:cTn id="28" fill="hold">
+                            <p:stCondLst>
+                              <p:cond delay="0"/>
+                            </p:stCondLst>
+                            <p:childTnLst>
+                              <p:par>
+                                <p:cTn id="29" presetID="1" presetClass="entr" presetSubtype="0" fill="hold" nodeType="clickEffect">
+                                  <p:stCondLst>
+                                    <p:cond delay="0"/>
+                                  </p:stCondLst>
+                                  <p:childTnLst>
+                                    <p:set>
+                                      <p:cBhvr>
+                                        <p:cTn id="30" dur="1" fill="hold">
+                                          <p:stCondLst>
+                                            <p:cond delay="0"/>
+                                          </p:stCondLst>
+                                        </p:cTn>
+                                        <p:tgtEl>
+                                          <p:spTgt spid="3">
+                                            <p:txEl>
+                                              <p:pRg st="6" end="6"/>
+                                            </p:txEl>
+                                          </p:spTgt>
+                                        </p:tgtEl>
+                                        <p:attrNameLst>
+                                          <p:attrName>style.visibility</p:attrName>
+                                        </p:attrNameLst>
+                                      </p:cBhvr>
+                                      <p:to>
+                                        <p:strVal val="visible"/>
+                                      </p:to>
+                                    </p:set>
+                                  </p:childTnLst>
+                                </p:cTn>
+                              </p:par>
+                            </p:childTnLst>
+                          </p:cTn>
+                        </p:par>
+                      </p:childTnLst>
+                    </p:cTn>
+                  </p:par>
+                  <p:par>
+                    <p:cTn id="31" fill="hold">
+                      <p:stCondLst>
+                        <p:cond delay="indefinite"/>
+                      </p:stCondLst>
+                      <p:childTnLst>
+                        <p:par>
+                          <p:cTn id="32" fill="hold">
+                            <p:stCondLst>
+                              <p:cond delay="0"/>
+                            </p:stCondLst>
+                            <p:childTnLst>
+                              <p:par>
+                                <p:cTn id="33" presetID="1" presetClass="entr" presetSubtype="0" fill="hold" nodeType="clickEffect">
+                                  <p:stCondLst>
+                                    <p:cond delay="0"/>
+                                  </p:stCondLst>
+                                  <p:childTnLst>
+                                    <p:set>
+                                      <p:cBhvr>
+                                        <p:cTn id="34" dur="1" fill="hold">
+                                          <p:stCondLst>
+                                            <p:cond delay="0"/>
+                                          </p:stCondLst>
+                                        </p:cTn>
+                                        <p:tgtEl>
+                                          <p:spTgt spid="3">
+                                            <p:txEl>
+                                              <p:pRg st="7" end="7"/>
+                                            </p:txEl>
+                                          </p:spTgt>
+                                        </p:tgtEl>
+                                        <p:attrNameLst>
+                                          <p:attrName>style.visibility</p:attrName>
+                                        </p:attrNameLst>
+                                      </p:cBhvr>
+                                      <p:to>
+                                        <p:strVal val="visible"/>
+                                      </p:to>
+                                    </p:set>
+                                  </p:childTnLst>
+                                </p:cTn>
+                              </p:par>
+                            </p:childTnLst>
+                          </p:cTn>
+                        </p:par>
+                      </p:childTnLst>
+                    </p:cTn>
+                  </p:par>
+                  <p:par>
+                    <p:cTn id="35" fill="hold">
+                      <p:stCondLst>
+                        <p:cond delay="indefinite"/>
+                      </p:stCondLst>
+                      <p:childTnLst>
+                        <p:par>
+                          <p:cTn id="36" fill="hold">
+                            <p:stCondLst>
+                              <p:cond delay="0"/>
+                            </p:stCondLst>
+                            <p:childTnLst>
+                              <p:par>
+                                <p:cTn id="37" presetID="1" presetClass="entr" presetSubtype="0" fill="hold" nodeType="clickEffect">
+                                  <p:stCondLst>
+                                    <p:cond delay="0"/>
+                                  </p:stCondLst>
+                                  <p:childTnLst>
+                                    <p:set>
+                                      <p:cBhvr>
+                                        <p:cTn id="38" dur="1" fill="hold">
+                                          <p:stCondLst>
+                                            <p:cond delay="0"/>
+                                          </p:stCondLst>
+                                        </p:cTn>
+                                        <p:tgtEl>
+                                          <p:spTgt spid="3">
+                                            <p:txEl>
+                                              <p:pRg st="8" end="8"/>
+                                            </p:txEl>
+                                          </p:spTgt>
+                                        </p:tgtEl>
+                                        <p:attrNameLst>
+                                          <p:attrName>style.visibility</p:attrName>
+                                        </p:attrNameLst>
+                                      </p:cBhvr>
+                                      <p:to>
+                                        <p:strVal val="visible"/>
+                                      </p:to>
+                                    </p:set>
+                                  </p:childTnLst>
+                                </p:cTn>
+                              </p:par>
+                            </p:childTnLst>
+                          </p:cTn>
+                        </p:par>
+                      </p:childTnLst>
+                    </p:cTn>
+                  </p:par>
+                  <p:par>
+                    <p:cTn id="39" fill="hold">
+                      <p:stCondLst>
+                        <p:cond delay="indefinite"/>
+                      </p:stCondLst>
+                      <p:childTnLst>
+                        <p:par>
+                          <p:cTn id="40" fill="hold">
+                            <p:stCondLst>
+                              <p:cond delay="0"/>
+                            </p:stCondLst>
+                            <p:childTnLst>
+                              <p:par>
+                                <p:cTn id="41" presetID="1" presetClass="entr" presetSubtype="0" fill="hold" nodeType="clickEffect">
+                                  <p:stCondLst>
+                                    <p:cond delay="0"/>
+                                  </p:stCondLst>
+                                  <p:childTnLst>
+                                    <p:set>
+                                      <p:cBhvr>
+                                        <p:cTn id="42" dur="1" fill="hold">
+                                          <p:stCondLst>
+                                            <p:cond delay="0"/>
+                                          </p:stCondLst>
+                                        </p:cTn>
+                                        <p:tgtEl>
+                                          <p:spTgt spid="3">
+                                            <p:txEl>
+                                              <p:pRg st="9" end="9"/>
+                                            </p:txEl>
+                                          </p:spTgt>
+                                        </p:tgtEl>
+                                        <p:attrNameLst>
+                                          <p:attrName>style.visibility</p:attrName>
+                                        </p:attrNameLst>
+                                      </p:cBhvr>
+                                      <p:to>
+                                        <p:strVal val="visible"/>
+                                      </p:to>
+                                    </p:set>
+                                  </p:childTnLst>
+                                </p:cTn>
+                              </p:par>
+                            </p:childTnLst>
+                          </p:cTn>
+                        </p:par>
+                      </p:childTnLst>
+                    </p:cTn>
+                  </p:par>
+                </p:childTnLst>
+              </p:cTn>
+              <p:prevCondLst>
+                <p:cond evt="onPrev" delay="0">
+                  <p:tgtEl>
+                    <p:sldTgt/>
+                  </p:tgtEl>
+                </p:cond>
+              </p:prevCondLst>
+              <p:nextCondLst>
+                <p:cond evt="onNext" delay="0">
+                  <p:tgtEl>
+                    <p:sldTgt/>
+                  </p:tgtEl>
+                </p:cond>
+              </p:nextCondLst>
+            </p:seq>
+          </p:childTnLst>
+        </p:cTn>
+      </p:par>
+    </p:tnLst>
+  </p:timing>
 </p:sld>
 </file>
 
-<file path=ppt/slides/slide20.xml><?xml version="1.0" encoding="utf-8"?>
-<p:sld xmlns:a="http://schemas.openxmlformats.org/drawingml/2006/main" xmlns:r="http://schemas.openxmlformats.org/officeDocument/2006/relationships" xmlns:p="http://schemas.openxmlformats.org/presentationml/2006/main">
-  <p:cSld>
-    <p:spTree>
-      <p:nvGrpSpPr>
-        <p:cNvPr id="1" name=""/>
-        <p:cNvGrpSpPr/>
-        <p:nvPr/>
-      </p:nvGrpSpPr>
-      <p:grpSpPr>
-        <a:xfrm>
-          <a:off x="0" y="0"/>
-          <a:ext cx="0" cy="0"/>
-          <a:chOff x="0" y="0"/>
-          <a:chExt cx="0" cy="0"/>
-        </a:xfrm>
-      </p:grpSpPr>
-      <p:sp>
-        <p:nvSpPr>
-          <p:cNvPr id="2" name="Title 1">
-            <a:extLst>
-              <a:ext uri="{FF2B5EF4-FFF2-40B4-BE49-F238E27FC236}">
-                <a16:creationId xmlns:a16="http://schemas.microsoft.com/office/drawing/2014/main" id="{C7EEE9A2-0CB2-4A77-88B1-5D86EE382F82}"/>
-              </a:ext>
-            </a:extLst>
-          </p:cNvPr>
-          <p:cNvSpPr>
-            <a:spLocks noGrp="1"/>
-          </p:cNvSpPr>
-          <p:nvPr>
-            <p:ph type="title"/>
-          </p:nvPr>
-        </p:nvSpPr>
-        <p:spPr/>
-        <p:txBody>
-          <a:bodyPr/>
-          <a:lstStyle/>
-          <a:p>
-            <a:r>
-              <a:rPr lang="en-US" dirty="0"/>
-              <a:t>What’s next</a:t>
-            </a:r>
-            <a:endParaRPr lang="en-DE" dirty="0"/>
-          </a:p>
-        </p:txBody>
-      </p:sp>
-      <p:sp>
-        <p:nvSpPr>
-          <p:cNvPr id="3" name="Content Placeholder 2">
-            <a:extLst>
-              <a:ext uri="{FF2B5EF4-FFF2-40B4-BE49-F238E27FC236}">
-                <a16:creationId xmlns:a16="http://schemas.microsoft.com/office/drawing/2014/main" id="{9DBB2DDF-9013-4E51-9D07-468B0F1BFBED}"/>
-              </a:ext>
-            </a:extLst>
-          </p:cNvPr>
-          <p:cNvSpPr>
-            <a:spLocks noGrp="1"/>
-          </p:cNvSpPr>
-          <p:nvPr>
-            <p:ph idx="1"/>
-          </p:nvPr>
-        </p:nvSpPr>
-        <p:spPr>
-          <a:xfrm>
-            <a:off x="838200" y="1825625"/>
-            <a:ext cx="10735340" cy="4351338"/>
-          </a:xfrm>
-        </p:spPr>
-        <p:txBody>
-          <a:bodyPr/>
-          <a:lstStyle/>
-          <a:p>
-            <a:r>
-              <a:rPr lang="en-US" dirty="0"/>
-              <a:t>On Wednesday, we’ll finish the intro to python.</a:t>
-            </a:r>
-          </a:p>
-          <a:p>
-            <a:r>
-              <a:rPr lang="en-US" dirty="0"/>
-              <a:t>Next week we’ll leave philosophy behind!</a:t>
-            </a:r>
-          </a:p>
-          <a:p>
-            <a:r>
-              <a:rPr lang="en-US" dirty="0"/>
-              <a:t>And get onto the technical stuff.</a:t>
-            </a:r>
-          </a:p>
-          <a:p>
-            <a:r>
-              <a:rPr lang="en-US" dirty="0"/>
-              <a:t>We’ll see the concept of formal grammar, formal language, set, function, etc.</a:t>
-            </a:r>
-          </a:p>
-          <a:p>
-            <a:r>
-              <a:rPr lang="en-US" dirty="0"/>
-              <a:t>And also introduce the beautiful system of </a:t>
-            </a:r>
-            <a:r>
-              <a:rPr lang="en-US" i="1" dirty="0"/>
-              <a:t>lambda calculus</a:t>
-            </a:r>
-            <a:r>
-              <a:rPr lang="en-US" dirty="0"/>
-              <a:t>.</a:t>
-            </a:r>
-          </a:p>
-        </p:txBody>
-      </p:sp>
-    </p:spTree>
-    <p:extLst>
-      <p:ext uri="{BB962C8B-B14F-4D97-AF65-F5344CB8AC3E}">
-        <p14:creationId xmlns:p14="http://schemas.microsoft.com/office/powerpoint/2010/main" val="1798426686"/>
-      </p:ext>
-    </p:extLst>
-  </p:cSld>
-  <p:clrMapOvr>
-    <a:masterClrMapping/>
-  </p:clrMapOvr>
-</p:sld>
-</file>
-
-<file path=ppt/slides/slide3.xml><?xml version="1.0" encoding="utf-8"?>
+<file path=ppt/slides/slide4.xml><?xml version="1.0" encoding="utf-8"?>
 <p:sld xmlns:a="http://schemas.openxmlformats.org/drawingml/2006/main" xmlns:r="http://schemas.openxmlformats.org/officeDocument/2006/relationships" xmlns:p="http://schemas.openxmlformats.org/presentationml/2006/main">
   <p:cSld>
     <p:spTree>
@@ -6400,10 +11599,330 @@
   <p:clrMapOvr>
     <a:masterClrMapping/>
   </p:clrMapOvr>
+  <p:timing>
+    <p:tnLst>
+      <p:par>
+        <p:cTn id="1" dur="indefinite" restart="never" nodeType="tmRoot">
+          <p:childTnLst>
+            <p:seq concurrent="1" nextAc="seek">
+              <p:cTn id="2" dur="indefinite" nodeType="mainSeq">
+                <p:childTnLst>
+                  <p:par>
+                    <p:cTn id="3" fill="hold">
+                      <p:stCondLst>
+                        <p:cond delay="indefinite"/>
+                      </p:stCondLst>
+                      <p:childTnLst>
+                        <p:par>
+                          <p:cTn id="4" fill="hold">
+                            <p:stCondLst>
+                              <p:cond delay="0"/>
+                            </p:stCondLst>
+                            <p:childTnLst>
+                              <p:par>
+                                <p:cTn id="5" presetID="1" presetClass="entr" presetSubtype="0" fill="hold" nodeType="clickEffect">
+                                  <p:stCondLst>
+                                    <p:cond delay="0"/>
+                                  </p:stCondLst>
+                                  <p:childTnLst>
+                                    <p:set>
+                                      <p:cBhvr>
+                                        <p:cTn id="6" dur="1" fill="hold">
+                                          <p:stCondLst>
+                                            <p:cond delay="0"/>
+                                          </p:stCondLst>
+                                        </p:cTn>
+                                        <p:tgtEl>
+                                          <p:spTgt spid="3">
+                                            <p:txEl>
+                                              <p:pRg st="0" end="0"/>
+                                            </p:txEl>
+                                          </p:spTgt>
+                                        </p:tgtEl>
+                                        <p:attrNameLst>
+                                          <p:attrName>style.visibility</p:attrName>
+                                        </p:attrNameLst>
+                                      </p:cBhvr>
+                                      <p:to>
+                                        <p:strVal val="visible"/>
+                                      </p:to>
+                                    </p:set>
+                                  </p:childTnLst>
+                                </p:cTn>
+                              </p:par>
+                            </p:childTnLst>
+                          </p:cTn>
+                        </p:par>
+                      </p:childTnLst>
+                    </p:cTn>
+                  </p:par>
+                  <p:par>
+                    <p:cTn id="7" fill="hold">
+                      <p:stCondLst>
+                        <p:cond delay="indefinite"/>
+                      </p:stCondLst>
+                      <p:childTnLst>
+                        <p:par>
+                          <p:cTn id="8" fill="hold">
+                            <p:stCondLst>
+                              <p:cond delay="0"/>
+                            </p:stCondLst>
+                            <p:childTnLst>
+                              <p:par>
+                                <p:cTn id="9" presetID="1" presetClass="entr" presetSubtype="0" fill="hold" nodeType="clickEffect">
+                                  <p:stCondLst>
+                                    <p:cond delay="0"/>
+                                  </p:stCondLst>
+                                  <p:childTnLst>
+                                    <p:set>
+                                      <p:cBhvr>
+                                        <p:cTn id="10" dur="1" fill="hold">
+                                          <p:stCondLst>
+                                            <p:cond delay="0"/>
+                                          </p:stCondLst>
+                                        </p:cTn>
+                                        <p:tgtEl>
+                                          <p:spTgt spid="3">
+                                            <p:txEl>
+                                              <p:pRg st="1" end="1"/>
+                                            </p:txEl>
+                                          </p:spTgt>
+                                        </p:tgtEl>
+                                        <p:attrNameLst>
+                                          <p:attrName>style.visibility</p:attrName>
+                                        </p:attrNameLst>
+                                      </p:cBhvr>
+                                      <p:to>
+                                        <p:strVal val="visible"/>
+                                      </p:to>
+                                    </p:set>
+                                  </p:childTnLst>
+                                </p:cTn>
+                              </p:par>
+                            </p:childTnLst>
+                          </p:cTn>
+                        </p:par>
+                      </p:childTnLst>
+                    </p:cTn>
+                  </p:par>
+                  <p:par>
+                    <p:cTn id="11" fill="hold">
+                      <p:stCondLst>
+                        <p:cond delay="indefinite"/>
+                      </p:stCondLst>
+                      <p:childTnLst>
+                        <p:par>
+                          <p:cTn id="12" fill="hold">
+                            <p:stCondLst>
+                              <p:cond delay="0"/>
+                            </p:stCondLst>
+                            <p:childTnLst>
+                              <p:par>
+                                <p:cTn id="13" presetID="1" presetClass="entr" presetSubtype="0" fill="hold" nodeType="clickEffect">
+                                  <p:stCondLst>
+                                    <p:cond delay="0"/>
+                                  </p:stCondLst>
+                                  <p:childTnLst>
+                                    <p:set>
+                                      <p:cBhvr>
+                                        <p:cTn id="14" dur="1" fill="hold">
+                                          <p:stCondLst>
+                                            <p:cond delay="0"/>
+                                          </p:stCondLst>
+                                        </p:cTn>
+                                        <p:tgtEl>
+                                          <p:spTgt spid="3">
+                                            <p:txEl>
+                                              <p:pRg st="2" end="2"/>
+                                            </p:txEl>
+                                          </p:spTgt>
+                                        </p:tgtEl>
+                                        <p:attrNameLst>
+                                          <p:attrName>style.visibility</p:attrName>
+                                        </p:attrNameLst>
+                                      </p:cBhvr>
+                                      <p:to>
+                                        <p:strVal val="visible"/>
+                                      </p:to>
+                                    </p:set>
+                                  </p:childTnLst>
+                                </p:cTn>
+                              </p:par>
+                            </p:childTnLst>
+                          </p:cTn>
+                        </p:par>
+                      </p:childTnLst>
+                    </p:cTn>
+                  </p:par>
+                  <p:par>
+                    <p:cTn id="15" fill="hold">
+                      <p:stCondLst>
+                        <p:cond delay="indefinite"/>
+                      </p:stCondLst>
+                      <p:childTnLst>
+                        <p:par>
+                          <p:cTn id="16" fill="hold">
+                            <p:stCondLst>
+                              <p:cond delay="0"/>
+                            </p:stCondLst>
+                            <p:childTnLst>
+                              <p:par>
+                                <p:cTn id="17" presetID="1" presetClass="entr" presetSubtype="0" fill="hold" nodeType="clickEffect">
+                                  <p:stCondLst>
+                                    <p:cond delay="0"/>
+                                  </p:stCondLst>
+                                  <p:childTnLst>
+                                    <p:set>
+                                      <p:cBhvr>
+                                        <p:cTn id="18" dur="1" fill="hold">
+                                          <p:stCondLst>
+                                            <p:cond delay="0"/>
+                                          </p:stCondLst>
+                                        </p:cTn>
+                                        <p:tgtEl>
+                                          <p:spTgt spid="8"/>
+                                        </p:tgtEl>
+                                        <p:attrNameLst>
+                                          <p:attrName>style.visibility</p:attrName>
+                                        </p:attrNameLst>
+                                      </p:cBhvr>
+                                      <p:to>
+                                        <p:strVal val="visible"/>
+                                      </p:to>
+                                    </p:set>
+                                  </p:childTnLst>
+                                </p:cTn>
+                              </p:par>
+                            </p:childTnLst>
+                          </p:cTn>
+                        </p:par>
+                      </p:childTnLst>
+                    </p:cTn>
+                  </p:par>
+                  <p:par>
+                    <p:cTn id="19" fill="hold">
+                      <p:stCondLst>
+                        <p:cond delay="indefinite"/>
+                      </p:stCondLst>
+                      <p:childTnLst>
+                        <p:par>
+                          <p:cTn id="20" fill="hold">
+                            <p:stCondLst>
+                              <p:cond delay="0"/>
+                            </p:stCondLst>
+                            <p:childTnLst>
+                              <p:par>
+                                <p:cTn id="21" presetID="1" presetClass="entr" presetSubtype="0" fill="hold" nodeType="clickEffect">
+                                  <p:stCondLst>
+                                    <p:cond delay="0"/>
+                                  </p:stCondLst>
+                                  <p:childTnLst>
+                                    <p:set>
+                                      <p:cBhvr>
+                                        <p:cTn id="22" dur="1" fill="hold">
+                                          <p:stCondLst>
+                                            <p:cond delay="0"/>
+                                          </p:stCondLst>
+                                        </p:cTn>
+                                        <p:tgtEl>
+                                          <p:spTgt spid="3">
+                                            <p:txEl>
+                                              <p:pRg st="7" end="7"/>
+                                            </p:txEl>
+                                          </p:spTgt>
+                                        </p:tgtEl>
+                                        <p:attrNameLst>
+                                          <p:attrName>style.visibility</p:attrName>
+                                        </p:attrNameLst>
+                                      </p:cBhvr>
+                                      <p:to>
+                                        <p:strVal val="visible"/>
+                                      </p:to>
+                                    </p:set>
+                                  </p:childTnLst>
+                                </p:cTn>
+                              </p:par>
+                            </p:childTnLst>
+                          </p:cTn>
+                        </p:par>
+                      </p:childTnLst>
+                    </p:cTn>
+                  </p:par>
+                  <p:par>
+                    <p:cTn id="23" fill="hold">
+                      <p:stCondLst>
+                        <p:cond delay="indefinite"/>
+                      </p:stCondLst>
+                      <p:childTnLst>
+                        <p:par>
+                          <p:cTn id="24" fill="hold">
+                            <p:stCondLst>
+                              <p:cond delay="0"/>
+                            </p:stCondLst>
+                            <p:childTnLst>
+                              <p:par>
+                                <p:cTn id="25" presetID="1" presetClass="entr" presetSubtype="0" fill="hold" nodeType="clickEffect">
+                                  <p:stCondLst>
+                                    <p:cond delay="0"/>
+                                  </p:stCondLst>
+                                  <p:childTnLst>
+                                    <p:set>
+                                      <p:cBhvr>
+                                        <p:cTn id="26" dur="1" fill="hold">
+                                          <p:stCondLst>
+                                            <p:cond delay="0"/>
+                                          </p:stCondLst>
+                                        </p:cTn>
+                                        <p:tgtEl>
+                                          <p:spTgt spid="3">
+                                            <p:txEl>
+                                              <p:pRg st="8" end="8"/>
+                                            </p:txEl>
+                                          </p:spTgt>
+                                        </p:tgtEl>
+                                        <p:attrNameLst>
+                                          <p:attrName>style.visibility</p:attrName>
+                                        </p:attrNameLst>
+                                      </p:cBhvr>
+                                      <p:to>
+                                        <p:strVal val="visible"/>
+                                      </p:to>
+                                    </p:set>
+                                  </p:childTnLst>
+                                </p:cTn>
+                              </p:par>
+                            </p:childTnLst>
+                          </p:cTn>
+                        </p:par>
+                      </p:childTnLst>
+                    </p:cTn>
+                  </p:par>
+                </p:childTnLst>
+              </p:cTn>
+              <p:prevCondLst>
+                <p:cond evt="onPrev" delay="0">
+                  <p:tgtEl>
+                    <p:sldTgt/>
+                  </p:tgtEl>
+                </p:cond>
+              </p:prevCondLst>
+              <p:nextCondLst>
+                <p:cond evt="onNext" delay="0">
+                  <p:tgtEl>
+                    <p:sldTgt/>
+                  </p:tgtEl>
+                </p:cond>
+              </p:nextCondLst>
+            </p:seq>
+          </p:childTnLst>
+        </p:cTn>
+      </p:par>
+    </p:tnLst>
+  </p:timing>
 </p:sld>
 </file>
 
-<file path=ppt/slides/slide4.xml><?xml version="1.0" encoding="utf-8"?>
+<file path=ppt/slides/slide5.xml><?xml version="1.0" encoding="utf-8"?>
 <p:sld xmlns:a="http://schemas.openxmlformats.org/drawingml/2006/main" xmlns:r="http://schemas.openxmlformats.org/officeDocument/2006/relationships" xmlns:p="http://schemas.openxmlformats.org/presentationml/2006/main">
   <p:cSld>
     <p:spTree>
@@ -6537,10 +12056,383 @@
   <p:clrMapOvr>
     <a:masterClrMapping/>
   </p:clrMapOvr>
+  <p:timing>
+    <p:tnLst>
+      <p:par>
+        <p:cTn id="1" dur="indefinite" restart="never" nodeType="tmRoot">
+          <p:childTnLst>
+            <p:seq concurrent="1" nextAc="seek">
+              <p:cTn id="2" dur="indefinite" nodeType="mainSeq">
+                <p:childTnLst>
+                  <p:par>
+                    <p:cTn id="3" fill="hold">
+                      <p:stCondLst>
+                        <p:cond delay="indefinite"/>
+                      </p:stCondLst>
+                      <p:childTnLst>
+                        <p:par>
+                          <p:cTn id="4" fill="hold">
+                            <p:stCondLst>
+                              <p:cond delay="0"/>
+                            </p:stCondLst>
+                            <p:childTnLst>
+                              <p:par>
+                                <p:cTn id="5" presetID="1" presetClass="entr" presetSubtype="0" fill="hold" nodeType="clickEffect">
+                                  <p:stCondLst>
+                                    <p:cond delay="0"/>
+                                  </p:stCondLst>
+                                  <p:childTnLst>
+                                    <p:set>
+                                      <p:cBhvr>
+                                        <p:cTn id="6" dur="1" fill="hold">
+                                          <p:stCondLst>
+                                            <p:cond delay="0"/>
+                                          </p:stCondLst>
+                                        </p:cTn>
+                                        <p:tgtEl>
+                                          <p:spTgt spid="3">
+                                            <p:txEl>
+                                              <p:pRg st="0" end="0"/>
+                                            </p:txEl>
+                                          </p:spTgt>
+                                        </p:tgtEl>
+                                        <p:attrNameLst>
+                                          <p:attrName>style.visibility</p:attrName>
+                                        </p:attrNameLst>
+                                      </p:cBhvr>
+                                      <p:to>
+                                        <p:strVal val="visible"/>
+                                      </p:to>
+                                    </p:set>
+                                  </p:childTnLst>
+                                </p:cTn>
+                              </p:par>
+                            </p:childTnLst>
+                          </p:cTn>
+                        </p:par>
+                      </p:childTnLst>
+                    </p:cTn>
+                  </p:par>
+                  <p:par>
+                    <p:cTn id="7" fill="hold">
+                      <p:stCondLst>
+                        <p:cond delay="indefinite"/>
+                      </p:stCondLst>
+                      <p:childTnLst>
+                        <p:par>
+                          <p:cTn id="8" fill="hold">
+                            <p:stCondLst>
+                              <p:cond delay="0"/>
+                            </p:stCondLst>
+                            <p:childTnLst>
+                              <p:par>
+                                <p:cTn id="9" presetID="1" presetClass="entr" presetSubtype="0" fill="hold" nodeType="clickEffect">
+                                  <p:stCondLst>
+                                    <p:cond delay="0"/>
+                                  </p:stCondLst>
+                                  <p:childTnLst>
+                                    <p:set>
+                                      <p:cBhvr>
+                                        <p:cTn id="10" dur="1" fill="hold">
+                                          <p:stCondLst>
+                                            <p:cond delay="0"/>
+                                          </p:stCondLst>
+                                        </p:cTn>
+                                        <p:tgtEl>
+                                          <p:spTgt spid="3">
+                                            <p:txEl>
+                                              <p:pRg st="1" end="1"/>
+                                            </p:txEl>
+                                          </p:spTgt>
+                                        </p:tgtEl>
+                                        <p:attrNameLst>
+                                          <p:attrName>style.visibility</p:attrName>
+                                        </p:attrNameLst>
+                                      </p:cBhvr>
+                                      <p:to>
+                                        <p:strVal val="visible"/>
+                                      </p:to>
+                                    </p:set>
+                                  </p:childTnLst>
+                                </p:cTn>
+                              </p:par>
+                            </p:childTnLst>
+                          </p:cTn>
+                        </p:par>
+                      </p:childTnLst>
+                    </p:cTn>
+                  </p:par>
+                  <p:par>
+                    <p:cTn id="11" fill="hold">
+                      <p:stCondLst>
+                        <p:cond delay="indefinite"/>
+                      </p:stCondLst>
+                      <p:childTnLst>
+                        <p:par>
+                          <p:cTn id="12" fill="hold">
+                            <p:stCondLst>
+                              <p:cond delay="0"/>
+                            </p:stCondLst>
+                            <p:childTnLst>
+                              <p:par>
+                                <p:cTn id="13" presetID="1" presetClass="entr" presetSubtype="0" fill="hold" nodeType="clickEffect">
+                                  <p:stCondLst>
+                                    <p:cond delay="0"/>
+                                  </p:stCondLst>
+                                  <p:childTnLst>
+                                    <p:set>
+                                      <p:cBhvr>
+                                        <p:cTn id="14" dur="1" fill="hold">
+                                          <p:stCondLst>
+                                            <p:cond delay="0"/>
+                                          </p:stCondLst>
+                                        </p:cTn>
+                                        <p:tgtEl>
+                                          <p:spTgt spid="3">
+                                            <p:txEl>
+                                              <p:pRg st="2" end="2"/>
+                                            </p:txEl>
+                                          </p:spTgt>
+                                        </p:tgtEl>
+                                        <p:attrNameLst>
+                                          <p:attrName>style.visibility</p:attrName>
+                                        </p:attrNameLst>
+                                      </p:cBhvr>
+                                      <p:to>
+                                        <p:strVal val="visible"/>
+                                      </p:to>
+                                    </p:set>
+                                  </p:childTnLst>
+                                </p:cTn>
+                              </p:par>
+                            </p:childTnLst>
+                          </p:cTn>
+                        </p:par>
+                      </p:childTnLst>
+                    </p:cTn>
+                  </p:par>
+                  <p:par>
+                    <p:cTn id="15" fill="hold">
+                      <p:stCondLst>
+                        <p:cond delay="indefinite"/>
+                      </p:stCondLst>
+                      <p:childTnLst>
+                        <p:par>
+                          <p:cTn id="16" fill="hold">
+                            <p:stCondLst>
+                              <p:cond delay="0"/>
+                            </p:stCondLst>
+                            <p:childTnLst>
+                              <p:par>
+                                <p:cTn id="17" presetID="1" presetClass="entr" presetSubtype="0" fill="hold" nodeType="clickEffect">
+                                  <p:stCondLst>
+                                    <p:cond delay="0"/>
+                                  </p:stCondLst>
+                                  <p:childTnLst>
+                                    <p:set>
+                                      <p:cBhvr>
+                                        <p:cTn id="18" dur="1" fill="hold">
+                                          <p:stCondLst>
+                                            <p:cond delay="0"/>
+                                          </p:stCondLst>
+                                        </p:cTn>
+                                        <p:tgtEl>
+                                          <p:spTgt spid="3">
+                                            <p:txEl>
+                                              <p:pRg st="3" end="3"/>
+                                            </p:txEl>
+                                          </p:spTgt>
+                                        </p:tgtEl>
+                                        <p:attrNameLst>
+                                          <p:attrName>style.visibility</p:attrName>
+                                        </p:attrNameLst>
+                                      </p:cBhvr>
+                                      <p:to>
+                                        <p:strVal val="visible"/>
+                                      </p:to>
+                                    </p:set>
+                                  </p:childTnLst>
+                                </p:cTn>
+                              </p:par>
+                            </p:childTnLst>
+                          </p:cTn>
+                        </p:par>
+                      </p:childTnLst>
+                    </p:cTn>
+                  </p:par>
+                  <p:par>
+                    <p:cTn id="19" fill="hold">
+                      <p:stCondLst>
+                        <p:cond delay="indefinite"/>
+                      </p:stCondLst>
+                      <p:childTnLst>
+                        <p:par>
+                          <p:cTn id="20" fill="hold">
+                            <p:stCondLst>
+                              <p:cond delay="0"/>
+                            </p:stCondLst>
+                            <p:childTnLst>
+                              <p:par>
+                                <p:cTn id="21" presetID="1" presetClass="entr" presetSubtype="0" fill="hold" nodeType="clickEffect">
+                                  <p:stCondLst>
+                                    <p:cond delay="0"/>
+                                  </p:stCondLst>
+                                  <p:childTnLst>
+                                    <p:set>
+                                      <p:cBhvr>
+                                        <p:cTn id="22" dur="1" fill="hold">
+                                          <p:stCondLst>
+                                            <p:cond delay="0"/>
+                                          </p:stCondLst>
+                                        </p:cTn>
+                                        <p:tgtEl>
+                                          <p:spTgt spid="3">
+                                            <p:txEl>
+                                              <p:pRg st="4" end="4"/>
+                                            </p:txEl>
+                                          </p:spTgt>
+                                        </p:tgtEl>
+                                        <p:attrNameLst>
+                                          <p:attrName>style.visibility</p:attrName>
+                                        </p:attrNameLst>
+                                      </p:cBhvr>
+                                      <p:to>
+                                        <p:strVal val="visible"/>
+                                      </p:to>
+                                    </p:set>
+                                  </p:childTnLst>
+                                </p:cTn>
+                              </p:par>
+                            </p:childTnLst>
+                          </p:cTn>
+                        </p:par>
+                      </p:childTnLst>
+                    </p:cTn>
+                  </p:par>
+                  <p:par>
+                    <p:cTn id="23" fill="hold">
+                      <p:stCondLst>
+                        <p:cond delay="indefinite"/>
+                      </p:stCondLst>
+                      <p:childTnLst>
+                        <p:par>
+                          <p:cTn id="24" fill="hold">
+                            <p:stCondLst>
+                              <p:cond delay="0"/>
+                            </p:stCondLst>
+                            <p:childTnLst>
+                              <p:par>
+                                <p:cTn id="25" presetID="1" presetClass="entr" presetSubtype="0" fill="hold" nodeType="clickEffect">
+                                  <p:stCondLst>
+                                    <p:cond delay="0"/>
+                                  </p:stCondLst>
+                                  <p:childTnLst>
+                                    <p:set>
+                                      <p:cBhvr>
+                                        <p:cTn id="26" dur="1" fill="hold">
+                                          <p:stCondLst>
+                                            <p:cond delay="0"/>
+                                          </p:stCondLst>
+                                        </p:cTn>
+                                        <p:tgtEl>
+                                          <p:spTgt spid="3">
+                                            <p:txEl>
+                                              <p:pRg st="5" end="5"/>
+                                            </p:txEl>
+                                          </p:spTgt>
+                                        </p:tgtEl>
+                                        <p:attrNameLst>
+                                          <p:attrName>style.visibility</p:attrName>
+                                        </p:attrNameLst>
+                                      </p:cBhvr>
+                                      <p:to>
+                                        <p:strVal val="visible"/>
+                                      </p:to>
+                                    </p:set>
+                                  </p:childTnLst>
+                                </p:cTn>
+                              </p:par>
+                            </p:childTnLst>
+                          </p:cTn>
+                        </p:par>
+                      </p:childTnLst>
+                    </p:cTn>
+                  </p:par>
+                  <p:par>
+                    <p:cTn id="27" fill="hold">
+                      <p:stCondLst>
+                        <p:cond delay="indefinite"/>
+                      </p:stCondLst>
+                      <p:childTnLst>
+                        <p:par>
+                          <p:cTn id="28" fill="hold">
+                            <p:stCondLst>
+                              <p:cond delay="0"/>
+                            </p:stCondLst>
+                            <p:childTnLst>
+                              <p:par>
+                                <p:cTn id="29" presetID="1" presetClass="entr" presetSubtype="0" fill="hold" nodeType="clickEffect">
+                                  <p:stCondLst>
+                                    <p:cond delay="0"/>
+                                  </p:stCondLst>
+                                  <p:childTnLst>
+                                    <p:set>
+                                      <p:cBhvr>
+                                        <p:cTn id="30" dur="1" fill="hold">
+                                          <p:stCondLst>
+                                            <p:cond delay="0"/>
+                                          </p:stCondLst>
+                                        </p:cTn>
+                                        <p:tgtEl>
+                                          <p:spTgt spid="3">
+                                            <p:txEl>
+                                              <p:pRg st="6" end="6"/>
+                                            </p:txEl>
+                                          </p:spTgt>
+                                        </p:tgtEl>
+                                        <p:attrNameLst>
+                                          <p:attrName>style.visibility</p:attrName>
+                                        </p:attrNameLst>
+                                      </p:cBhvr>
+                                      <p:to>
+                                        <p:strVal val="visible"/>
+                                      </p:to>
+                                    </p:set>
+                                  </p:childTnLst>
+                                </p:cTn>
+                              </p:par>
+                            </p:childTnLst>
+                          </p:cTn>
+                        </p:par>
+                      </p:childTnLst>
+                    </p:cTn>
+                  </p:par>
+                </p:childTnLst>
+              </p:cTn>
+              <p:prevCondLst>
+                <p:cond evt="onPrev" delay="0">
+                  <p:tgtEl>
+                    <p:sldTgt/>
+                  </p:tgtEl>
+                </p:cond>
+              </p:prevCondLst>
+              <p:nextCondLst>
+                <p:cond evt="onNext" delay="0">
+                  <p:tgtEl>
+                    <p:sldTgt/>
+                  </p:tgtEl>
+                </p:cond>
+              </p:nextCondLst>
+            </p:seq>
+          </p:childTnLst>
+        </p:cTn>
+      </p:par>
+    </p:tnLst>
+  </p:timing>
 </p:sld>
 </file>
 
-<file path=ppt/slides/slide5.xml><?xml version="1.0" encoding="utf-8"?>
+<file path=ppt/slides/slide6.xml><?xml version="1.0" encoding="utf-8"?>
 <p:sld xmlns:a="http://schemas.openxmlformats.org/drawingml/2006/main" xmlns:r="http://schemas.openxmlformats.org/officeDocument/2006/relationships" xmlns:p="http://schemas.openxmlformats.org/presentationml/2006/main">
   <p:cSld>
     <p:spTree>
@@ -6828,189 +12720,356 @@
   <p:clrMapOvr>
     <a:masterClrMapping/>
   </p:clrMapOvr>
-</p:sld>
-</file>
-
-<file path=ppt/slides/slide6.xml><?xml version="1.0" encoding="utf-8"?>
-<p:sld xmlns:a="http://schemas.openxmlformats.org/drawingml/2006/main" xmlns:r="http://schemas.openxmlformats.org/officeDocument/2006/relationships" xmlns:p="http://schemas.openxmlformats.org/presentationml/2006/main">
-  <p:cSld>
-    <p:spTree>
-      <p:nvGrpSpPr>
-        <p:cNvPr id="1" name=""/>
-        <p:cNvGrpSpPr/>
-        <p:nvPr/>
-      </p:nvGrpSpPr>
-      <p:grpSpPr>
-        <a:xfrm>
-          <a:off x="0" y="0"/>
-          <a:ext cx="0" cy="0"/>
-          <a:chOff x="0" y="0"/>
-          <a:chExt cx="0" cy="0"/>
-        </a:xfrm>
-      </p:grpSpPr>
-      <p:sp>
-        <p:nvSpPr>
-          <p:cNvPr id="2" name="Title 1">
-            <a:extLst>
-              <a:ext uri="{FF2B5EF4-FFF2-40B4-BE49-F238E27FC236}">
-                <a16:creationId xmlns:a16="http://schemas.microsoft.com/office/drawing/2014/main" id="{AE8EA0F1-53BD-4E52-8ADA-F7DEF69F66B7}"/>
-              </a:ext>
-            </a:extLst>
-          </p:cNvPr>
-          <p:cNvSpPr>
-            <a:spLocks noGrp="1"/>
-          </p:cNvSpPr>
-          <p:nvPr>
-            <p:ph type="title"/>
-          </p:nvPr>
-        </p:nvSpPr>
-        <p:spPr/>
-        <p:txBody>
-          <a:bodyPr/>
-          <a:lstStyle/>
-          <a:p>
-            <a:r>
-              <a:rPr lang="en-US" dirty="0"/>
-              <a:t>Searle’s Chinese room</a:t>
-            </a:r>
-            <a:endParaRPr lang="en-DE" dirty="0"/>
-          </a:p>
-        </p:txBody>
-      </p:sp>
-      <p:sp>
-        <p:nvSpPr>
-          <p:cNvPr id="3" name="Content Placeholder 2">
-            <a:extLst>
-              <a:ext uri="{FF2B5EF4-FFF2-40B4-BE49-F238E27FC236}">
-                <a16:creationId xmlns:a16="http://schemas.microsoft.com/office/drawing/2014/main" id="{D22BF690-C9C3-4E0F-A4E3-ABEA6148B509}"/>
-              </a:ext>
-            </a:extLst>
-          </p:cNvPr>
-          <p:cNvSpPr>
-            <a:spLocks noGrp="1"/>
-          </p:cNvSpPr>
-          <p:nvPr>
-            <p:ph idx="1"/>
-          </p:nvPr>
-        </p:nvSpPr>
-        <p:spPr/>
-        <p:txBody>
-          <a:bodyPr>
-            <a:normAutofit fontScale="92500" lnSpcReduction="10000"/>
-          </a:bodyPr>
-          <a:lstStyle/>
-          <a:p>
-            <a:r>
-              <a:rPr lang="en-US" dirty="0"/>
-              <a:t>NOTE: Searle is a really awful guy (google it), nonetheless I’d be doing you a disservice if I didn’t mention this.</a:t>
-            </a:r>
-          </a:p>
-          <a:p>
-            <a:r>
-              <a:rPr lang="en-US" dirty="0"/>
-              <a:t>Searle (1980), </a:t>
-            </a:r>
-            <a:r>
-              <a:rPr lang="en-US" i="1" dirty="0"/>
-              <a:t>Minds, Brains, and Programs, </a:t>
-            </a:r>
-            <a:r>
-              <a:rPr lang="en-US" b="0" dirty="0">
-                <a:solidFill>
-                  <a:srgbClr val="1A1A1A"/>
-                </a:solidFill>
-                <a:effectLst/>
-              </a:rPr>
-              <a:t>The Behavioral and Brain Sciences.</a:t>
-            </a:r>
-          </a:p>
-          <a:p>
-            <a:r>
-              <a:rPr lang="en-US" dirty="0">
-                <a:solidFill>
-                  <a:srgbClr val="1A1A1A"/>
-                </a:solidFill>
-              </a:rPr>
-              <a:t>Here’s the thought experiment: </a:t>
-            </a:r>
-          </a:p>
-          <a:p>
-            <a:pPr lvl="1"/>
-            <a:r>
-              <a:rPr lang="en-US" dirty="0">
-                <a:solidFill>
-                  <a:srgbClr val="1A1A1A"/>
-                </a:solidFill>
-              </a:rPr>
-              <a:t>Imagine yourself in a closed room with two holes, call them I and O.</a:t>
-            </a:r>
-          </a:p>
-          <a:p>
-            <a:pPr lvl="1"/>
-            <a:r>
-              <a:rPr lang="en-US" dirty="0">
-                <a:solidFill>
-                  <a:srgbClr val="1A1A1A"/>
-                </a:solidFill>
-              </a:rPr>
-              <a:t>You get pieces of papers with symbols though I</a:t>
-            </a:r>
-          </a:p>
-          <a:p>
-            <a:pPr lvl="1"/>
-            <a:r>
-              <a:rPr lang="en-US" dirty="0"/>
-              <a:t>Following a big book of instructions, you write stuff on more paper</a:t>
-            </a:r>
-          </a:p>
-          <a:p>
-            <a:pPr lvl="1"/>
-            <a:r>
-              <a:rPr lang="en-US" dirty="0"/>
-              <a:t>And send it through O</a:t>
-            </a:r>
-          </a:p>
-          <a:p>
-            <a:r>
-              <a:rPr lang="en-US" dirty="0"/>
-              <a:t>In principle, the room could this way instantiate any intelligent </a:t>
-            </a:r>
-            <a:r>
-              <a:rPr lang="en-US" dirty="0" err="1"/>
-              <a:t>behaviour</a:t>
-            </a:r>
-            <a:r>
-              <a:rPr lang="en-US" dirty="0"/>
-              <a:t>, e.g. understanding of Chinese (assuming Chinese symbols), even if you don’t understand Chinese.</a:t>
-            </a:r>
-          </a:p>
-          <a:p>
-            <a:r>
-              <a:rPr lang="en-US" dirty="0"/>
-              <a:t>The idea is that a purely computational view (symbols manipulation) cannot make sense of things like </a:t>
-            </a:r>
-            <a:r>
-              <a:rPr lang="en-US" i="1" dirty="0"/>
-              <a:t>understanding</a:t>
-            </a:r>
-            <a:r>
-              <a:rPr lang="en-US" dirty="0"/>
-              <a:t>.</a:t>
-            </a:r>
-            <a:endParaRPr lang="en-DE" dirty="0"/>
-          </a:p>
-        </p:txBody>
-      </p:sp>
-    </p:spTree>
-    <p:extLst>
-      <p:ext uri="{BB962C8B-B14F-4D97-AF65-F5344CB8AC3E}">
-        <p14:creationId xmlns:p14="http://schemas.microsoft.com/office/powerpoint/2010/main" val="3121483008"/>
-      </p:ext>
-    </p:extLst>
-  </p:cSld>
-  <p:clrMapOvr>
-    <a:masterClrMapping/>
-  </p:clrMapOvr>
+  <p:timing>
+    <p:tnLst>
+      <p:par>
+        <p:cTn id="1" dur="indefinite" restart="never" nodeType="tmRoot">
+          <p:childTnLst>
+            <p:seq concurrent="1" nextAc="seek">
+              <p:cTn id="2" dur="indefinite" nodeType="mainSeq">
+                <p:childTnLst>
+                  <p:par>
+                    <p:cTn id="3" fill="hold">
+                      <p:stCondLst>
+                        <p:cond delay="indefinite"/>
+                      </p:stCondLst>
+                      <p:childTnLst>
+                        <p:par>
+                          <p:cTn id="4" fill="hold">
+                            <p:stCondLst>
+                              <p:cond delay="0"/>
+                            </p:stCondLst>
+                            <p:childTnLst>
+                              <p:par>
+                                <p:cTn id="5" presetID="1" presetClass="entr" presetSubtype="0" fill="hold" nodeType="clickEffect">
+                                  <p:stCondLst>
+                                    <p:cond delay="0"/>
+                                  </p:stCondLst>
+                                  <p:childTnLst>
+                                    <p:set>
+                                      <p:cBhvr>
+                                        <p:cTn id="6" dur="1" fill="hold">
+                                          <p:stCondLst>
+                                            <p:cond delay="0"/>
+                                          </p:stCondLst>
+                                        </p:cTn>
+                                        <p:tgtEl>
+                                          <p:spTgt spid="3">
+                                            <p:txEl>
+                                              <p:pRg st="0" end="0"/>
+                                            </p:txEl>
+                                          </p:spTgt>
+                                        </p:tgtEl>
+                                        <p:attrNameLst>
+                                          <p:attrName>style.visibility</p:attrName>
+                                        </p:attrNameLst>
+                                      </p:cBhvr>
+                                      <p:to>
+                                        <p:strVal val="visible"/>
+                                      </p:to>
+                                    </p:set>
+                                  </p:childTnLst>
+                                </p:cTn>
+                              </p:par>
+                            </p:childTnLst>
+                          </p:cTn>
+                        </p:par>
+                      </p:childTnLst>
+                    </p:cTn>
+                  </p:par>
+                  <p:par>
+                    <p:cTn id="7" fill="hold">
+                      <p:stCondLst>
+                        <p:cond delay="indefinite"/>
+                      </p:stCondLst>
+                      <p:childTnLst>
+                        <p:par>
+                          <p:cTn id="8" fill="hold">
+                            <p:stCondLst>
+                              <p:cond delay="0"/>
+                            </p:stCondLst>
+                            <p:childTnLst>
+                              <p:par>
+                                <p:cTn id="9" presetID="1" presetClass="entr" presetSubtype="0" fill="hold" nodeType="clickEffect">
+                                  <p:stCondLst>
+                                    <p:cond delay="0"/>
+                                  </p:stCondLst>
+                                  <p:childTnLst>
+                                    <p:set>
+                                      <p:cBhvr>
+                                        <p:cTn id="10" dur="1" fill="hold">
+                                          <p:stCondLst>
+                                            <p:cond delay="0"/>
+                                          </p:stCondLst>
+                                        </p:cTn>
+                                        <p:tgtEl>
+                                          <p:spTgt spid="3">
+                                            <p:txEl>
+                                              <p:pRg st="1" end="1"/>
+                                            </p:txEl>
+                                          </p:spTgt>
+                                        </p:tgtEl>
+                                        <p:attrNameLst>
+                                          <p:attrName>style.visibility</p:attrName>
+                                        </p:attrNameLst>
+                                      </p:cBhvr>
+                                      <p:to>
+                                        <p:strVal val="visible"/>
+                                      </p:to>
+                                    </p:set>
+                                  </p:childTnLst>
+                                </p:cTn>
+                              </p:par>
+                            </p:childTnLst>
+                          </p:cTn>
+                        </p:par>
+                      </p:childTnLst>
+                    </p:cTn>
+                  </p:par>
+                  <p:par>
+                    <p:cTn id="11" fill="hold">
+                      <p:stCondLst>
+                        <p:cond delay="indefinite"/>
+                      </p:stCondLst>
+                      <p:childTnLst>
+                        <p:par>
+                          <p:cTn id="12" fill="hold">
+                            <p:stCondLst>
+                              <p:cond delay="0"/>
+                            </p:stCondLst>
+                            <p:childTnLst>
+                              <p:par>
+                                <p:cTn id="13" presetID="1" presetClass="entr" presetSubtype="0" fill="hold" nodeType="clickEffect">
+                                  <p:stCondLst>
+                                    <p:cond delay="0"/>
+                                  </p:stCondLst>
+                                  <p:childTnLst>
+                                    <p:set>
+                                      <p:cBhvr>
+                                        <p:cTn id="14" dur="1" fill="hold">
+                                          <p:stCondLst>
+                                            <p:cond delay="0"/>
+                                          </p:stCondLst>
+                                        </p:cTn>
+                                        <p:tgtEl>
+                                          <p:spTgt spid="3">
+                                            <p:txEl>
+                                              <p:pRg st="2" end="2"/>
+                                            </p:txEl>
+                                          </p:spTgt>
+                                        </p:tgtEl>
+                                        <p:attrNameLst>
+                                          <p:attrName>style.visibility</p:attrName>
+                                        </p:attrNameLst>
+                                      </p:cBhvr>
+                                      <p:to>
+                                        <p:strVal val="visible"/>
+                                      </p:to>
+                                    </p:set>
+                                  </p:childTnLst>
+                                </p:cTn>
+                              </p:par>
+                            </p:childTnLst>
+                          </p:cTn>
+                        </p:par>
+                      </p:childTnLst>
+                    </p:cTn>
+                  </p:par>
+                  <p:par>
+                    <p:cTn id="15" fill="hold">
+                      <p:stCondLst>
+                        <p:cond delay="indefinite"/>
+                      </p:stCondLst>
+                      <p:childTnLst>
+                        <p:par>
+                          <p:cTn id="16" fill="hold">
+                            <p:stCondLst>
+                              <p:cond delay="0"/>
+                            </p:stCondLst>
+                            <p:childTnLst>
+                              <p:par>
+                                <p:cTn id="17" presetID="1" presetClass="entr" presetSubtype="0" fill="hold" nodeType="clickEffect">
+                                  <p:stCondLst>
+                                    <p:cond delay="0"/>
+                                  </p:stCondLst>
+                                  <p:childTnLst>
+                                    <p:set>
+                                      <p:cBhvr>
+                                        <p:cTn id="18" dur="1" fill="hold">
+                                          <p:stCondLst>
+                                            <p:cond delay="0"/>
+                                          </p:stCondLst>
+                                        </p:cTn>
+                                        <p:tgtEl>
+                                          <p:spTgt spid="9"/>
+                                        </p:tgtEl>
+                                        <p:attrNameLst>
+                                          <p:attrName>style.visibility</p:attrName>
+                                        </p:attrNameLst>
+                                      </p:cBhvr>
+                                      <p:to>
+                                        <p:strVal val="visible"/>
+                                      </p:to>
+                                    </p:set>
+                                  </p:childTnLst>
+                                </p:cTn>
+                              </p:par>
+                              <p:par>
+                                <p:cTn id="19" presetID="1" presetClass="entr" presetSubtype="0" fill="hold" grpId="0" nodeType="withEffect">
+                                  <p:stCondLst>
+                                    <p:cond delay="0"/>
+                                  </p:stCondLst>
+                                  <p:childTnLst>
+                                    <p:set>
+                                      <p:cBhvr>
+                                        <p:cTn id="20" dur="1" fill="hold">
+                                          <p:stCondLst>
+                                            <p:cond delay="0"/>
+                                          </p:stCondLst>
+                                        </p:cTn>
+                                        <p:tgtEl>
+                                          <p:spTgt spid="10"/>
+                                        </p:tgtEl>
+                                        <p:attrNameLst>
+                                          <p:attrName>style.visibility</p:attrName>
+                                        </p:attrNameLst>
+                                      </p:cBhvr>
+                                      <p:to>
+                                        <p:strVal val="visible"/>
+                                      </p:to>
+                                    </p:set>
+                                  </p:childTnLst>
+                                </p:cTn>
+                              </p:par>
+                            </p:childTnLst>
+                          </p:cTn>
+                        </p:par>
+                      </p:childTnLst>
+                    </p:cTn>
+                  </p:par>
+                  <p:par>
+                    <p:cTn id="21" fill="hold">
+                      <p:stCondLst>
+                        <p:cond delay="indefinite"/>
+                      </p:stCondLst>
+                      <p:childTnLst>
+                        <p:par>
+                          <p:cTn id="22" fill="hold">
+                            <p:stCondLst>
+                              <p:cond delay="0"/>
+                            </p:stCondLst>
+                            <p:childTnLst>
+                              <p:par>
+                                <p:cTn id="23" presetID="1" presetClass="entr" presetSubtype="0" fill="hold" nodeType="clickEffect">
+                                  <p:stCondLst>
+                                    <p:cond delay="0"/>
+                                  </p:stCondLst>
+                                  <p:childTnLst>
+                                    <p:set>
+                                      <p:cBhvr>
+                                        <p:cTn id="24" dur="1" fill="hold">
+                                          <p:stCondLst>
+                                            <p:cond delay="0"/>
+                                          </p:stCondLst>
+                                        </p:cTn>
+                                        <p:tgtEl>
+                                          <p:spTgt spid="3">
+                                            <p:txEl>
+                                              <p:pRg st="3" end="3"/>
+                                            </p:txEl>
+                                          </p:spTgt>
+                                        </p:tgtEl>
+                                        <p:attrNameLst>
+                                          <p:attrName>style.visibility</p:attrName>
+                                        </p:attrNameLst>
+                                      </p:cBhvr>
+                                      <p:to>
+                                        <p:strVal val="visible"/>
+                                      </p:to>
+                                    </p:set>
+                                  </p:childTnLst>
+                                </p:cTn>
+                              </p:par>
+                            </p:childTnLst>
+                          </p:cTn>
+                        </p:par>
+                      </p:childTnLst>
+                    </p:cTn>
+                  </p:par>
+                  <p:par>
+                    <p:cTn id="25" fill="hold">
+                      <p:stCondLst>
+                        <p:cond delay="indefinite"/>
+                      </p:stCondLst>
+                      <p:childTnLst>
+                        <p:par>
+                          <p:cTn id="26" fill="hold">
+                            <p:stCondLst>
+                              <p:cond delay="0"/>
+                            </p:stCondLst>
+                            <p:childTnLst>
+                              <p:par>
+                                <p:cTn id="27" presetID="1" presetClass="entr" presetSubtype="0" fill="hold" nodeType="clickEffect">
+                                  <p:stCondLst>
+                                    <p:cond delay="0"/>
+                                  </p:stCondLst>
+                                  <p:childTnLst>
+                                    <p:set>
+                                      <p:cBhvr>
+                                        <p:cTn id="28" dur="1" fill="hold">
+                                          <p:stCondLst>
+                                            <p:cond delay="0"/>
+                                          </p:stCondLst>
+                                        </p:cTn>
+                                        <p:tgtEl>
+                                          <p:spTgt spid="3">
+                                            <p:txEl>
+                                              <p:pRg st="4" end="4"/>
+                                            </p:txEl>
+                                          </p:spTgt>
+                                        </p:tgtEl>
+                                        <p:attrNameLst>
+                                          <p:attrName>style.visibility</p:attrName>
+                                        </p:attrNameLst>
+                                      </p:cBhvr>
+                                      <p:to>
+                                        <p:strVal val="visible"/>
+                                      </p:to>
+                                    </p:set>
+                                  </p:childTnLst>
+                                </p:cTn>
+                              </p:par>
+                            </p:childTnLst>
+                          </p:cTn>
+                        </p:par>
+                      </p:childTnLst>
+                    </p:cTn>
+                  </p:par>
+                </p:childTnLst>
+              </p:cTn>
+              <p:prevCondLst>
+                <p:cond evt="onPrev" delay="0">
+                  <p:tgtEl>
+                    <p:sldTgt/>
+                  </p:tgtEl>
+                </p:cond>
+              </p:prevCondLst>
+              <p:nextCondLst>
+                <p:cond evt="onNext" delay="0">
+                  <p:tgtEl>
+                    <p:sldTgt/>
+                  </p:tgtEl>
+                </p:cond>
+              </p:nextCondLst>
+            </p:seq>
+          </p:childTnLst>
+        </p:cTn>
+      </p:par>
+    </p:tnLst>
+    <p:bldLst>
+      <p:bldP spid="10" grpId="0"/>
+    </p:bldLst>
+  </p:timing>
 </p:sld>
 </file>
 
@@ -7076,6 +13135,660 @@
             <p:ph idx="1"/>
           </p:nvPr>
         </p:nvSpPr>
+        <p:spPr/>
+        <p:txBody>
+          <a:bodyPr>
+            <a:normAutofit fontScale="92500" lnSpcReduction="10000"/>
+          </a:bodyPr>
+          <a:lstStyle/>
+          <a:p>
+            <a:r>
+              <a:rPr lang="en-US" dirty="0"/>
+              <a:t>NOTE: Searle is a really awful guy (google it), nonetheless I’d be doing you a disservice if I didn’t mention this.</a:t>
+            </a:r>
+          </a:p>
+          <a:p>
+            <a:r>
+              <a:rPr lang="en-US" dirty="0"/>
+              <a:t>Searle (1980), </a:t>
+            </a:r>
+            <a:r>
+              <a:rPr lang="en-US" i="1" dirty="0"/>
+              <a:t>Minds, Brains, and Programs, </a:t>
+            </a:r>
+            <a:r>
+              <a:rPr lang="en-US" b="0" dirty="0">
+                <a:solidFill>
+                  <a:srgbClr val="1A1A1A"/>
+                </a:solidFill>
+                <a:effectLst/>
+              </a:rPr>
+              <a:t>The Behavioral and Brain Sciences.</a:t>
+            </a:r>
+          </a:p>
+          <a:p>
+            <a:r>
+              <a:rPr lang="en-US" dirty="0">
+                <a:solidFill>
+                  <a:srgbClr val="1A1A1A"/>
+                </a:solidFill>
+              </a:rPr>
+              <a:t>Here’s the thought experiment: </a:t>
+            </a:r>
+          </a:p>
+          <a:p>
+            <a:pPr lvl="1"/>
+            <a:r>
+              <a:rPr lang="en-US" dirty="0">
+                <a:solidFill>
+                  <a:srgbClr val="1A1A1A"/>
+                </a:solidFill>
+              </a:rPr>
+              <a:t>Imagine yourself in a closed room with two holes, call them I and O.</a:t>
+            </a:r>
+          </a:p>
+          <a:p>
+            <a:pPr lvl="1"/>
+            <a:r>
+              <a:rPr lang="en-US" dirty="0">
+                <a:solidFill>
+                  <a:srgbClr val="1A1A1A"/>
+                </a:solidFill>
+              </a:rPr>
+              <a:t>You get pieces of papers with symbols though I</a:t>
+            </a:r>
+          </a:p>
+          <a:p>
+            <a:pPr lvl="1"/>
+            <a:r>
+              <a:rPr lang="en-US" dirty="0"/>
+              <a:t>Following a big book of instructions, you write stuff on more paper</a:t>
+            </a:r>
+          </a:p>
+          <a:p>
+            <a:pPr lvl="1"/>
+            <a:r>
+              <a:rPr lang="en-US" dirty="0"/>
+              <a:t>And send it through O</a:t>
+            </a:r>
+          </a:p>
+          <a:p>
+            <a:r>
+              <a:rPr lang="en-US" dirty="0"/>
+              <a:t>In principle, the room could this way instantiate any intelligent </a:t>
+            </a:r>
+            <a:r>
+              <a:rPr lang="en-US" dirty="0" err="1"/>
+              <a:t>behaviour</a:t>
+            </a:r>
+            <a:r>
+              <a:rPr lang="en-US" dirty="0"/>
+              <a:t>, e.g. understanding of Chinese (assuming Chinese symbols), even if you don’t understand Chinese.</a:t>
+            </a:r>
+          </a:p>
+          <a:p>
+            <a:r>
+              <a:rPr lang="en-US" dirty="0"/>
+              <a:t>The idea is that a purely computational view (symbols manipulation) cannot make sense of things like </a:t>
+            </a:r>
+            <a:r>
+              <a:rPr lang="en-US" i="1" dirty="0"/>
+              <a:t>understanding</a:t>
+            </a:r>
+            <a:r>
+              <a:rPr lang="en-US" dirty="0"/>
+              <a:t>.</a:t>
+            </a:r>
+            <a:endParaRPr lang="en-DE" dirty="0"/>
+          </a:p>
+        </p:txBody>
+      </p:sp>
+    </p:spTree>
+    <p:extLst>
+      <p:ext uri="{BB962C8B-B14F-4D97-AF65-F5344CB8AC3E}">
+        <p14:creationId xmlns:p14="http://schemas.microsoft.com/office/powerpoint/2010/main" val="3121483008"/>
+      </p:ext>
+    </p:extLst>
+  </p:cSld>
+  <p:clrMapOvr>
+    <a:masterClrMapping/>
+  </p:clrMapOvr>
+  <p:timing>
+    <p:tnLst>
+      <p:par>
+        <p:cTn id="1" dur="indefinite" restart="never" nodeType="tmRoot">
+          <p:childTnLst>
+            <p:seq concurrent="1" nextAc="seek">
+              <p:cTn id="2" dur="indefinite" nodeType="mainSeq">
+                <p:childTnLst>
+                  <p:par>
+                    <p:cTn id="3" fill="hold">
+                      <p:stCondLst>
+                        <p:cond delay="indefinite"/>
+                      </p:stCondLst>
+                      <p:childTnLst>
+                        <p:par>
+                          <p:cTn id="4" fill="hold">
+                            <p:stCondLst>
+                              <p:cond delay="0"/>
+                            </p:stCondLst>
+                            <p:childTnLst>
+                              <p:par>
+                                <p:cTn id="5" presetID="1" presetClass="entr" presetSubtype="0" fill="hold" nodeType="clickEffect">
+                                  <p:stCondLst>
+                                    <p:cond delay="0"/>
+                                  </p:stCondLst>
+                                  <p:childTnLst>
+                                    <p:set>
+                                      <p:cBhvr>
+                                        <p:cTn id="6" dur="1" fill="hold">
+                                          <p:stCondLst>
+                                            <p:cond delay="0"/>
+                                          </p:stCondLst>
+                                        </p:cTn>
+                                        <p:tgtEl>
+                                          <p:spTgt spid="3">
+                                            <p:txEl>
+                                              <p:pRg st="0" end="0"/>
+                                            </p:txEl>
+                                          </p:spTgt>
+                                        </p:tgtEl>
+                                        <p:attrNameLst>
+                                          <p:attrName>style.visibility</p:attrName>
+                                        </p:attrNameLst>
+                                      </p:cBhvr>
+                                      <p:to>
+                                        <p:strVal val="visible"/>
+                                      </p:to>
+                                    </p:set>
+                                  </p:childTnLst>
+                                </p:cTn>
+                              </p:par>
+                            </p:childTnLst>
+                          </p:cTn>
+                        </p:par>
+                      </p:childTnLst>
+                    </p:cTn>
+                  </p:par>
+                  <p:par>
+                    <p:cTn id="7" fill="hold">
+                      <p:stCondLst>
+                        <p:cond delay="indefinite"/>
+                      </p:stCondLst>
+                      <p:childTnLst>
+                        <p:par>
+                          <p:cTn id="8" fill="hold">
+                            <p:stCondLst>
+                              <p:cond delay="0"/>
+                            </p:stCondLst>
+                            <p:childTnLst>
+                              <p:par>
+                                <p:cTn id="9" presetID="1" presetClass="entr" presetSubtype="0" fill="hold" nodeType="clickEffect">
+                                  <p:stCondLst>
+                                    <p:cond delay="0"/>
+                                  </p:stCondLst>
+                                  <p:childTnLst>
+                                    <p:set>
+                                      <p:cBhvr>
+                                        <p:cTn id="10" dur="1" fill="hold">
+                                          <p:stCondLst>
+                                            <p:cond delay="0"/>
+                                          </p:stCondLst>
+                                        </p:cTn>
+                                        <p:tgtEl>
+                                          <p:spTgt spid="3">
+                                            <p:txEl>
+                                              <p:pRg st="1" end="1"/>
+                                            </p:txEl>
+                                          </p:spTgt>
+                                        </p:tgtEl>
+                                        <p:attrNameLst>
+                                          <p:attrName>style.visibility</p:attrName>
+                                        </p:attrNameLst>
+                                      </p:cBhvr>
+                                      <p:to>
+                                        <p:strVal val="visible"/>
+                                      </p:to>
+                                    </p:set>
+                                  </p:childTnLst>
+                                </p:cTn>
+                              </p:par>
+                            </p:childTnLst>
+                          </p:cTn>
+                        </p:par>
+                      </p:childTnLst>
+                    </p:cTn>
+                  </p:par>
+                  <p:par>
+                    <p:cTn id="11" fill="hold">
+                      <p:stCondLst>
+                        <p:cond delay="indefinite"/>
+                      </p:stCondLst>
+                      <p:childTnLst>
+                        <p:par>
+                          <p:cTn id="12" fill="hold">
+                            <p:stCondLst>
+                              <p:cond delay="0"/>
+                            </p:stCondLst>
+                            <p:childTnLst>
+                              <p:par>
+                                <p:cTn id="13" presetID="1" presetClass="entr" presetSubtype="0" fill="hold" nodeType="clickEffect">
+                                  <p:stCondLst>
+                                    <p:cond delay="0"/>
+                                  </p:stCondLst>
+                                  <p:childTnLst>
+                                    <p:set>
+                                      <p:cBhvr>
+                                        <p:cTn id="14" dur="1" fill="hold">
+                                          <p:stCondLst>
+                                            <p:cond delay="0"/>
+                                          </p:stCondLst>
+                                        </p:cTn>
+                                        <p:tgtEl>
+                                          <p:spTgt spid="3">
+                                            <p:txEl>
+                                              <p:pRg st="2" end="2"/>
+                                            </p:txEl>
+                                          </p:spTgt>
+                                        </p:tgtEl>
+                                        <p:attrNameLst>
+                                          <p:attrName>style.visibility</p:attrName>
+                                        </p:attrNameLst>
+                                      </p:cBhvr>
+                                      <p:to>
+                                        <p:strVal val="visible"/>
+                                      </p:to>
+                                    </p:set>
+                                  </p:childTnLst>
+                                </p:cTn>
+                              </p:par>
+                            </p:childTnLst>
+                          </p:cTn>
+                        </p:par>
+                      </p:childTnLst>
+                    </p:cTn>
+                  </p:par>
+                  <p:par>
+                    <p:cTn id="15" fill="hold">
+                      <p:stCondLst>
+                        <p:cond delay="indefinite"/>
+                      </p:stCondLst>
+                      <p:childTnLst>
+                        <p:par>
+                          <p:cTn id="16" fill="hold">
+                            <p:stCondLst>
+                              <p:cond delay="0"/>
+                            </p:stCondLst>
+                            <p:childTnLst>
+                              <p:par>
+                                <p:cTn id="17" presetID="1" presetClass="entr" presetSubtype="0" fill="hold" nodeType="clickEffect">
+                                  <p:stCondLst>
+                                    <p:cond delay="0"/>
+                                  </p:stCondLst>
+                                  <p:childTnLst>
+                                    <p:set>
+                                      <p:cBhvr>
+                                        <p:cTn id="18" dur="1" fill="hold">
+                                          <p:stCondLst>
+                                            <p:cond delay="0"/>
+                                          </p:stCondLst>
+                                        </p:cTn>
+                                        <p:tgtEl>
+                                          <p:spTgt spid="3">
+                                            <p:txEl>
+                                              <p:pRg st="3" end="3"/>
+                                            </p:txEl>
+                                          </p:spTgt>
+                                        </p:tgtEl>
+                                        <p:attrNameLst>
+                                          <p:attrName>style.visibility</p:attrName>
+                                        </p:attrNameLst>
+                                      </p:cBhvr>
+                                      <p:to>
+                                        <p:strVal val="visible"/>
+                                      </p:to>
+                                    </p:set>
+                                  </p:childTnLst>
+                                </p:cTn>
+                              </p:par>
+                            </p:childTnLst>
+                          </p:cTn>
+                        </p:par>
+                      </p:childTnLst>
+                    </p:cTn>
+                  </p:par>
+                  <p:par>
+                    <p:cTn id="19" fill="hold">
+                      <p:stCondLst>
+                        <p:cond delay="indefinite"/>
+                      </p:stCondLst>
+                      <p:childTnLst>
+                        <p:par>
+                          <p:cTn id="20" fill="hold">
+                            <p:stCondLst>
+                              <p:cond delay="0"/>
+                            </p:stCondLst>
+                            <p:childTnLst>
+                              <p:par>
+                                <p:cTn id="21" presetID="1" presetClass="entr" presetSubtype="0" fill="hold" nodeType="clickEffect">
+                                  <p:stCondLst>
+                                    <p:cond delay="0"/>
+                                  </p:stCondLst>
+                                  <p:childTnLst>
+                                    <p:set>
+                                      <p:cBhvr>
+                                        <p:cTn id="22" dur="1" fill="hold">
+                                          <p:stCondLst>
+                                            <p:cond delay="0"/>
+                                          </p:stCondLst>
+                                        </p:cTn>
+                                        <p:tgtEl>
+                                          <p:spTgt spid="3">
+                                            <p:txEl>
+                                              <p:pRg st="4" end="4"/>
+                                            </p:txEl>
+                                          </p:spTgt>
+                                        </p:tgtEl>
+                                        <p:attrNameLst>
+                                          <p:attrName>style.visibility</p:attrName>
+                                        </p:attrNameLst>
+                                      </p:cBhvr>
+                                      <p:to>
+                                        <p:strVal val="visible"/>
+                                      </p:to>
+                                    </p:set>
+                                  </p:childTnLst>
+                                </p:cTn>
+                              </p:par>
+                            </p:childTnLst>
+                          </p:cTn>
+                        </p:par>
+                      </p:childTnLst>
+                    </p:cTn>
+                  </p:par>
+                  <p:par>
+                    <p:cTn id="23" fill="hold">
+                      <p:stCondLst>
+                        <p:cond delay="indefinite"/>
+                      </p:stCondLst>
+                      <p:childTnLst>
+                        <p:par>
+                          <p:cTn id="24" fill="hold">
+                            <p:stCondLst>
+                              <p:cond delay="0"/>
+                            </p:stCondLst>
+                            <p:childTnLst>
+                              <p:par>
+                                <p:cTn id="25" presetID="1" presetClass="entr" presetSubtype="0" fill="hold" nodeType="clickEffect">
+                                  <p:stCondLst>
+                                    <p:cond delay="0"/>
+                                  </p:stCondLst>
+                                  <p:childTnLst>
+                                    <p:set>
+                                      <p:cBhvr>
+                                        <p:cTn id="26" dur="1" fill="hold">
+                                          <p:stCondLst>
+                                            <p:cond delay="0"/>
+                                          </p:stCondLst>
+                                        </p:cTn>
+                                        <p:tgtEl>
+                                          <p:spTgt spid="3">
+                                            <p:txEl>
+                                              <p:pRg st="5" end="5"/>
+                                            </p:txEl>
+                                          </p:spTgt>
+                                        </p:tgtEl>
+                                        <p:attrNameLst>
+                                          <p:attrName>style.visibility</p:attrName>
+                                        </p:attrNameLst>
+                                      </p:cBhvr>
+                                      <p:to>
+                                        <p:strVal val="visible"/>
+                                      </p:to>
+                                    </p:set>
+                                  </p:childTnLst>
+                                </p:cTn>
+                              </p:par>
+                            </p:childTnLst>
+                          </p:cTn>
+                        </p:par>
+                      </p:childTnLst>
+                    </p:cTn>
+                  </p:par>
+                  <p:par>
+                    <p:cTn id="27" fill="hold">
+                      <p:stCondLst>
+                        <p:cond delay="indefinite"/>
+                      </p:stCondLst>
+                      <p:childTnLst>
+                        <p:par>
+                          <p:cTn id="28" fill="hold">
+                            <p:stCondLst>
+                              <p:cond delay="0"/>
+                            </p:stCondLst>
+                            <p:childTnLst>
+                              <p:par>
+                                <p:cTn id="29" presetID="1" presetClass="entr" presetSubtype="0" fill="hold" nodeType="clickEffect">
+                                  <p:stCondLst>
+                                    <p:cond delay="0"/>
+                                  </p:stCondLst>
+                                  <p:childTnLst>
+                                    <p:set>
+                                      <p:cBhvr>
+                                        <p:cTn id="30" dur="1" fill="hold">
+                                          <p:stCondLst>
+                                            <p:cond delay="0"/>
+                                          </p:stCondLst>
+                                        </p:cTn>
+                                        <p:tgtEl>
+                                          <p:spTgt spid="3">
+                                            <p:txEl>
+                                              <p:pRg st="6" end="6"/>
+                                            </p:txEl>
+                                          </p:spTgt>
+                                        </p:tgtEl>
+                                        <p:attrNameLst>
+                                          <p:attrName>style.visibility</p:attrName>
+                                        </p:attrNameLst>
+                                      </p:cBhvr>
+                                      <p:to>
+                                        <p:strVal val="visible"/>
+                                      </p:to>
+                                    </p:set>
+                                  </p:childTnLst>
+                                </p:cTn>
+                              </p:par>
+                            </p:childTnLst>
+                          </p:cTn>
+                        </p:par>
+                      </p:childTnLst>
+                    </p:cTn>
+                  </p:par>
+                  <p:par>
+                    <p:cTn id="31" fill="hold">
+                      <p:stCondLst>
+                        <p:cond delay="indefinite"/>
+                      </p:stCondLst>
+                      <p:childTnLst>
+                        <p:par>
+                          <p:cTn id="32" fill="hold">
+                            <p:stCondLst>
+                              <p:cond delay="0"/>
+                            </p:stCondLst>
+                            <p:childTnLst>
+                              <p:par>
+                                <p:cTn id="33" presetID="1" presetClass="entr" presetSubtype="0" fill="hold" nodeType="clickEffect">
+                                  <p:stCondLst>
+                                    <p:cond delay="0"/>
+                                  </p:stCondLst>
+                                  <p:childTnLst>
+                                    <p:set>
+                                      <p:cBhvr>
+                                        <p:cTn id="34" dur="1" fill="hold">
+                                          <p:stCondLst>
+                                            <p:cond delay="0"/>
+                                          </p:stCondLst>
+                                        </p:cTn>
+                                        <p:tgtEl>
+                                          <p:spTgt spid="3">
+                                            <p:txEl>
+                                              <p:pRg st="7" end="7"/>
+                                            </p:txEl>
+                                          </p:spTgt>
+                                        </p:tgtEl>
+                                        <p:attrNameLst>
+                                          <p:attrName>style.visibility</p:attrName>
+                                        </p:attrNameLst>
+                                      </p:cBhvr>
+                                      <p:to>
+                                        <p:strVal val="visible"/>
+                                      </p:to>
+                                    </p:set>
+                                  </p:childTnLst>
+                                </p:cTn>
+                              </p:par>
+                            </p:childTnLst>
+                          </p:cTn>
+                        </p:par>
+                      </p:childTnLst>
+                    </p:cTn>
+                  </p:par>
+                  <p:par>
+                    <p:cTn id="35" fill="hold">
+                      <p:stCondLst>
+                        <p:cond delay="indefinite"/>
+                      </p:stCondLst>
+                      <p:childTnLst>
+                        <p:par>
+                          <p:cTn id="36" fill="hold">
+                            <p:stCondLst>
+                              <p:cond delay="0"/>
+                            </p:stCondLst>
+                            <p:childTnLst>
+                              <p:par>
+                                <p:cTn id="37" presetID="1" presetClass="entr" presetSubtype="0" fill="hold" nodeType="clickEffect">
+                                  <p:stCondLst>
+                                    <p:cond delay="0"/>
+                                  </p:stCondLst>
+                                  <p:childTnLst>
+                                    <p:set>
+                                      <p:cBhvr>
+                                        <p:cTn id="38" dur="1" fill="hold">
+                                          <p:stCondLst>
+                                            <p:cond delay="0"/>
+                                          </p:stCondLst>
+                                        </p:cTn>
+                                        <p:tgtEl>
+                                          <p:spTgt spid="3">
+                                            <p:txEl>
+                                              <p:pRg st="8" end="8"/>
+                                            </p:txEl>
+                                          </p:spTgt>
+                                        </p:tgtEl>
+                                        <p:attrNameLst>
+                                          <p:attrName>style.visibility</p:attrName>
+                                        </p:attrNameLst>
+                                      </p:cBhvr>
+                                      <p:to>
+                                        <p:strVal val="visible"/>
+                                      </p:to>
+                                    </p:set>
+                                  </p:childTnLst>
+                                </p:cTn>
+                              </p:par>
+                            </p:childTnLst>
+                          </p:cTn>
+                        </p:par>
+                      </p:childTnLst>
+                    </p:cTn>
+                  </p:par>
+                </p:childTnLst>
+              </p:cTn>
+              <p:prevCondLst>
+                <p:cond evt="onPrev" delay="0">
+                  <p:tgtEl>
+                    <p:sldTgt/>
+                  </p:tgtEl>
+                </p:cond>
+              </p:prevCondLst>
+              <p:nextCondLst>
+                <p:cond evt="onNext" delay="0">
+                  <p:tgtEl>
+                    <p:sldTgt/>
+                  </p:tgtEl>
+                </p:cond>
+              </p:nextCondLst>
+            </p:seq>
+          </p:childTnLst>
+        </p:cTn>
+      </p:par>
+    </p:tnLst>
+  </p:timing>
+</p:sld>
+</file>
+
+<file path=ppt/slides/slide8.xml><?xml version="1.0" encoding="utf-8"?>
+<p:sld xmlns:a="http://schemas.openxmlformats.org/drawingml/2006/main" xmlns:r="http://schemas.openxmlformats.org/officeDocument/2006/relationships" xmlns:p="http://schemas.openxmlformats.org/presentationml/2006/main">
+  <p:cSld>
+    <p:spTree>
+      <p:nvGrpSpPr>
+        <p:cNvPr id="1" name=""/>
+        <p:cNvGrpSpPr/>
+        <p:nvPr/>
+      </p:nvGrpSpPr>
+      <p:grpSpPr>
+        <a:xfrm>
+          <a:off x="0" y="0"/>
+          <a:ext cx="0" cy="0"/>
+          <a:chOff x="0" y="0"/>
+          <a:chExt cx="0" cy="0"/>
+        </a:xfrm>
+      </p:grpSpPr>
+      <p:sp>
+        <p:nvSpPr>
+          <p:cNvPr id="2" name="Title 1">
+            <a:extLst>
+              <a:ext uri="{FF2B5EF4-FFF2-40B4-BE49-F238E27FC236}">
+                <a16:creationId xmlns:a16="http://schemas.microsoft.com/office/drawing/2014/main" id="{AE8EA0F1-53BD-4E52-8ADA-F7DEF69F66B7}"/>
+              </a:ext>
+            </a:extLst>
+          </p:cNvPr>
+          <p:cNvSpPr>
+            <a:spLocks noGrp="1"/>
+          </p:cNvSpPr>
+          <p:nvPr>
+            <p:ph type="title"/>
+          </p:nvPr>
+        </p:nvSpPr>
+        <p:spPr/>
+        <p:txBody>
+          <a:bodyPr/>
+          <a:lstStyle/>
+          <a:p>
+            <a:r>
+              <a:rPr lang="en-US" dirty="0"/>
+              <a:t>Searle’s Chinese room</a:t>
+            </a:r>
+            <a:endParaRPr lang="en-DE" dirty="0"/>
+          </a:p>
+        </p:txBody>
+      </p:sp>
+      <p:sp>
+        <p:nvSpPr>
+          <p:cNvPr id="3" name="Content Placeholder 2">
+            <a:extLst>
+              <a:ext uri="{FF2B5EF4-FFF2-40B4-BE49-F238E27FC236}">
+                <a16:creationId xmlns:a16="http://schemas.microsoft.com/office/drawing/2014/main" id="{D22BF690-C9C3-4E0F-A4E3-ABEA6148B509}"/>
+              </a:ext>
+            </a:extLst>
+          </p:cNvPr>
+          <p:cNvSpPr>
+            <a:spLocks noGrp="1"/>
+          </p:cNvSpPr>
+          <p:nvPr>
+            <p:ph idx="1"/>
+          </p:nvPr>
+        </p:nvSpPr>
         <p:spPr>
           <a:xfrm>
             <a:off x="838199" y="1825625"/>
@@ -7128,10 +13841,285 @@
   <p:clrMapOvr>
     <a:masterClrMapping/>
   </p:clrMapOvr>
+  <p:timing>
+    <p:tnLst>
+      <p:par>
+        <p:cTn id="1" dur="indefinite" restart="never" nodeType="tmRoot">
+          <p:childTnLst>
+            <p:seq concurrent="1" nextAc="seek">
+              <p:cTn id="2" dur="indefinite" nodeType="mainSeq">
+                <p:childTnLst>
+                  <p:par>
+                    <p:cTn id="3" fill="hold">
+                      <p:stCondLst>
+                        <p:cond delay="indefinite"/>
+                      </p:stCondLst>
+                      <p:childTnLst>
+                        <p:par>
+                          <p:cTn id="4" fill="hold">
+                            <p:stCondLst>
+                              <p:cond delay="0"/>
+                            </p:stCondLst>
+                            <p:childTnLst>
+                              <p:par>
+                                <p:cTn id="5" presetID="1" presetClass="entr" presetSubtype="0" fill="hold" nodeType="clickEffect">
+                                  <p:stCondLst>
+                                    <p:cond delay="0"/>
+                                  </p:stCondLst>
+                                  <p:childTnLst>
+                                    <p:set>
+                                      <p:cBhvr>
+                                        <p:cTn id="6" dur="1" fill="hold">
+                                          <p:stCondLst>
+                                            <p:cond delay="0"/>
+                                          </p:stCondLst>
+                                        </p:cTn>
+                                        <p:tgtEl>
+                                          <p:spTgt spid="3">
+                                            <p:txEl>
+                                              <p:pRg st="0" end="0"/>
+                                            </p:txEl>
+                                          </p:spTgt>
+                                        </p:tgtEl>
+                                        <p:attrNameLst>
+                                          <p:attrName>style.visibility</p:attrName>
+                                        </p:attrNameLst>
+                                      </p:cBhvr>
+                                      <p:to>
+                                        <p:strVal val="visible"/>
+                                      </p:to>
+                                    </p:set>
+                                  </p:childTnLst>
+                                </p:cTn>
+                              </p:par>
+                            </p:childTnLst>
+                          </p:cTn>
+                        </p:par>
+                      </p:childTnLst>
+                    </p:cTn>
+                  </p:par>
+                  <p:par>
+                    <p:cTn id="7" fill="hold">
+                      <p:stCondLst>
+                        <p:cond delay="indefinite"/>
+                      </p:stCondLst>
+                      <p:childTnLst>
+                        <p:par>
+                          <p:cTn id="8" fill="hold">
+                            <p:stCondLst>
+                              <p:cond delay="0"/>
+                            </p:stCondLst>
+                            <p:childTnLst>
+                              <p:par>
+                                <p:cTn id="9" presetID="1" presetClass="entr" presetSubtype="0" fill="hold" nodeType="clickEffect">
+                                  <p:stCondLst>
+                                    <p:cond delay="0"/>
+                                  </p:stCondLst>
+                                  <p:childTnLst>
+                                    <p:set>
+                                      <p:cBhvr>
+                                        <p:cTn id="10" dur="1" fill="hold">
+                                          <p:stCondLst>
+                                            <p:cond delay="0"/>
+                                          </p:stCondLst>
+                                        </p:cTn>
+                                        <p:tgtEl>
+                                          <p:spTgt spid="3">
+                                            <p:txEl>
+                                              <p:pRg st="1" end="1"/>
+                                            </p:txEl>
+                                          </p:spTgt>
+                                        </p:tgtEl>
+                                        <p:attrNameLst>
+                                          <p:attrName>style.visibility</p:attrName>
+                                        </p:attrNameLst>
+                                      </p:cBhvr>
+                                      <p:to>
+                                        <p:strVal val="visible"/>
+                                      </p:to>
+                                    </p:set>
+                                  </p:childTnLst>
+                                </p:cTn>
+                              </p:par>
+                            </p:childTnLst>
+                          </p:cTn>
+                        </p:par>
+                      </p:childTnLst>
+                    </p:cTn>
+                  </p:par>
+                  <p:par>
+                    <p:cTn id="11" fill="hold">
+                      <p:stCondLst>
+                        <p:cond delay="indefinite"/>
+                      </p:stCondLst>
+                      <p:childTnLst>
+                        <p:par>
+                          <p:cTn id="12" fill="hold">
+                            <p:stCondLst>
+                              <p:cond delay="0"/>
+                            </p:stCondLst>
+                            <p:childTnLst>
+                              <p:par>
+                                <p:cTn id="13" presetID="1" presetClass="entr" presetSubtype="0" fill="hold" nodeType="clickEffect">
+                                  <p:stCondLst>
+                                    <p:cond delay="0"/>
+                                  </p:stCondLst>
+                                  <p:childTnLst>
+                                    <p:set>
+                                      <p:cBhvr>
+                                        <p:cTn id="14" dur="1" fill="hold">
+                                          <p:stCondLst>
+                                            <p:cond delay="0"/>
+                                          </p:stCondLst>
+                                        </p:cTn>
+                                        <p:tgtEl>
+                                          <p:spTgt spid="3">
+                                            <p:txEl>
+                                              <p:pRg st="2" end="2"/>
+                                            </p:txEl>
+                                          </p:spTgt>
+                                        </p:tgtEl>
+                                        <p:attrNameLst>
+                                          <p:attrName>style.visibility</p:attrName>
+                                        </p:attrNameLst>
+                                      </p:cBhvr>
+                                      <p:to>
+                                        <p:strVal val="visible"/>
+                                      </p:to>
+                                    </p:set>
+                                  </p:childTnLst>
+                                </p:cTn>
+                              </p:par>
+                            </p:childTnLst>
+                          </p:cTn>
+                        </p:par>
+                      </p:childTnLst>
+                    </p:cTn>
+                  </p:par>
+                  <p:par>
+                    <p:cTn id="15" fill="hold">
+                      <p:stCondLst>
+                        <p:cond delay="indefinite"/>
+                      </p:stCondLst>
+                      <p:childTnLst>
+                        <p:par>
+                          <p:cTn id="16" fill="hold">
+                            <p:stCondLst>
+                              <p:cond delay="0"/>
+                            </p:stCondLst>
+                            <p:childTnLst>
+                              <p:par>
+                                <p:cTn id="17" presetID="1" presetClass="entr" presetSubtype="0" fill="hold" nodeType="clickEffect">
+                                  <p:stCondLst>
+                                    <p:cond delay="0"/>
+                                  </p:stCondLst>
+                                  <p:childTnLst>
+                                    <p:set>
+                                      <p:cBhvr>
+                                        <p:cTn id="18" dur="1" fill="hold">
+                                          <p:stCondLst>
+                                            <p:cond delay="0"/>
+                                          </p:stCondLst>
+                                        </p:cTn>
+                                        <p:tgtEl>
+                                          <p:spTgt spid="3">
+                                            <p:txEl>
+                                              <p:pRg st="3" end="3"/>
+                                            </p:txEl>
+                                          </p:spTgt>
+                                        </p:tgtEl>
+                                        <p:attrNameLst>
+                                          <p:attrName>style.visibility</p:attrName>
+                                        </p:attrNameLst>
+                                      </p:cBhvr>
+                                      <p:to>
+                                        <p:strVal val="visible"/>
+                                      </p:to>
+                                    </p:set>
+                                  </p:childTnLst>
+                                </p:cTn>
+                              </p:par>
+                            </p:childTnLst>
+                          </p:cTn>
+                        </p:par>
+                      </p:childTnLst>
+                    </p:cTn>
+                  </p:par>
+                  <p:par>
+                    <p:cTn id="19" fill="hold">
+                      <p:stCondLst>
+                        <p:cond delay="indefinite"/>
+                      </p:stCondLst>
+                      <p:childTnLst>
+                        <p:par>
+                          <p:cTn id="20" fill="hold">
+                            <p:stCondLst>
+                              <p:cond delay="0"/>
+                            </p:stCondLst>
+                            <p:childTnLst>
+                              <p:par>
+                                <p:cTn id="21" presetID="1" presetClass="entr" presetSubtype="0" fill="hold" nodeType="clickEffect">
+                                  <p:stCondLst>
+                                    <p:cond delay="0"/>
+                                  </p:stCondLst>
+                                  <p:childTnLst>
+                                    <p:set>
+                                      <p:cBhvr>
+                                        <p:cTn id="22" dur="1" fill="hold">
+                                          <p:stCondLst>
+                                            <p:cond delay="0"/>
+                                          </p:stCondLst>
+                                        </p:cTn>
+                                        <p:tgtEl>
+                                          <p:spTgt spid="3">
+                                            <p:txEl>
+                                              <p:pRg st="4" end="4"/>
+                                            </p:txEl>
+                                          </p:spTgt>
+                                        </p:tgtEl>
+                                        <p:attrNameLst>
+                                          <p:attrName>style.visibility</p:attrName>
+                                        </p:attrNameLst>
+                                      </p:cBhvr>
+                                      <p:to>
+                                        <p:strVal val="visible"/>
+                                      </p:to>
+                                    </p:set>
+                                  </p:childTnLst>
+                                </p:cTn>
+                              </p:par>
+                            </p:childTnLst>
+                          </p:cTn>
+                        </p:par>
+                      </p:childTnLst>
+                    </p:cTn>
+                  </p:par>
+                </p:childTnLst>
+              </p:cTn>
+              <p:prevCondLst>
+                <p:cond evt="onPrev" delay="0">
+                  <p:tgtEl>
+                    <p:sldTgt/>
+                  </p:tgtEl>
+                </p:cond>
+              </p:prevCondLst>
+              <p:nextCondLst>
+                <p:cond evt="onNext" delay="0">
+                  <p:tgtEl>
+                    <p:sldTgt/>
+                  </p:tgtEl>
+                </p:cond>
+              </p:nextCondLst>
+            </p:seq>
+          </p:childTnLst>
+        </p:cTn>
+      </p:par>
+    </p:tnLst>
+  </p:timing>
 </p:sld>
 </file>
 
-<file path=ppt/slides/slide8.xml><?xml version="1.0" encoding="utf-8"?>
+<file path=ppt/slides/slide9.xml><?xml version="1.0" encoding="utf-8"?>
 <p:sld xmlns:a="http://schemas.openxmlformats.org/drawingml/2006/main" xmlns:r="http://schemas.openxmlformats.org/officeDocument/2006/relationships" xmlns:p="http://schemas.openxmlformats.org/presentationml/2006/main">
   <p:cSld>
     <p:spTree>
@@ -7242,193 +14230,232 @@
   <p:clrMapOvr>
     <a:masterClrMapping/>
   </p:clrMapOvr>
-</p:sld>
-</file>
-
-<file path=ppt/slides/slide9.xml><?xml version="1.0" encoding="utf-8"?>
-<p:sld xmlns:a="http://schemas.openxmlformats.org/drawingml/2006/main" xmlns:r="http://schemas.openxmlformats.org/officeDocument/2006/relationships" xmlns:p="http://schemas.openxmlformats.org/presentationml/2006/main">
-  <p:cSld>
-    <p:spTree>
-      <p:nvGrpSpPr>
-        <p:cNvPr id="1" name=""/>
-        <p:cNvGrpSpPr/>
-        <p:nvPr/>
-      </p:nvGrpSpPr>
-      <p:grpSpPr>
-        <a:xfrm>
-          <a:off x="0" y="0"/>
-          <a:ext cx="0" cy="0"/>
-          <a:chOff x="0" y="0"/>
-          <a:chExt cx="0" cy="0"/>
-        </a:xfrm>
-      </p:grpSpPr>
-      <p:sp>
-        <p:nvSpPr>
-          <p:cNvPr id="2" name="Title 1">
-            <a:extLst>
-              <a:ext uri="{FF2B5EF4-FFF2-40B4-BE49-F238E27FC236}">
-                <a16:creationId xmlns:a16="http://schemas.microsoft.com/office/drawing/2014/main" id="{04D3215F-CE57-4CA5-8DA1-0E9092EC73E5}"/>
-              </a:ext>
-            </a:extLst>
-          </p:cNvPr>
-          <p:cNvSpPr>
-            <a:spLocks noGrp="1"/>
-          </p:cNvSpPr>
-          <p:nvPr>
-            <p:ph type="title"/>
-          </p:nvPr>
-        </p:nvSpPr>
-        <p:spPr/>
-        <p:txBody>
-          <a:bodyPr/>
-          <a:lstStyle/>
-          <a:p>
-            <a:r>
-              <a:rPr lang="en-US" dirty="0"/>
-              <a:t>‘Everything is a computer’</a:t>
-            </a:r>
-            <a:endParaRPr lang="en-DE" dirty="0"/>
-          </a:p>
-        </p:txBody>
-      </p:sp>
-      <p:sp>
-        <p:nvSpPr>
-          <p:cNvPr id="3" name="Content Placeholder 2">
-            <a:extLst>
-              <a:ext uri="{FF2B5EF4-FFF2-40B4-BE49-F238E27FC236}">
-                <a16:creationId xmlns:a16="http://schemas.microsoft.com/office/drawing/2014/main" id="{643F557F-C2A9-42A9-93AD-7A91F164662E}"/>
-              </a:ext>
-            </a:extLst>
-          </p:cNvPr>
-          <p:cNvSpPr>
-            <a:spLocks noGrp="1"/>
-          </p:cNvSpPr>
-          <p:nvPr>
-            <p:ph idx="1"/>
-          </p:nvPr>
-        </p:nvSpPr>
-        <p:spPr/>
-        <p:txBody>
-          <a:bodyPr>
-            <a:normAutofit fontScale="92500" lnSpcReduction="10000"/>
-          </a:bodyPr>
-          <a:lstStyle/>
-          <a:p>
-            <a:r>
-              <a:rPr lang="en-US" dirty="0"/>
-              <a:t>Section 2.2 in </a:t>
-            </a:r>
-            <a:r>
-              <a:rPr lang="en-US" i="1" dirty="0"/>
-              <a:t>The Mind as the Software of the Brain</a:t>
-            </a:r>
-          </a:p>
-          <a:p>
-            <a:pPr algn="l"/>
-            <a:r>
-              <a:rPr lang="en-US" dirty="0"/>
-              <a:t>Primary source: </a:t>
-            </a:r>
-            <a:r>
-              <a:rPr lang="en-US" b="0" i="0" dirty="0">
-                <a:solidFill>
-                  <a:srgbClr val="000000"/>
-                </a:solidFill>
-                <a:effectLst/>
-              </a:rPr>
-              <a:t>Putnam, Hilary, 1988. </a:t>
-            </a:r>
-            <a:r>
-              <a:rPr lang="en-US" b="0" i="1" dirty="0">
-                <a:solidFill>
-                  <a:srgbClr val="000000"/>
-                </a:solidFill>
-                <a:effectLst/>
-              </a:rPr>
-              <a:t>Representation and Reality</a:t>
-            </a:r>
-            <a:r>
-              <a:rPr lang="en-US" b="0" i="0" dirty="0">
-                <a:solidFill>
-                  <a:srgbClr val="000000"/>
-                </a:solidFill>
-                <a:effectLst/>
-              </a:rPr>
-              <a:t> (pp.95-96 and 121-125). </a:t>
-            </a:r>
-          </a:p>
-          <a:p>
-            <a:pPr algn="l"/>
-            <a:r>
-              <a:rPr lang="en-US" b="0" i="0" dirty="0">
-                <a:solidFill>
-                  <a:srgbClr val="000000"/>
-                </a:solidFill>
-                <a:effectLst/>
-              </a:rPr>
-              <a:t>This is a long attack on functionalism by Putnam, one of the people who invented it in the first place.</a:t>
-            </a:r>
-          </a:p>
-          <a:p>
-            <a:pPr algn="l"/>
-            <a:r>
-              <a:rPr lang="en-US" dirty="0"/>
-              <a:t>The argument is too complicated to analyze it here (see book’s Appendix)</a:t>
-            </a:r>
-          </a:p>
-          <a:p>
-            <a:pPr algn="l"/>
-            <a:r>
-              <a:rPr lang="en-US" dirty="0"/>
-              <a:t>The conclusion is: any physical system can be </a:t>
-            </a:r>
-            <a:r>
-              <a:rPr lang="en-US" i="1" dirty="0"/>
-              <a:t>interpreted</a:t>
-            </a:r>
-            <a:r>
-              <a:rPr lang="en-US" dirty="0"/>
-              <a:t> as instantiating any computation.</a:t>
-            </a:r>
-          </a:p>
-          <a:p>
-            <a:pPr algn="l"/>
-            <a:r>
-              <a:rPr lang="en-US" dirty="0"/>
-              <a:t>For instance, with the right interpretation we could see a wall as instantiating Doom or Crysis (Can it run Crysis? </a:t>
-            </a:r>
-            <a:r>
-              <a:rPr lang="en-US" i="1" dirty="0"/>
-              <a:t>Yes</a:t>
-            </a:r>
-            <a:r>
-              <a:rPr lang="en-US" dirty="0"/>
-              <a:t>)</a:t>
-            </a:r>
-          </a:p>
-          <a:p>
-            <a:pPr algn="l"/>
-            <a:r>
-              <a:rPr lang="en-US" dirty="0"/>
-              <a:t>And since there is no fact of the matter as to what interpretation is ‘correct’, computation cannot identify mental states.</a:t>
-            </a:r>
-            <a:br>
-              <a:rPr lang="en-US" dirty="0"/>
-            </a:br>
-            <a:endParaRPr lang="en-DE" dirty="0"/>
-          </a:p>
-        </p:txBody>
-      </p:sp>
-    </p:spTree>
-    <p:extLst>
-      <p:ext uri="{BB962C8B-B14F-4D97-AF65-F5344CB8AC3E}">
-        <p14:creationId xmlns:p14="http://schemas.microsoft.com/office/powerpoint/2010/main" val="4202917446"/>
-      </p:ext>
-    </p:extLst>
-  </p:cSld>
-  <p:clrMapOvr>
-    <a:masterClrMapping/>
-  </p:clrMapOvr>
+  <p:timing>
+    <p:tnLst>
+      <p:par>
+        <p:cTn id="1" dur="indefinite" restart="never" nodeType="tmRoot">
+          <p:childTnLst>
+            <p:seq concurrent="1" nextAc="seek">
+              <p:cTn id="2" dur="indefinite" nodeType="mainSeq">
+                <p:childTnLst>
+                  <p:par>
+                    <p:cTn id="3" fill="hold">
+                      <p:stCondLst>
+                        <p:cond delay="indefinite"/>
+                      </p:stCondLst>
+                      <p:childTnLst>
+                        <p:par>
+                          <p:cTn id="4" fill="hold">
+                            <p:stCondLst>
+                              <p:cond delay="0"/>
+                            </p:stCondLst>
+                            <p:childTnLst>
+                              <p:par>
+                                <p:cTn id="5" presetID="1" presetClass="entr" presetSubtype="0" fill="hold" nodeType="clickEffect">
+                                  <p:stCondLst>
+                                    <p:cond delay="0"/>
+                                  </p:stCondLst>
+                                  <p:childTnLst>
+                                    <p:set>
+                                      <p:cBhvr>
+                                        <p:cTn id="6" dur="1" fill="hold">
+                                          <p:stCondLst>
+                                            <p:cond delay="0"/>
+                                          </p:stCondLst>
+                                        </p:cTn>
+                                        <p:tgtEl>
+                                          <p:spTgt spid="3">
+                                            <p:txEl>
+                                              <p:pRg st="0" end="0"/>
+                                            </p:txEl>
+                                          </p:spTgt>
+                                        </p:tgtEl>
+                                        <p:attrNameLst>
+                                          <p:attrName>style.visibility</p:attrName>
+                                        </p:attrNameLst>
+                                      </p:cBhvr>
+                                      <p:to>
+                                        <p:strVal val="visible"/>
+                                      </p:to>
+                                    </p:set>
+                                  </p:childTnLst>
+                                </p:cTn>
+                              </p:par>
+                            </p:childTnLst>
+                          </p:cTn>
+                        </p:par>
+                      </p:childTnLst>
+                    </p:cTn>
+                  </p:par>
+                  <p:par>
+                    <p:cTn id="7" fill="hold">
+                      <p:stCondLst>
+                        <p:cond delay="indefinite"/>
+                      </p:stCondLst>
+                      <p:childTnLst>
+                        <p:par>
+                          <p:cTn id="8" fill="hold">
+                            <p:stCondLst>
+                              <p:cond delay="0"/>
+                            </p:stCondLst>
+                            <p:childTnLst>
+                              <p:par>
+                                <p:cTn id="9" presetID="1" presetClass="entr" presetSubtype="0" fill="hold" nodeType="clickEffect">
+                                  <p:stCondLst>
+                                    <p:cond delay="0"/>
+                                  </p:stCondLst>
+                                  <p:childTnLst>
+                                    <p:set>
+                                      <p:cBhvr>
+                                        <p:cTn id="10" dur="1" fill="hold">
+                                          <p:stCondLst>
+                                            <p:cond delay="0"/>
+                                          </p:stCondLst>
+                                        </p:cTn>
+                                        <p:tgtEl>
+                                          <p:spTgt spid="3">
+                                            <p:txEl>
+                                              <p:pRg st="1" end="1"/>
+                                            </p:txEl>
+                                          </p:spTgt>
+                                        </p:tgtEl>
+                                        <p:attrNameLst>
+                                          <p:attrName>style.visibility</p:attrName>
+                                        </p:attrNameLst>
+                                      </p:cBhvr>
+                                      <p:to>
+                                        <p:strVal val="visible"/>
+                                      </p:to>
+                                    </p:set>
+                                  </p:childTnLst>
+                                </p:cTn>
+                              </p:par>
+                            </p:childTnLst>
+                          </p:cTn>
+                        </p:par>
+                      </p:childTnLst>
+                    </p:cTn>
+                  </p:par>
+                  <p:par>
+                    <p:cTn id="11" fill="hold">
+                      <p:stCondLst>
+                        <p:cond delay="indefinite"/>
+                      </p:stCondLst>
+                      <p:childTnLst>
+                        <p:par>
+                          <p:cTn id="12" fill="hold">
+                            <p:stCondLst>
+                              <p:cond delay="0"/>
+                            </p:stCondLst>
+                            <p:childTnLst>
+                              <p:par>
+                                <p:cTn id="13" presetID="1" presetClass="entr" presetSubtype="0" fill="hold" nodeType="clickEffect">
+                                  <p:stCondLst>
+                                    <p:cond delay="0"/>
+                                  </p:stCondLst>
+                                  <p:childTnLst>
+                                    <p:set>
+                                      <p:cBhvr>
+                                        <p:cTn id="14" dur="1" fill="hold">
+                                          <p:stCondLst>
+                                            <p:cond delay="0"/>
+                                          </p:stCondLst>
+                                        </p:cTn>
+                                        <p:tgtEl>
+                                          <p:spTgt spid="3">
+                                            <p:txEl>
+                                              <p:pRg st="2" end="2"/>
+                                            </p:txEl>
+                                          </p:spTgt>
+                                        </p:tgtEl>
+                                        <p:attrNameLst>
+                                          <p:attrName>style.visibility</p:attrName>
+                                        </p:attrNameLst>
+                                      </p:cBhvr>
+                                      <p:to>
+                                        <p:strVal val="visible"/>
+                                      </p:to>
+                                    </p:set>
+                                  </p:childTnLst>
+                                </p:cTn>
+                              </p:par>
+                            </p:childTnLst>
+                          </p:cTn>
+                        </p:par>
+                      </p:childTnLst>
+                    </p:cTn>
+                  </p:par>
+                  <p:par>
+                    <p:cTn id="15" fill="hold">
+                      <p:stCondLst>
+                        <p:cond delay="indefinite"/>
+                      </p:stCondLst>
+                      <p:childTnLst>
+                        <p:par>
+                          <p:cTn id="16" fill="hold">
+                            <p:stCondLst>
+                              <p:cond delay="0"/>
+                            </p:stCondLst>
+                            <p:childTnLst>
+                              <p:par>
+                                <p:cTn id="17" presetID="1" presetClass="entr" presetSubtype="0" fill="hold" nodeType="clickEffect">
+                                  <p:stCondLst>
+                                    <p:cond delay="0"/>
+                                  </p:stCondLst>
+                                  <p:childTnLst>
+                                    <p:set>
+                                      <p:cBhvr>
+                                        <p:cTn id="18" dur="1" fill="hold">
+                                          <p:stCondLst>
+                                            <p:cond delay="0"/>
+                                          </p:stCondLst>
+                                        </p:cTn>
+                                        <p:tgtEl>
+                                          <p:spTgt spid="3">
+                                            <p:txEl>
+                                              <p:pRg st="3" end="3"/>
+                                            </p:txEl>
+                                          </p:spTgt>
+                                        </p:tgtEl>
+                                        <p:attrNameLst>
+                                          <p:attrName>style.visibility</p:attrName>
+                                        </p:attrNameLst>
+                                      </p:cBhvr>
+                                      <p:to>
+                                        <p:strVal val="visible"/>
+                                      </p:to>
+                                    </p:set>
+                                  </p:childTnLst>
+                                </p:cTn>
+                              </p:par>
+                            </p:childTnLst>
+                          </p:cTn>
+                        </p:par>
+                      </p:childTnLst>
+                    </p:cTn>
+                  </p:par>
+                </p:childTnLst>
+              </p:cTn>
+              <p:prevCondLst>
+                <p:cond evt="onPrev" delay="0">
+                  <p:tgtEl>
+                    <p:sldTgt/>
+                  </p:tgtEl>
+                </p:cond>
+              </p:prevCondLst>
+              <p:nextCondLst>
+                <p:cond evt="onNext" delay="0">
+                  <p:tgtEl>
+                    <p:sldTgt/>
+                  </p:tgtEl>
+                </p:cond>
+              </p:nextCondLst>
+            </p:seq>
+          </p:childTnLst>
+        </p:cTn>
+      </p:par>
+    </p:tnLst>
+  </p:timing>
 </p:sld>
 </file>
 
